--- a/BDA_Final.pptx
+++ b/BDA_Final.pptx
@@ -5,7 +5,7 @@
     <p:sldMasterId id="2147483648" r:id="rId1"/>
   </p:sldMasterIdLst>
   <p:notesMasterIdLst>
-    <p:notesMasterId r:id="rId34"/>
+    <p:notesMasterId r:id="rId36"/>
   </p:notesMasterIdLst>
   <p:sldIdLst>
     <p:sldId id="256" r:id="rId2"/>
@@ -36,10 +36,12 @@
     <p:sldId id="278" r:id="rId27"/>
     <p:sldId id="277" r:id="rId28"/>
     <p:sldId id="270" r:id="rId29"/>
-    <p:sldId id="281" r:id="rId30"/>
+    <p:sldId id="292" r:id="rId30"/>
     <p:sldId id="263" r:id="rId31"/>
-    <p:sldId id="282" r:id="rId32"/>
-    <p:sldId id="283" r:id="rId33"/>
+    <p:sldId id="293" r:id="rId32"/>
+    <p:sldId id="294" r:id="rId33"/>
+    <p:sldId id="282" r:id="rId34"/>
+    <p:sldId id="283" r:id="rId35"/>
   </p:sldIdLst>
   <p:sldSz cx="12192000" cy="6858000"/>
   <p:notesSz cx="6858000" cy="9144000"/>
@@ -228,7 +230,7 @@
           <a:p>
             <a:fld id="{407347E7-AB2C-4DCC-BC63-0B11171EA9A3}" type="datetimeFigureOut">
               <a:rPr lang="zh-TW" altLang="en-US" smtClean="0"/>
-              <a:t>2020/11/30</a:t>
+              <a:t>2020/12/1</a:t>
             </a:fld>
             <a:endParaRPr lang="zh-TW" altLang="en-US"/>
           </a:p>
@@ -6854,23 +6856,11 @@
               <a:buNone/>
             </a:pPr>
             <a:r>
-              <a:rPr lang="zh-TW" altLang="zh-TW" dirty="0">
+              <a:rPr lang="zh-TW" altLang="zh-TW" sz="2400" dirty="0">
                 <a:latin typeface="Microsoft JhengHei" panose="020B0604030504040204" pitchFamily="34" charset="-120"/>
                 <a:ea typeface="Microsoft JhengHei" panose="020B0604030504040204" pitchFamily="34" charset="-120"/>
               </a:rPr>
-              <a:t>根據上圖分析，訪問課程內容可能並不像討論那樣是表現良好的必經之路。</a:t>
-            </a:r>
-          </a:p>
-          <a:p>
-            <a:pPr marL="0" indent="0">
-              <a:buNone/>
-            </a:pPr>
-            <a:r>
-              <a:rPr lang="zh-TW" altLang="zh-TW" dirty="0">
-                <a:latin typeface="Microsoft JhengHei" panose="020B0604030504040204" pitchFamily="34" charset="-120"/>
-                <a:ea typeface="Microsoft JhengHei" panose="020B0604030504040204" pitchFamily="34" charset="-120"/>
-              </a:rPr>
-              <a:t>四者排序應該是：是否參加討論、訪問課程內容的次數、在課上有舉手的次數、檢查新公告的次數</a:t>
+              <a:t>根據圖分析，訪問課程內容可能並不像討論那樣是表現良好的必經之路，舉手可能並不像檢查新公告那樣是表現良好的必經之路。</a:t>
             </a:r>
           </a:p>
         </p:txBody>
@@ -9973,23 +9963,9 @@
                 <a:latin typeface="Microsoft JhengHei" panose="020B0604030504040204" pitchFamily="34" charset="-120"/>
                 <a:ea typeface="Microsoft JhengHei" panose="020B0604030504040204" pitchFamily="34" charset="-120"/>
               </a:rPr>
-              <a:t>使用</a:t>
-            </a:r>
-            <a:r>
-              <a:rPr lang="en-US" altLang="zh-TW" sz="3600" b="1" dirty="0">
-                <a:latin typeface="Microsoft JhengHei" panose="020B0604030504040204" pitchFamily="34" charset="-120"/>
-                <a:ea typeface="Microsoft JhengHei" panose="020B0604030504040204" pitchFamily="34" charset="-120"/>
-              </a:rPr>
-              <a:t>Perception</a:t>
-            </a:r>
-            <a:r>
-              <a:rPr lang="zh-TW" altLang="zh-TW" sz="3600" b="1" dirty="0">
-                <a:latin typeface="Microsoft JhengHei" panose="020B0604030504040204" pitchFamily="34" charset="-120"/>
-                <a:ea typeface="Microsoft JhengHei" panose="020B0604030504040204" pitchFamily="34" charset="-120"/>
-              </a:rPr>
-              <a:t>分類器</a:t>
-            </a:r>
-            <a:endParaRPr kumimoji="1" lang="zh-CN" altLang="en-US" sz="3600" dirty="0">
+              <a:t>找出預測準確度最高的分類器</a:t>
+            </a:r>
+            <a:endParaRPr kumimoji="1" lang="zh-CN" altLang="en-US" sz="2800" dirty="0">
               <a:latin typeface="Microsoft JhengHei" panose="020B0604030504040204" pitchFamily="34" charset="-120"/>
               <a:ea typeface="Microsoft JhengHei" panose="020B0604030504040204" pitchFamily="34" charset="-120"/>
             </a:endParaRPr>
@@ -10054,49 +10030,6 @@
           </a:p>
         </p:txBody>
       </p:sp>
-      <p:pic>
-        <p:nvPicPr>
-          <p:cNvPr id="7" name="內容版面配置區 6">
-            <a:extLst>
-              <a:ext uri="{FF2B5EF4-FFF2-40B4-BE49-F238E27FC236}">
-                <a16:creationId xmlns:a16="http://schemas.microsoft.com/office/drawing/2014/main" id="{B57F2A96-771E-484F-AA1B-39B236CF178E}"/>
-              </a:ext>
-            </a:extLst>
-          </p:cNvPr>
-          <p:cNvPicPr>
-            <a:picLocks noGrp="1"/>
-          </p:cNvPicPr>
-          <p:nvPr>
-            <p:ph idx="1"/>
-          </p:nvPr>
-        </p:nvPicPr>
-        <p:blipFill>
-          <a:blip r:embed="rId2">
-            <a:extLst>
-              <a:ext uri="{28A0092B-C50C-407E-A947-70E740481C1C}">
-                <a14:useLocalDpi xmlns:a14="http://schemas.microsoft.com/office/drawing/2010/main" val="0"/>
-              </a:ext>
-            </a:extLst>
-          </a:blip>
-          <a:srcRect/>
-          <a:stretch>
-            <a:fillRect/>
-          </a:stretch>
-        </p:blipFill>
-        <p:spPr bwMode="auto">
-          <a:xfrm>
-            <a:off x="6844812" y="1860550"/>
-            <a:ext cx="4762500" cy="3136900"/>
-          </a:xfrm>
-          <a:prstGeom prst="rect">
-            <a:avLst/>
-          </a:prstGeom>
-          <a:noFill/>
-          <a:ln>
-            <a:noFill/>
-          </a:ln>
-        </p:spPr>
-      </p:pic>
       <p:sp>
         <p:nvSpPr>
           <p:cNvPr id="8" name="文字方塊 7">
@@ -10111,8 +10044,8 @@
         </p:nvSpPr>
         <p:spPr>
           <a:xfrm>
-            <a:off x="1019908" y="1462703"/>
-            <a:ext cx="4821384" cy="4893647"/>
+            <a:off x="1275104" y="1392364"/>
+            <a:ext cx="9641791" cy="4832092"/>
           </a:xfrm>
           <a:prstGeom prst="rect">
             <a:avLst/>
@@ -10120,525 +10053,402 @@
           <a:noFill/>
         </p:spPr>
         <p:txBody>
-          <a:bodyPr wrap="none" rtlCol="0">
+          <a:bodyPr wrap="square" rtlCol="0">
             <a:spAutoFit/>
           </a:bodyPr>
           <a:lstStyle/>
           <a:p>
             <a:r>
-              <a:rPr lang="en-US" altLang="zh-TW" sz="1200" dirty="0"/>
-              <a:t>perc = Perceptron(eta0=0.1, </a:t>
-            </a:r>
-            <a:r>
-              <a:rPr lang="en-US" altLang="zh-TW" sz="1200" dirty="0" err="1"/>
+              <a:rPr lang="en-US" altLang="zh-TW" sz="1400" dirty="0"/>
+              <a:t>keys = []</a:t>
+            </a:r>
+          </a:p>
+          <a:p>
+            <a:r>
+              <a:rPr lang="en-US" altLang="zh-TW" sz="1400" dirty="0"/>
+              <a:t>scores = []</a:t>
+            </a:r>
+          </a:p>
+          <a:p>
+            <a:r>
+              <a:rPr lang="en-US" altLang="zh-TW" sz="1400" dirty="0"/>
+              <a:t>models = {'Logistic Regression': </a:t>
+            </a:r>
+            <a:r>
+              <a:rPr lang="en-US" altLang="zh-TW" sz="1400" dirty="0" err="1"/>
+              <a:t>LogisticRegression</a:t>
+            </a:r>
+            <a:r>
+              <a:rPr lang="en-US" altLang="zh-TW" sz="1400" dirty="0"/>
+              <a:t>(</a:t>
+            </a:r>
+            <a:r>
+              <a:rPr lang="en-US" altLang="zh-TW" sz="1400" dirty="0" err="1"/>
+              <a:t>max_iter</a:t>
+            </a:r>
+            <a:r>
+              <a:rPr lang="en-US" altLang="zh-TW" sz="1400" dirty="0"/>
+              <a:t>=3000), 'Decision Tree': </a:t>
+            </a:r>
+            <a:r>
+              <a:rPr lang="en-US" altLang="zh-TW" sz="1400" dirty="0" err="1"/>
+              <a:t>DecisionTreeClassifier</a:t>
+            </a:r>
+            <a:r>
+              <a:rPr lang="en-US" altLang="zh-TW" sz="1400" dirty="0"/>
+              <a:t>(),</a:t>
+            </a:r>
+          </a:p>
+          <a:p>
+            <a:r>
+              <a:rPr lang="en-US" altLang="zh-TW" sz="1400" dirty="0"/>
+              <a:t>          'Random Forest': </a:t>
+            </a:r>
+            <a:r>
+              <a:rPr lang="en-US" altLang="zh-TW" sz="1400" dirty="0" err="1"/>
+              <a:t>RandomForestClassifier</a:t>
+            </a:r>
+            <a:r>
+              <a:rPr lang="en-US" altLang="zh-TW" sz="1400" dirty="0"/>
+              <a:t>(</a:t>
+            </a:r>
+            <a:r>
+              <a:rPr lang="en-US" altLang="zh-TW" sz="1400" dirty="0" err="1"/>
+              <a:t>n_estimators</a:t>
+            </a:r>
+            <a:r>
+              <a:rPr lang="en-US" altLang="zh-TW" sz="1400" dirty="0"/>
+              <a:t>=300, </a:t>
+            </a:r>
+            <a:r>
+              <a:rPr lang="en-US" altLang="zh-TW" sz="1400" dirty="0" err="1"/>
               <a:t>random_state</a:t>
             </a:r>
             <a:r>
-              <a:rPr lang="en-US" altLang="zh-TW" sz="1200" dirty="0"/>
-              <a:t>=15)  </a:t>
-            </a:r>
-            <a:endParaRPr lang="zh-TW" altLang="zh-TW" sz="1200" dirty="0"/>
-          </a:p>
-          <a:p>
-            <a:r>
-              <a:rPr lang="en-US" altLang="zh-TW" sz="1200" dirty="0"/>
-              <a:t>   </a:t>
-            </a:r>
-            <a:endParaRPr lang="zh-TW" altLang="zh-TW" sz="1200" dirty="0"/>
-          </a:p>
-          <a:p>
-            <a:r>
-              <a:rPr lang="en-US" altLang="zh-TW" sz="1200" dirty="0"/>
-              <a:t># The ratio of </a:t>
-            </a:r>
-            <a:r>
-              <a:rPr lang="en-US" altLang="zh-TW" sz="1200" dirty="0" err="1"/>
-              <a:t>data_train</a:t>
-            </a:r>
-            <a:r>
-              <a:rPr lang="en-US" altLang="zh-TW" sz="1200" dirty="0"/>
-              <a:t> to </a:t>
-            </a:r>
-            <a:r>
-              <a:rPr lang="en-US" altLang="zh-TW" sz="1200" dirty="0" err="1"/>
-              <a:t>data_test</a:t>
-            </a:r>
-            <a:r>
-              <a:rPr lang="en-US" altLang="zh-TW" sz="1200" dirty="0"/>
-              <a:t> is 7:3  </a:t>
-            </a:r>
-            <a:endParaRPr lang="zh-TW" altLang="zh-TW" sz="1200" dirty="0"/>
-          </a:p>
-          <a:p>
-            <a:r>
-              <a:rPr lang="en-US" altLang="zh-TW" sz="1200" dirty="0"/>
-              <a:t>results=[]  </a:t>
-            </a:r>
-            <a:endParaRPr lang="zh-TW" altLang="zh-TW" sz="1200" dirty="0"/>
-          </a:p>
-          <a:p>
-            <a:r>
-              <a:rPr lang="en-US" altLang="zh-TW" sz="1200" dirty="0"/>
-              <a:t>   </a:t>
-            </a:r>
-            <a:endParaRPr lang="zh-TW" altLang="zh-TW" sz="1200" dirty="0"/>
-          </a:p>
-          <a:p>
-            <a:r>
-              <a:rPr lang="en-US" altLang="zh-TW" sz="1200" dirty="0"/>
-              <a:t># Make multiple predictions  </a:t>
-            </a:r>
-            <a:endParaRPr lang="zh-TW" altLang="zh-TW" sz="1200" dirty="0"/>
-          </a:p>
-          <a:p>
-            <a:r>
-              <a:rPr lang="en-US" altLang="zh-TW" sz="1200" b="1" dirty="0"/>
-              <a:t>for</a:t>
-            </a:r>
-            <a:r>
-              <a:rPr lang="en-US" altLang="zh-TW" sz="1200" dirty="0"/>
-              <a:t> _ </a:t>
-            </a:r>
-            <a:r>
-              <a:rPr lang="en-US" altLang="zh-TW" sz="1200" b="1" dirty="0"/>
-              <a:t>in</a:t>
-            </a:r>
-            <a:r>
-              <a:rPr lang="en-US" altLang="zh-TW" sz="1200" dirty="0"/>
-              <a:t> range(1000):  </a:t>
-            </a:r>
-            <a:endParaRPr lang="zh-TW" altLang="zh-TW" sz="1200" dirty="0"/>
-          </a:p>
-          <a:p>
-            <a:r>
-              <a:rPr lang="en-US" altLang="zh-TW" sz="1200" dirty="0"/>
-              <a:t>    # Randomly generate a data set of 0.7  </a:t>
-            </a:r>
-            <a:endParaRPr lang="zh-TW" altLang="zh-TW" sz="1200" dirty="0"/>
-          </a:p>
-          <a:p>
-            <a:r>
-              <a:rPr lang="en-US" altLang="zh-TW" sz="1200" dirty="0"/>
-              <a:t>    </a:t>
-            </a:r>
-            <a:r>
-              <a:rPr lang="en-US" altLang="zh-TW" sz="1200" dirty="0" err="1"/>
-              <a:t>data_train</a:t>
-            </a:r>
-            <a:r>
-              <a:rPr lang="en-US" altLang="zh-TW" sz="1200" dirty="0"/>
-              <a:t> = </a:t>
-            </a:r>
-            <a:r>
-              <a:rPr lang="en-US" altLang="zh-TW" sz="1200" dirty="0" err="1"/>
-              <a:t>data.sample</a:t>
-            </a:r>
-            <a:r>
-              <a:rPr lang="en-US" altLang="zh-TW" sz="1200" dirty="0"/>
-              <a:t>(frac=0.7)  </a:t>
-            </a:r>
-            <a:endParaRPr lang="zh-TW" altLang="zh-TW" sz="1200" dirty="0"/>
-          </a:p>
-          <a:p>
-            <a:r>
-              <a:rPr lang="en-US" altLang="zh-TW" sz="1200" dirty="0"/>
-              <a:t>    # Dataset label  </a:t>
-            </a:r>
-            <a:endParaRPr lang="zh-TW" altLang="zh-TW" sz="1200" dirty="0"/>
-          </a:p>
-          <a:p>
-            <a:r>
-              <a:rPr lang="en-US" altLang="zh-TW" sz="1200" dirty="0"/>
-              <a:t>    </a:t>
-            </a:r>
-            <a:r>
-              <a:rPr lang="en-US" altLang="zh-TW" sz="1200" dirty="0" err="1"/>
-              <a:t>data_train_X</a:t>
-            </a:r>
-            <a:r>
-              <a:rPr lang="en-US" altLang="zh-TW" sz="1200" dirty="0"/>
-              <a:t> = </a:t>
-            </a:r>
-            <a:r>
-              <a:rPr lang="en-US" altLang="zh-TW" sz="1200" dirty="0" err="1"/>
-              <a:t>data_train.loc</a:t>
-            </a:r>
-            <a:r>
-              <a:rPr lang="en-US" altLang="zh-TW" sz="1200" dirty="0"/>
-              <a:t>[:, </a:t>
-            </a:r>
-            <a:r>
-              <a:rPr lang="en-US" altLang="zh-TW" sz="1200" b="1" dirty="0"/>
-              <a:t>lambda</a:t>
-            </a:r>
-            <a:r>
-              <a:rPr lang="en-US" altLang="zh-TW" sz="1200" dirty="0"/>
-              <a:t> x: [l </a:t>
-            </a:r>
-            <a:r>
-              <a:rPr lang="en-US" altLang="zh-TW" sz="1200" b="1" dirty="0"/>
-              <a:t>for</a:t>
-            </a:r>
-            <a:r>
-              <a:rPr lang="en-US" altLang="zh-TW" sz="1200" dirty="0"/>
-              <a:t> l </a:t>
-            </a:r>
-            <a:r>
-              <a:rPr lang="en-US" altLang="zh-TW" sz="1200" b="1" dirty="0"/>
-              <a:t>in</a:t>
-            </a:r>
-            <a:r>
-              <a:rPr lang="en-US" altLang="zh-TW" sz="1200" dirty="0"/>
-              <a:t> data </a:t>
-            </a:r>
-            <a:r>
-              <a:rPr lang="en-US" altLang="zh-TW" sz="1200" b="1" dirty="0"/>
-              <a:t>if</a:t>
-            </a:r>
-            <a:r>
-              <a:rPr lang="en-US" altLang="zh-TW" sz="1200" dirty="0"/>
-              <a:t> l != "Class"]]   </a:t>
-            </a:r>
-            <a:endParaRPr lang="zh-TW" altLang="zh-TW" sz="1200" dirty="0"/>
-          </a:p>
-          <a:p>
-            <a:r>
-              <a:rPr lang="en-US" altLang="zh-TW" sz="1200" dirty="0"/>
-              <a:t>    </a:t>
-            </a:r>
-            <a:r>
-              <a:rPr lang="en-US" altLang="zh-TW" sz="1200" dirty="0" err="1"/>
-              <a:t>data_train_Y</a:t>
-            </a:r>
-            <a:r>
-              <a:rPr lang="en-US" altLang="zh-TW" sz="1200" dirty="0"/>
-              <a:t> = </a:t>
-            </a:r>
-            <a:r>
-              <a:rPr lang="en-US" altLang="zh-TW" sz="1200" dirty="0" err="1"/>
-              <a:t>data_train.loc</a:t>
-            </a:r>
-            <a:r>
-              <a:rPr lang="en-US" altLang="zh-TW" sz="1200" dirty="0"/>
-              <a:t>[:, </a:t>
-            </a:r>
-            <a:r>
-              <a:rPr lang="en-US" altLang="zh-TW" sz="1200" b="1" dirty="0"/>
-              <a:t>lambda</a:t>
-            </a:r>
-            <a:r>
-              <a:rPr lang="en-US" altLang="zh-TW" sz="1200" dirty="0"/>
-              <a:t> x: "Class"]  </a:t>
-            </a:r>
-            <a:endParaRPr lang="zh-TW" altLang="zh-TW" sz="1200" dirty="0"/>
-          </a:p>
-          <a:p>
-            <a:r>
-              <a:rPr lang="en-US" altLang="zh-TW" sz="1200" dirty="0"/>
-              <a:t>   </a:t>
-            </a:r>
-            <a:endParaRPr lang="zh-TW" altLang="zh-TW" sz="1200" dirty="0"/>
-          </a:p>
-          <a:p>
-            <a:r>
-              <a:rPr lang="en-US" altLang="zh-TW" sz="1200" dirty="0"/>
-              <a:t>    # The rest is the test dataset  </a:t>
-            </a:r>
-            <a:endParaRPr lang="zh-TW" altLang="zh-TW" sz="1200" dirty="0"/>
-          </a:p>
-          <a:p>
-            <a:r>
-              <a:rPr lang="en-US" altLang="zh-TW" sz="1200" dirty="0"/>
-              <a:t>    </a:t>
-            </a:r>
-            <a:r>
-              <a:rPr lang="en-US" altLang="zh-TW" sz="1200" dirty="0" err="1"/>
-              <a:t>data_test</a:t>
-            </a:r>
-            <a:r>
-              <a:rPr lang="en-US" altLang="zh-TW" sz="1200" dirty="0"/>
-              <a:t> = </a:t>
-            </a:r>
-            <a:r>
-              <a:rPr lang="en-US" altLang="zh-TW" sz="1200" dirty="0" err="1"/>
-              <a:t>data.loc</a:t>
-            </a:r>
-            <a:r>
-              <a:rPr lang="en-US" altLang="zh-TW" sz="1200" dirty="0"/>
-              <a:t>[~</a:t>
-            </a:r>
-            <a:r>
-              <a:rPr lang="en-US" altLang="zh-TW" sz="1200" dirty="0" err="1"/>
-              <a:t>data.index.isin</a:t>
-            </a:r>
-            <a:r>
-              <a:rPr lang="en-US" altLang="zh-TW" sz="1200" dirty="0"/>
+              <a:rPr lang="en-US" altLang="zh-TW" sz="1400" dirty="0"/>
+              <a:t>=52),'</a:t>
+            </a:r>
+            <a:r>
+              <a:rPr lang="en-US" altLang="zh-TW" sz="1400" dirty="0" err="1"/>
+              <a:t>Perceptron':Perceptron</a:t>
+            </a:r>
+            <a:r>
+              <a:rPr lang="en-US" altLang="zh-TW" sz="1400" dirty="0"/>
+              <a:t>(eta0=0.1, </a:t>
+            </a:r>
+            <a:r>
+              <a:rPr lang="en-US" altLang="zh-TW" sz="1400" dirty="0" err="1"/>
+              <a:t>random_state</a:t>
+            </a:r>
+            <a:r>
+              <a:rPr lang="en-US" altLang="zh-TW" sz="1400" dirty="0"/>
+              <a:t>=15),'RBF':rbf_</a:t>
+            </a:r>
+            <a:r>
+              <a:rPr lang="en-US" altLang="zh-TW" sz="1400" dirty="0" err="1"/>
+              <a:t>clf</a:t>
+            </a:r>
+            <a:r>
+              <a:rPr lang="en-US" altLang="zh-TW" sz="1400" dirty="0"/>
+              <a:t>,'Linear':</a:t>
+            </a:r>
+            <a:r>
+              <a:rPr lang="en-US" altLang="zh-TW" sz="1400" dirty="0" err="1"/>
+              <a:t>lin_clf</a:t>
+            </a:r>
+            <a:r>
+              <a:rPr lang="en-US" altLang="zh-TW" sz="1400" dirty="0"/>
+              <a:t>,</a:t>
+            </a:r>
+          </a:p>
+          <a:p>
+            <a:r>
+              <a:rPr lang="en-US" altLang="zh-TW" sz="1400" dirty="0"/>
+              <a:t>         'Polynomial':poly_</a:t>
+            </a:r>
+            <a:r>
+              <a:rPr lang="en-US" altLang="zh-TW" sz="1400" dirty="0" err="1"/>
+              <a:t>clf</a:t>
+            </a:r>
+            <a:r>
+              <a:rPr lang="en-US" altLang="zh-TW" sz="1400" dirty="0"/>
+              <a:t>,'Sigmoid':</a:t>
+            </a:r>
+            <a:r>
+              <a:rPr lang="en-US" altLang="zh-TW" sz="1400" dirty="0" err="1"/>
+              <a:t>sig_clf</a:t>
+            </a:r>
+            <a:r>
+              <a:rPr lang="en-US" altLang="zh-TW" sz="1400" dirty="0"/>
+              <a:t>}</a:t>
+            </a:r>
+          </a:p>
+          <a:p>
+            <a:endParaRPr lang="en-US" altLang="zh-TW" sz="1400" dirty="0"/>
+          </a:p>
+          <a:p>
+            <a:r>
+              <a:rPr lang="en-US" altLang="zh-TW" sz="1400" dirty="0"/>
+              <a:t>for </a:t>
+            </a:r>
+            <a:r>
+              <a:rPr lang="en-US" altLang="zh-TW" sz="1400" dirty="0" err="1"/>
+              <a:t>k,v</a:t>
+            </a:r>
+            <a:r>
+              <a:rPr lang="en-US" altLang="zh-TW" sz="1400" dirty="0"/>
+              <a:t> in </a:t>
+            </a:r>
+            <a:r>
+              <a:rPr lang="en-US" altLang="zh-TW" sz="1400" dirty="0" err="1"/>
+              <a:t>models.items</a:t>
+            </a:r>
+            <a:r>
+              <a:rPr lang="en-US" altLang="zh-TW" sz="1400" dirty="0"/>
+              <a:t>():</a:t>
+            </a:r>
+          </a:p>
+          <a:p>
+            <a:r>
+              <a:rPr lang="en-US" altLang="zh-TW" sz="1400" dirty="0"/>
+              <a:t>    mod = v</a:t>
+            </a:r>
+          </a:p>
+          <a:p>
+            <a:r>
+              <a:rPr lang="en-US" altLang="zh-TW" sz="1400" dirty="0"/>
+              <a:t>    </a:t>
+            </a:r>
+            <a:r>
+              <a:rPr lang="en-US" altLang="zh-TW" sz="1400" dirty="0" err="1"/>
+              <a:t>mod.fit</a:t>
+            </a:r>
+            <a:r>
+              <a:rPr lang="en-US" altLang="zh-TW" sz="1400" dirty="0"/>
               <a:t>(</a:t>
             </a:r>
             <a:r>
-              <a:rPr lang="en-US" altLang="zh-TW" sz="1200" dirty="0" err="1"/>
-              <a:t>data_train.index</a:t>
-            </a:r>
-            <a:r>
-              <a:rPr lang="en-US" altLang="zh-TW" sz="1200" dirty="0"/>
-              <a:t>)]  </a:t>
-            </a:r>
-            <a:endParaRPr lang="zh-TW" altLang="zh-TW" sz="1200" dirty="0"/>
-          </a:p>
-          <a:p>
-            <a:r>
-              <a:rPr lang="en-US" altLang="zh-TW" sz="1200" dirty="0"/>
-              <a:t>    # Test dataset label  </a:t>
-            </a:r>
-            <a:endParaRPr lang="zh-TW" altLang="zh-TW" sz="1200" dirty="0"/>
-          </a:p>
-          <a:p>
-            <a:r>
-              <a:rPr lang="en-US" altLang="zh-TW" sz="1200" dirty="0"/>
-              <a:t>    </a:t>
-            </a:r>
-            <a:r>
-              <a:rPr lang="en-US" altLang="zh-TW" sz="1200" dirty="0" err="1"/>
-              <a:t>data_test_X</a:t>
-            </a:r>
-            <a:r>
-              <a:rPr lang="en-US" altLang="zh-TW" sz="1200" dirty="0"/>
-              <a:t> = </a:t>
-            </a:r>
-            <a:r>
-              <a:rPr lang="en-US" altLang="zh-TW" sz="1200" dirty="0" err="1"/>
-              <a:t>data_test.loc</a:t>
-            </a:r>
-            <a:r>
-              <a:rPr lang="en-US" altLang="zh-TW" sz="1200" dirty="0"/>
-              <a:t>[:, </a:t>
-            </a:r>
-            <a:r>
-              <a:rPr lang="en-US" altLang="zh-TW" sz="1200" b="1" dirty="0"/>
-              <a:t>lambda</a:t>
-            </a:r>
-            <a:r>
-              <a:rPr lang="en-US" altLang="zh-TW" sz="1200" dirty="0"/>
-              <a:t> x: [l </a:t>
-            </a:r>
-            <a:r>
-              <a:rPr lang="en-US" altLang="zh-TW" sz="1200" b="1" dirty="0"/>
-              <a:t>for</a:t>
-            </a:r>
-            <a:r>
-              <a:rPr lang="en-US" altLang="zh-TW" sz="1200" dirty="0"/>
-              <a:t> l </a:t>
-            </a:r>
-            <a:r>
-              <a:rPr lang="en-US" altLang="zh-TW" sz="1200" b="1" dirty="0"/>
-              <a:t>in</a:t>
-            </a:r>
-            <a:r>
-              <a:rPr lang="en-US" altLang="zh-TW" sz="1200" dirty="0"/>
-              <a:t> data </a:t>
-            </a:r>
-            <a:r>
-              <a:rPr lang="en-US" altLang="zh-TW" sz="1200" b="1" dirty="0"/>
-              <a:t>if</a:t>
-            </a:r>
-            <a:r>
-              <a:rPr lang="en-US" altLang="zh-TW" sz="1200" dirty="0"/>
-              <a:t> l != "Class"]]  </a:t>
-            </a:r>
-            <a:endParaRPr lang="zh-TW" altLang="zh-TW" sz="1200" dirty="0"/>
-          </a:p>
-          <a:p>
-            <a:r>
-              <a:rPr lang="en-US" altLang="zh-TW" sz="1200" dirty="0"/>
-              <a:t>    </a:t>
-            </a:r>
-            <a:r>
-              <a:rPr lang="en-US" altLang="zh-TW" sz="1200" dirty="0" err="1"/>
-              <a:t>data_test_Y</a:t>
-            </a:r>
-            <a:r>
-              <a:rPr lang="en-US" altLang="zh-TW" sz="1200" dirty="0"/>
-              <a:t> = </a:t>
-            </a:r>
-            <a:r>
-              <a:rPr lang="en-US" altLang="zh-TW" sz="1200" dirty="0" err="1"/>
-              <a:t>data_test.loc</a:t>
-            </a:r>
-            <a:r>
-              <a:rPr lang="en-US" altLang="zh-TW" sz="1200" dirty="0"/>
-              <a:t>[:, </a:t>
-            </a:r>
-            <a:r>
-              <a:rPr lang="en-US" altLang="zh-TW" sz="1200" b="1" dirty="0"/>
-              <a:t>lambda</a:t>
-            </a:r>
-            <a:r>
-              <a:rPr lang="en-US" altLang="zh-TW" sz="1200" dirty="0"/>
-              <a:t> x: "Class"]  </a:t>
-            </a:r>
-            <a:endParaRPr lang="zh-TW" altLang="zh-TW" sz="1200" dirty="0"/>
-          </a:p>
-          <a:p>
-            <a:r>
-              <a:rPr lang="en-US" altLang="zh-TW" sz="1200" dirty="0"/>
-              <a:t>   </a:t>
-            </a:r>
-            <a:endParaRPr lang="zh-TW" altLang="zh-TW" sz="1200" dirty="0"/>
-          </a:p>
-          <a:p>
-            <a:r>
-              <a:rPr lang="en-US" altLang="zh-TW" sz="1200" dirty="0"/>
-              <a:t>    # Use the .fit() for training  </a:t>
-            </a:r>
-            <a:endParaRPr lang="zh-TW" altLang="zh-TW" sz="1200" dirty="0"/>
-          </a:p>
-          <a:p>
-            <a:r>
-              <a:rPr lang="en-US" altLang="zh-TW" sz="1200" dirty="0"/>
-              <a:t>    </a:t>
-            </a:r>
-            <a:r>
-              <a:rPr lang="en-US" altLang="zh-TW" sz="1200" dirty="0" err="1"/>
-              <a:t>perc.fit</a:t>
-            </a:r>
-            <a:r>
-              <a:rPr lang="en-US" altLang="zh-TW" sz="1200" dirty="0"/>
+              <a:rPr lang="en-US" altLang="zh-TW" sz="1400" dirty="0" err="1"/>
+              <a:t>X_train</a:t>
+            </a:r>
+            <a:r>
+              <a:rPr lang="en-US" altLang="zh-TW" sz="1400" dirty="0"/>
+              <a:t>, </a:t>
+            </a:r>
+            <a:r>
+              <a:rPr lang="en-US" altLang="zh-TW" sz="1400" dirty="0" err="1"/>
+              <a:t>y_train</a:t>
+            </a:r>
+            <a:r>
+              <a:rPr lang="en-US" altLang="zh-TW" sz="1400" dirty="0"/>
+              <a:t>)</a:t>
+            </a:r>
+          </a:p>
+          <a:p>
+            <a:r>
+              <a:rPr lang="en-US" altLang="zh-TW" sz="1400" dirty="0"/>
+              <a:t>    </a:t>
+            </a:r>
+            <a:r>
+              <a:rPr lang="en-US" altLang="zh-TW" sz="1400" dirty="0" err="1"/>
+              <a:t>pred</a:t>
+            </a:r>
+            <a:r>
+              <a:rPr lang="en-US" altLang="zh-TW" sz="1400" dirty="0"/>
+              <a:t> = </a:t>
+            </a:r>
+            <a:r>
+              <a:rPr lang="en-US" altLang="zh-TW" sz="1400" dirty="0" err="1"/>
+              <a:t>mod.predict</a:t>
+            </a:r>
+            <a:r>
+              <a:rPr lang="en-US" altLang="zh-TW" sz="1400" dirty="0"/>
               <a:t>(</a:t>
             </a:r>
             <a:r>
-              <a:rPr lang="en-US" altLang="zh-TW" sz="1200" dirty="0" err="1"/>
-              <a:t>data_train_X</a:t>
-            </a:r>
-            <a:r>
-              <a:rPr lang="en-US" altLang="zh-TW" sz="1200" dirty="0"/>
-              <a:t>, </a:t>
-            </a:r>
-            <a:r>
-              <a:rPr lang="en-US" altLang="zh-TW" sz="1200" dirty="0" err="1"/>
-              <a:t>data_train_Y</a:t>
-            </a:r>
-            <a:r>
-              <a:rPr lang="en-US" altLang="zh-TW" sz="1200" dirty="0"/>
-              <a:t>)  </a:t>
-            </a:r>
-            <a:endParaRPr lang="zh-TW" altLang="zh-TW" sz="1200" dirty="0"/>
-          </a:p>
-          <a:p>
-            <a:r>
-              <a:rPr lang="en-US" altLang="zh-TW" sz="1200" dirty="0"/>
-              <a:t>    # Accuracy of prediction results  </a:t>
-            </a:r>
-            <a:endParaRPr lang="zh-TW" altLang="zh-TW" sz="1200" dirty="0"/>
-          </a:p>
-          <a:p>
-            <a:r>
-              <a:rPr lang="en-US" altLang="zh-TW" sz="1200" dirty="0"/>
-              <a:t>    </a:t>
-            </a:r>
-            <a:r>
-              <a:rPr lang="en-US" altLang="zh-TW" sz="1200" dirty="0" err="1"/>
-              <a:t>results.append</a:t>
-            </a:r>
-            <a:r>
-              <a:rPr lang="en-US" altLang="zh-TW" sz="1200" dirty="0"/>
+              <a:rPr lang="en-US" altLang="zh-TW" sz="1400" dirty="0" err="1"/>
+              <a:t>X_test</a:t>
+            </a:r>
+            <a:r>
+              <a:rPr lang="en-US" altLang="zh-TW" sz="1400" dirty="0"/>
+              <a:t>)</a:t>
+            </a:r>
+          </a:p>
+          <a:p>
+            <a:r>
+              <a:rPr lang="en-US" altLang="zh-TW" sz="1400" dirty="0"/>
+              <a:t>    print('Results for: ' + str(k) + '\n')</a:t>
+            </a:r>
+          </a:p>
+          <a:p>
+            <a:r>
+              <a:rPr lang="en-US" altLang="zh-TW" sz="1400" dirty="0"/>
+              <a:t>    print(</a:t>
+            </a:r>
+            <a:r>
+              <a:rPr lang="en-US" altLang="zh-TW" sz="1400" dirty="0" err="1"/>
+              <a:t>confusion_matrix</a:t>
+            </a:r>
+            <a:r>
+              <a:rPr lang="en-US" altLang="zh-TW" sz="1400" dirty="0"/>
               <a:t>(</a:t>
             </a:r>
             <a:r>
-              <a:rPr lang="en-US" altLang="zh-TW" sz="1200" dirty="0" err="1"/>
-              <a:t>perc.score</a:t>
-            </a:r>
-            <a:r>
-              <a:rPr lang="en-US" altLang="zh-TW" sz="1200" dirty="0"/>
+              <a:rPr lang="en-US" altLang="zh-TW" sz="1400" dirty="0" err="1"/>
+              <a:t>y_test</a:t>
+            </a:r>
+            <a:r>
+              <a:rPr lang="en-US" altLang="zh-TW" sz="1400" dirty="0"/>
+              <a:t>, </a:t>
+            </a:r>
+            <a:r>
+              <a:rPr lang="en-US" altLang="zh-TW" sz="1400" dirty="0" err="1"/>
+              <a:t>pred</a:t>
+            </a:r>
+            <a:r>
+              <a:rPr lang="en-US" altLang="zh-TW" sz="1400" dirty="0"/>
+              <a:t>))</a:t>
+            </a:r>
+          </a:p>
+          <a:p>
+            <a:r>
+              <a:rPr lang="en-US" altLang="zh-TW" sz="1400" dirty="0"/>
+              <a:t>    print(</a:t>
+            </a:r>
+            <a:r>
+              <a:rPr lang="en-US" altLang="zh-TW" sz="1400" dirty="0" err="1"/>
+              <a:t>classification_report</a:t>
+            </a:r>
+            <a:r>
+              <a:rPr lang="en-US" altLang="zh-TW" sz="1400" dirty="0"/>
               <a:t>(</a:t>
             </a:r>
             <a:r>
-              <a:rPr lang="en-US" altLang="zh-TW" sz="1200" dirty="0" err="1"/>
-              <a:t>data_test_X</a:t>
-            </a:r>
-            <a:r>
-              <a:rPr lang="en-US" altLang="zh-TW" sz="1200" dirty="0"/>
-              <a:t>, </a:t>
-            </a:r>
-            <a:r>
-              <a:rPr lang="en-US" altLang="zh-TW" sz="1200" dirty="0" err="1"/>
-              <a:t>data_test_Y</a:t>
-            </a:r>
-            <a:r>
-              <a:rPr lang="en-US" altLang="zh-TW" sz="1200" dirty="0"/>
-              <a:t>))  </a:t>
-            </a:r>
-            <a:endParaRPr lang="zh-TW" altLang="zh-TW" sz="1200" dirty="0"/>
-          </a:p>
-          <a:p>
-            <a:r>
-              <a:rPr lang="en-US" altLang="zh-TW" sz="1200" dirty="0"/>
-              <a:t>  </a:t>
-            </a:r>
-            <a:endParaRPr lang="zh-TW" altLang="zh-TW" sz="1200" dirty="0"/>
-          </a:p>
-          <a:p>
-            <a:r>
-              <a:rPr lang="en-US" altLang="zh-TW" sz="1200" dirty="0" err="1"/>
-              <a:t>plt.plot</a:t>
-            </a:r>
-            <a:r>
-              <a:rPr lang="en-US" altLang="zh-TW" sz="1200" dirty="0"/>
-              <a:t>([*range(0,1000)],results)  </a:t>
-            </a:r>
-            <a:endParaRPr lang="zh-TW" altLang="zh-TW" sz="1200" dirty="0"/>
-          </a:p>
-          <a:p>
-            <a:endParaRPr kumimoji="1" lang="zh-TW" altLang="en-US" sz="1200" dirty="0"/>
-          </a:p>
-        </p:txBody>
-      </p:sp>
-      <p:sp>
-        <p:nvSpPr>
-          <p:cNvPr id="9" name="矩形 8">
-            <a:extLst>
-              <a:ext uri="{FF2B5EF4-FFF2-40B4-BE49-F238E27FC236}">
-                <a16:creationId xmlns:a16="http://schemas.microsoft.com/office/drawing/2014/main" id="{CFAA0A69-5FA4-C546-B53E-0496E18BC78F}"/>
-              </a:ext>
-            </a:extLst>
-          </p:cNvPr>
-          <p:cNvSpPr/>
-          <p:nvPr/>
-        </p:nvSpPr>
-        <p:spPr>
-          <a:xfrm>
-            <a:off x="7168662" y="5215235"/>
-            <a:ext cx="4114800" cy="923330"/>
-          </a:xfrm>
-          <a:prstGeom prst="rect">
-            <a:avLst/>
-          </a:prstGeom>
-        </p:spPr>
-        <p:txBody>
-          <a:bodyPr wrap="square">
-            <a:spAutoFit/>
-          </a:bodyPr>
-          <a:lstStyle/>
-          <a:p>
-            <a:pPr algn="ctr"/>
-            <a:r>
-              <a:rPr lang="en-GB" altLang="zh-TW" dirty="0"/>
-              <a:t>Minimum Accuracy Score: 0.45138889</a:t>
-            </a:r>
-          </a:p>
-          <a:p>
-            <a:pPr algn="ctr"/>
-            <a:r>
-              <a:rPr lang="en-GB" altLang="zh-TW" dirty="0"/>
-              <a:t>Maximum Accuracy Score: 0.79861111</a:t>
-            </a:r>
-          </a:p>
-          <a:p>
-            <a:pPr algn="ctr"/>
-            <a:r>
-              <a:rPr lang="en-GB" altLang="zh-TW" dirty="0"/>
-              <a:t>Average Accuracy Score: 0.64765278</a:t>
-            </a:r>
-            <a:endParaRPr lang="zh-TW" altLang="en-US" dirty="0"/>
+              <a:rPr lang="en-US" altLang="zh-TW" sz="1400" dirty="0" err="1"/>
+              <a:t>y_test</a:t>
+            </a:r>
+            <a:r>
+              <a:rPr lang="en-US" altLang="zh-TW" sz="1400" dirty="0"/>
+              <a:t>, </a:t>
+            </a:r>
+            <a:r>
+              <a:rPr lang="en-US" altLang="zh-TW" sz="1400" dirty="0" err="1"/>
+              <a:t>pred</a:t>
+            </a:r>
+            <a:r>
+              <a:rPr lang="en-US" altLang="zh-TW" sz="1400" dirty="0"/>
+              <a:t>))</a:t>
+            </a:r>
+          </a:p>
+          <a:p>
+            <a:r>
+              <a:rPr lang="en-US" altLang="zh-TW" sz="1400" dirty="0"/>
+              <a:t>    acc = </a:t>
+            </a:r>
+            <a:r>
+              <a:rPr lang="en-US" altLang="zh-TW" sz="1400" dirty="0" err="1"/>
+              <a:t>accuracy_score</a:t>
+            </a:r>
+            <a:r>
+              <a:rPr lang="en-US" altLang="zh-TW" sz="1400" dirty="0"/>
+              <a:t>(</a:t>
+            </a:r>
+            <a:r>
+              <a:rPr lang="en-US" altLang="zh-TW" sz="1400" dirty="0" err="1"/>
+              <a:t>y_test</a:t>
+            </a:r>
+            <a:r>
+              <a:rPr lang="en-US" altLang="zh-TW" sz="1400" dirty="0"/>
+              <a:t>, </a:t>
+            </a:r>
+            <a:r>
+              <a:rPr lang="en-US" altLang="zh-TW" sz="1400" dirty="0" err="1"/>
+              <a:t>pred</a:t>
+            </a:r>
+            <a:r>
+              <a:rPr lang="en-US" altLang="zh-TW" sz="1400" dirty="0"/>
+              <a:t>)</a:t>
+            </a:r>
+          </a:p>
+          <a:p>
+            <a:r>
+              <a:rPr lang="en-US" altLang="zh-TW" sz="1400" dirty="0"/>
+              <a:t>    print("accuracy is "+ str(acc)) </a:t>
+            </a:r>
+          </a:p>
+          <a:p>
+            <a:r>
+              <a:rPr lang="en-US" altLang="zh-TW" sz="1400" dirty="0"/>
+              <a:t>    print('\n' + '\n')</a:t>
+            </a:r>
+          </a:p>
+          <a:p>
+            <a:r>
+              <a:rPr lang="en-US" altLang="zh-TW" sz="1400" dirty="0"/>
+              <a:t>    </a:t>
+            </a:r>
+            <a:r>
+              <a:rPr lang="en-US" altLang="zh-TW" sz="1400" dirty="0" err="1"/>
+              <a:t>keys.append</a:t>
+            </a:r>
+            <a:r>
+              <a:rPr lang="en-US" altLang="zh-TW" sz="1400" dirty="0"/>
+              <a:t>(k)</a:t>
+            </a:r>
+          </a:p>
+          <a:p>
+            <a:r>
+              <a:rPr lang="en-US" altLang="zh-TW" sz="1400" dirty="0"/>
+              <a:t>    </a:t>
+            </a:r>
+            <a:r>
+              <a:rPr lang="en-US" altLang="zh-TW" sz="1400" dirty="0" err="1"/>
+              <a:t>scores.append</a:t>
+            </a:r>
+            <a:r>
+              <a:rPr lang="en-US" altLang="zh-TW" sz="1400" dirty="0"/>
+              <a:t>(acc)</a:t>
+            </a:r>
+          </a:p>
+          <a:p>
+            <a:r>
+              <a:rPr lang="en-US" altLang="zh-TW" sz="1400" dirty="0"/>
+              <a:t>    table = </a:t>
+            </a:r>
+            <a:r>
+              <a:rPr lang="en-US" altLang="zh-TW" sz="1400" dirty="0" err="1"/>
+              <a:t>pd.DataFrame</a:t>
+            </a:r>
+            <a:r>
+              <a:rPr lang="en-US" altLang="zh-TW" sz="1400" dirty="0"/>
+              <a:t>({'</a:t>
+            </a:r>
+            <a:r>
+              <a:rPr lang="en-US" altLang="zh-TW" sz="1400" dirty="0" err="1"/>
+              <a:t>model':keys</a:t>
+            </a:r>
+            <a:r>
+              <a:rPr lang="en-US" altLang="zh-TW" sz="1400" dirty="0"/>
+              <a:t>, 'accuracy </a:t>
+            </a:r>
+            <a:r>
+              <a:rPr lang="en-US" altLang="zh-TW" sz="1400" dirty="0" err="1"/>
+              <a:t>score':scores</a:t>
+            </a:r>
+            <a:r>
+              <a:rPr lang="en-US" altLang="zh-TW" sz="1400" dirty="0"/>
+              <a:t>})</a:t>
+            </a:r>
+          </a:p>
+          <a:p>
+            <a:endParaRPr lang="en-US" altLang="zh-TW" sz="1400" dirty="0"/>
+          </a:p>
+          <a:p>
+            <a:r>
+              <a:rPr lang="en-US" altLang="zh-TW" sz="1400" dirty="0"/>
+              <a:t>print(table)</a:t>
+            </a:r>
+            <a:endParaRPr kumimoji="1" lang="zh-TW" altLang="en-US" sz="1400" dirty="0"/>
           </a:p>
         </p:txBody>
       </p:sp>
@@ -10700,9 +10510,9 @@
                 <a:latin typeface="Microsoft JhengHei" panose="020B0604030504040204" pitchFamily="34" charset="-120"/>
                 <a:ea typeface="Microsoft JhengHei" panose="020B0604030504040204" pitchFamily="34" charset="-120"/>
               </a:rPr>
-              <a:t>使用決策樹分類器</a:t>
-            </a:r>
-            <a:endParaRPr kumimoji="1" lang="zh-CN" altLang="en-US" sz="3600" dirty="0">
+              <a:t>找出預測準確度最高的分類器</a:t>
+            </a:r>
+            <a:endParaRPr kumimoji="1" lang="zh-CN" altLang="en-US" sz="2800" dirty="0">
               <a:latin typeface="Microsoft JhengHei" panose="020B0604030504040204" pitchFamily="34" charset="-120"/>
               <a:ea typeface="Microsoft JhengHei" panose="020B0604030504040204" pitchFamily="34" charset="-120"/>
             </a:endParaRPr>
@@ -10763,16 +10573,228 @@
               <a:rPr lang="zh-TW" altLang="en-US" smtClean="0"/>
               <a:t>29</a:t>
             </a:fld>
-            <a:endParaRPr lang="zh-TW" altLang="en-US" dirty="0"/>
-          </a:p>
-        </p:txBody>
-      </p:sp>
-      <p:sp>
-        <p:nvSpPr>
-          <p:cNvPr id="8" name="文字方塊 7">
+            <a:endParaRPr lang="zh-TW" altLang="en-US"/>
+          </a:p>
+        </p:txBody>
+      </p:sp>
+      <p:sp>
+        <p:nvSpPr>
+          <p:cNvPr id="3" name="矩形 2">
             <a:extLst>
               <a:ext uri="{FF2B5EF4-FFF2-40B4-BE49-F238E27FC236}">
-                <a16:creationId xmlns:a16="http://schemas.microsoft.com/office/drawing/2014/main" id="{E0E4D684-E723-A146-A31B-8C3DE1EAF3E9}"/>
+                <a16:creationId xmlns:a16="http://schemas.microsoft.com/office/drawing/2014/main" id="{41506D62-8A99-7A46-B93B-256CAE520D64}"/>
+              </a:ext>
+            </a:extLst>
+          </p:cNvPr>
+          <p:cNvSpPr/>
+          <p:nvPr/>
+        </p:nvSpPr>
+        <p:spPr>
+          <a:xfrm>
+            <a:off x="6096000" y="2136338"/>
+            <a:ext cx="6096000" cy="2585323"/>
+          </a:xfrm>
+          <a:prstGeom prst="rect">
+            <a:avLst/>
+          </a:prstGeom>
+        </p:spPr>
+        <p:txBody>
+          <a:bodyPr>
+            <a:spAutoFit/>
+          </a:bodyPr>
+          <a:lstStyle/>
+          <a:p>
+            <a:r>
+              <a:rPr lang="en-GB" altLang="zh-TW" dirty="0">
+                <a:solidFill>
+                  <a:srgbClr val="000000"/>
+                </a:solidFill>
+                <a:latin typeface="Consolas" panose="020B0609020204030204" pitchFamily="49" charset="0"/>
+              </a:rPr>
+              <a:t>       model             accuracy score  </a:t>
+            </a:r>
+            <a:endParaRPr lang="en-GB" altLang="zh-TW" dirty="0">
+              <a:solidFill>
+                <a:srgbClr val="5C5C5C"/>
+              </a:solidFill>
+              <a:latin typeface="Consolas" panose="020B0609020204030204" pitchFamily="49" charset="0"/>
+            </a:endParaRPr>
+          </a:p>
+          <a:p>
+            <a:r>
+              <a:rPr lang="en-GB" altLang="zh-TW" dirty="0">
+                <a:solidFill>
+                  <a:srgbClr val="000000"/>
+                </a:solidFill>
+                <a:latin typeface="Consolas" panose="020B0609020204030204" pitchFamily="49" charset="0"/>
+              </a:rPr>
+              <a:t>0  Logistic Regression        0.770833  </a:t>
+            </a:r>
+            <a:endParaRPr lang="en-GB" altLang="zh-TW" dirty="0">
+              <a:solidFill>
+                <a:srgbClr val="5C5C5C"/>
+              </a:solidFill>
+              <a:latin typeface="Consolas" panose="020B0609020204030204" pitchFamily="49" charset="0"/>
+            </a:endParaRPr>
+          </a:p>
+          <a:p>
+            <a:r>
+              <a:rPr lang="en-GB" altLang="zh-TW" dirty="0">
+                <a:solidFill>
+                  <a:srgbClr val="000000"/>
+                </a:solidFill>
+                <a:latin typeface="Consolas" panose="020B0609020204030204" pitchFamily="49" charset="0"/>
+              </a:rPr>
+              <a:t>1        Decision Tree        0.694444  </a:t>
+            </a:r>
+            <a:endParaRPr lang="en-GB" altLang="zh-TW" dirty="0">
+              <a:solidFill>
+                <a:srgbClr val="5C5C5C"/>
+              </a:solidFill>
+              <a:latin typeface="Consolas" panose="020B0609020204030204" pitchFamily="49" charset="0"/>
+            </a:endParaRPr>
+          </a:p>
+          <a:p>
+            <a:r>
+              <a:rPr lang="en-GB" altLang="zh-TW" dirty="0">
+                <a:solidFill>
+                  <a:srgbClr val="000000"/>
+                </a:solidFill>
+                <a:latin typeface="Consolas" panose="020B0609020204030204" pitchFamily="49" charset="0"/>
+              </a:rPr>
+              <a:t>2        Random Forest        0.833333  </a:t>
+            </a:r>
+            <a:endParaRPr lang="en-GB" altLang="zh-TW" dirty="0">
+              <a:solidFill>
+                <a:srgbClr val="5C5C5C"/>
+              </a:solidFill>
+              <a:latin typeface="Consolas" panose="020B0609020204030204" pitchFamily="49" charset="0"/>
+            </a:endParaRPr>
+          </a:p>
+          <a:p>
+            <a:r>
+              <a:rPr lang="en-GB" altLang="zh-TW" dirty="0">
+                <a:solidFill>
+                  <a:srgbClr val="000000"/>
+                </a:solidFill>
+                <a:latin typeface="Consolas" panose="020B0609020204030204" pitchFamily="49" charset="0"/>
+              </a:rPr>
+              <a:t>3           Perceptron        0.631944  </a:t>
+            </a:r>
+            <a:endParaRPr lang="en-GB" altLang="zh-TW" dirty="0">
+              <a:solidFill>
+                <a:srgbClr val="5C5C5C"/>
+              </a:solidFill>
+              <a:latin typeface="Consolas" panose="020B0609020204030204" pitchFamily="49" charset="0"/>
+            </a:endParaRPr>
+          </a:p>
+          <a:p>
+            <a:r>
+              <a:rPr lang="en-GB" altLang="zh-TW" dirty="0">
+                <a:solidFill>
+                  <a:srgbClr val="000000"/>
+                </a:solidFill>
+                <a:latin typeface="Consolas" panose="020B0609020204030204" pitchFamily="49" charset="0"/>
+              </a:rPr>
+              <a:t>4                  RBF        0.819444  </a:t>
+            </a:r>
+            <a:endParaRPr lang="en-GB" altLang="zh-TW" dirty="0">
+              <a:solidFill>
+                <a:srgbClr val="5C5C5C"/>
+              </a:solidFill>
+              <a:latin typeface="Consolas" panose="020B0609020204030204" pitchFamily="49" charset="0"/>
+            </a:endParaRPr>
+          </a:p>
+          <a:p>
+            <a:r>
+              <a:rPr lang="en-GB" altLang="zh-TW" dirty="0">
+                <a:solidFill>
+                  <a:srgbClr val="000000"/>
+                </a:solidFill>
+                <a:latin typeface="Consolas" panose="020B0609020204030204" pitchFamily="49" charset="0"/>
+              </a:rPr>
+              <a:t>5               Linear        0.777778  </a:t>
+            </a:r>
+            <a:endParaRPr lang="en-GB" altLang="zh-TW" dirty="0">
+              <a:solidFill>
+                <a:srgbClr val="5C5C5C"/>
+              </a:solidFill>
+              <a:latin typeface="Consolas" panose="020B0609020204030204" pitchFamily="49" charset="0"/>
+            </a:endParaRPr>
+          </a:p>
+          <a:p>
+            <a:r>
+              <a:rPr lang="en-GB" altLang="zh-TW" dirty="0">
+                <a:solidFill>
+                  <a:srgbClr val="000000"/>
+                </a:solidFill>
+                <a:latin typeface="Consolas" panose="020B0609020204030204" pitchFamily="49" charset="0"/>
+              </a:rPr>
+              <a:t>6           Polynomial        0.388889  </a:t>
+            </a:r>
+            <a:endParaRPr lang="en-GB" altLang="zh-TW" dirty="0">
+              <a:solidFill>
+                <a:srgbClr val="5C5C5C"/>
+              </a:solidFill>
+              <a:latin typeface="Consolas" panose="020B0609020204030204" pitchFamily="49" charset="0"/>
+            </a:endParaRPr>
+          </a:p>
+          <a:p>
+            <a:r>
+              <a:rPr lang="en-GB" altLang="zh-TW" dirty="0">
+                <a:solidFill>
+                  <a:srgbClr val="000000"/>
+                </a:solidFill>
+                <a:latin typeface="Consolas" panose="020B0609020204030204" pitchFamily="49" charset="0"/>
+              </a:rPr>
+              <a:t>7              Sigmoid        0.770833  </a:t>
+            </a:r>
+            <a:endParaRPr lang="en-GB" altLang="zh-TW" b="0" i="0" dirty="0">
+              <a:solidFill>
+                <a:srgbClr val="5C5C5C"/>
+              </a:solidFill>
+              <a:effectLst/>
+              <a:latin typeface="Consolas" panose="020B0609020204030204" pitchFamily="49" charset="0"/>
+            </a:endParaRPr>
+          </a:p>
+        </p:txBody>
+      </p:sp>
+      <p:pic>
+        <p:nvPicPr>
+          <p:cNvPr id="5" name="圖片 4">
+            <a:extLst>
+              <a:ext uri="{FF2B5EF4-FFF2-40B4-BE49-F238E27FC236}">
+                <a16:creationId xmlns:a16="http://schemas.microsoft.com/office/drawing/2014/main" id="{2EC9151B-74A7-494A-BAD3-8D27475DDD6A}"/>
+              </a:ext>
+            </a:extLst>
+          </p:cNvPr>
+          <p:cNvPicPr>
+            <a:picLocks noChangeAspect="1"/>
+          </p:cNvPicPr>
+          <p:nvPr/>
+        </p:nvPicPr>
+        <p:blipFill>
+          <a:blip r:embed="rId2"/>
+          <a:stretch>
+            <a:fillRect/>
+          </a:stretch>
+        </p:blipFill>
+        <p:spPr>
+          <a:xfrm>
+            <a:off x="175846" y="1604616"/>
+            <a:ext cx="5648568" cy="3648765"/>
+          </a:xfrm>
+          <a:prstGeom prst="rect">
+            <a:avLst/>
+          </a:prstGeom>
+        </p:spPr>
+      </p:pic>
+      <p:sp>
+        <p:nvSpPr>
+          <p:cNvPr id="7" name="文字方塊 6">
+            <a:extLst>
+              <a:ext uri="{FF2B5EF4-FFF2-40B4-BE49-F238E27FC236}">
+                <a16:creationId xmlns:a16="http://schemas.microsoft.com/office/drawing/2014/main" id="{3B0BADD1-2A27-3E48-BCF8-9CBDA7CE95C1}"/>
               </a:ext>
             </a:extLst>
           </p:cNvPr>
@@ -10781,8 +10803,8 @@
         </p:nvSpPr>
         <p:spPr>
           <a:xfrm>
-            <a:off x="1019908" y="1462703"/>
-            <a:ext cx="5226111" cy="4893647"/>
+            <a:off x="838200" y="5470561"/>
+            <a:ext cx="11332483" cy="1200329"/>
           </a:xfrm>
           <a:prstGeom prst="rect">
             <a:avLst/>
@@ -10790,569 +10812,114 @@
           <a:noFill/>
         </p:spPr>
         <p:txBody>
-          <a:bodyPr wrap="none" rtlCol="0">
+          <a:bodyPr wrap="square" rtlCol="0">
             <a:spAutoFit/>
           </a:bodyPr>
           <a:lstStyle/>
           <a:p>
             <a:r>
-              <a:rPr lang="en-US" altLang="zh-TW" sz="1200" dirty="0"/>
-              <a:t># The ratio of </a:t>
-            </a:r>
-            <a:r>
-              <a:rPr lang="en-US" altLang="zh-TW" sz="1200" dirty="0" err="1"/>
-              <a:t>data_train</a:t>
-            </a:r>
-            <a:r>
-              <a:rPr lang="en-US" altLang="zh-TW" sz="1200" dirty="0"/>
-              <a:t> to </a:t>
-            </a:r>
-            <a:r>
-              <a:rPr lang="en-US" altLang="zh-TW" sz="1200" dirty="0" err="1"/>
-              <a:t>data_test</a:t>
-            </a:r>
-            <a:r>
-              <a:rPr lang="en-US" altLang="zh-TW" sz="1200" dirty="0"/>
-              <a:t> is 7:3  </a:t>
-            </a:r>
-            <a:endParaRPr lang="zh-TW" altLang="zh-TW" sz="1200" dirty="0"/>
-          </a:p>
-          <a:p>
-            <a:r>
-              <a:rPr lang="en-US" altLang="zh-TW" sz="1200" dirty="0"/>
-              <a:t>   </a:t>
-            </a:r>
-            <a:endParaRPr lang="zh-TW" altLang="zh-TW" sz="1200" dirty="0"/>
-          </a:p>
-          <a:p>
-            <a:r>
-              <a:rPr lang="en-US" altLang="zh-TW" sz="1200" dirty="0"/>
-              <a:t>results2 = []  </a:t>
-            </a:r>
-            <a:endParaRPr lang="zh-TW" altLang="zh-TW" sz="1200" dirty="0"/>
-          </a:p>
-          <a:p>
-            <a:r>
-              <a:rPr lang="en-US" altLang="zh-TW" sz="1200" dirty="0"/>
-              <a:t>   </a:t>
-            </a:r>
-            <a:endParaRPr lang="zh-TW" altLang="zh-TW" sz="1200" dirty="0"/>
-          </a:p>
-          <a:p>
-            <a:r>
-              <a:rPr lang="en-US" altLang="zh-TW" sz="1200" b="1" dirty="0"/>
-              <a:t>for</a:t>
-            </a:r>
-            <a:r>
-              <a:rPr lang="en-US" altLang="zh-TW" sz="1200" dirty="0"/>
+              <a:rPr lang="zh-TW" altLang="zh-TW" dirty="0">
+                <a:latin typeface="Microsoft JhengHei" panose="020B0604030504040204" pitchFamily="34" charset="-120"/>
+                <a:ea typeface="Microsoft JhengHei" panose="020B0604030504040204" pitchFamily="34" charset="-120"/>
+              </a:rPr>
+              <a:t>如</a:t>
+            </a:r>
+            <a:r>
+              <a:rPr lang="zh-TW" altLang="en-US" dirty="0">
+                <a:latin typeface="Microsoft JhengHei" panose="020B0604030504040204" pitchFamily="34" charset="-120"/>
+                <a:ea typeface="Microsoft JhengHei" panose="020B0604030504040204" pitchFamily="34" charset="-120"/>
+              </a:rPr>
+              <a:t>右</a:t>
+            </a:r>
+            <a:r>
+              <a:rPr lang="zh-TW" altLang="zh-TW" dirty="0">
+                <a:latin typeface="Microsoft JhengHei" panose="020B0604030504040204" pitchFamily="34" charset="-120"/>
+                <a:ea typeface="Microsoft JhengHei" panose="020B0604030504040204" pitchFamily="34" charset="-120"/>
+              </a:rPr>
+              <a:t>上表可見，</a:t>
+            </a:r>
+            <a:r>
+              <a:rPr lang="en-US" altLang="zh-TW" dirty="0">
+                <a:latin typeface="Microsoft JhengHei" panose="020B0604030504040204" pitchFamily="34" charset="-120"/>
+                <a:ea typeface="Microsoft JhengHei" panose="020B0604030504040204" pitchFamily="34" charset="-120"/>
+              </a:rPr>
+              <a:t>Random Forest </a:t>
+            </a:r>
+            <a:r>
+              <a:rPr lang="zh-TW" altLang="zh-TW" dirty="0">
+                <a:latin typeface="Microsoft JhengHei" panose="020B0604030504040204" pitchFamily="34" charset="-120"/>
+                <a:ea typeface="Microsoft JhengHei" panose="020B0604030504040204" pitchFamily="34" charset="-120"/>
+              </a:rPr>
+              <a:t>是預測最準確的分類器，準確率高達 </a:t>
+            </a:r>
+            <a:r>
+              <a:rPr lang="en-US" altLang="zh-TW" dirty="0">
+                <a:latin typeface="Microsoft JhengHei" panose="020B0604030504040204" pitchFamily="34" charset="-120"/>
+                <a:ea typeface="Microsoft JhengHei" panose="020B0604030504040204" pitchFamily="34" charset="-120"/>
+              </a:rPr>
+              <a:t>83.3%</a:t>
+            </a:r>
+            <a:r>
+              <a:rPr lang="zh-TW" altLang="zh-TW" dirty="0">
+                <a:latin typeface="Microsoft JhengHei" panose="020B0604030504040204" pitchFamily="34" charset="-120"/>
+                <a:ea typeface="Microsoft JhengHei" panose="020B0604030504040204" pitchFamily="34" charset="-120"/>
+              </a:rPr>
+              <a:t>。讓我們進一步探討森林中 </a:t>
+            </a:r>
+            <a:r>
+              <a:rPr lang="en-US" altLang="zh-TW" dirty="0">
+                <a:latin typeface="Microsoft JhengHei" panose="020B0604030504040204" pitchFamily="34" charset="-120"/>
+                <a:ea typeface="Microsoft JhengHei" panose="020B0604030504040204" pitchFamily="34" charset="-120"/>
+              </a:rPr>
+              <a:t>estimators </a:t>
+            </a:r>
+            <a:r>
+              <a:rPr lang="zh-TW" altLang="zh-TW" dirty="0">
+                <a:latin typeface="Microsoft JhengHei" panose="020B0604030504040204" pitchFamily="34" charset="-120"/>
+                <a:ea typeface="Microsoft JhengHei" panose="020B0604030504040204" pitchFamily="34" charset="-120"/>
+              </a:rPr>
+              <a:t>的數量。一個普遍的規則是，當 </a:t>
+            </a:r>
+            <a:r>
+              <a:rPr lang="en-US" altLang="zh-TW" dirty="0">
+                <a:latin typeface="Microsoft JhengHei" panose="020B0604030504040204" pitchFamily="34" charset="-120"/>
+                <a:ea typeface="Microsoft JhengHei" panose="020B0604030504040204" pitchFamily="34" charset="-120"/>
+              </a:rPr>
+              <a:t>estimators </a:t>
+            </a:r>
+            <a:r>
+              <a:rPr lang="zh-TW" altLang="zh-TW" dirty="0">
+                <a:latin typeface="Microsoft JhengHei" panose="020B0604030504040204" pitchFamily="34" charset="-120"/>
+                <a:ea typeface="Microsoft JhengHei" panose="020B0604030504040204" pitchFamily="34" charset="-120"/>
+              </a:rPr>
+              <a:t>數量增加時，這個分類器表現更好。</a:t>
+            </a:r>
+          </a:p>
+          <a:p>
+            <a:r>
+              <a:rPr lang="en-US" altLang="zh-TW" dirty="0">
+                <a:latin typeface="Microsoft JhengHei" panose="020B0604030504040204" pitchFamily="34" charset="-120"/>
+                <a:ea typeface="Microsoft JhengHei" panose="020B0604030504040204" pitchFamily="34" charset="-120"/>
+              </a:rPr>
               <a:t> </a:t>
             </a:r>
-            <a:r>
-              <a:rPr lang="en-US" altLang="zh-TW" sz="1200" dirty="0" err="1"/>
-              <a:t>i</a:t>
-            </a:r>
-            <a:r>
-              <a:rPr lang="en-US" altLang="zh-TW" sz="1200" dirty="0"/>
-              <a:t> </a:t>
-            </a:r>
-            <a:r>
-              <a:rPr lang="en-US" altLang="zh-TW" sz="1200" b="1" dirty="0"/>
-              <a:t>in</a:t>
-            </a:r>
-            <a:r>
-              <a:rPr lang="en-US" altLang="zh-TW" sz="1200" dirty="0"/>
-              <a:t> range(1,15):  </a:t>
-            </a:r>
-            <a:endParaRPr lang="zh-TW" altLang="zh-TW" sz="1200" dirty="0"/>
-          </a:p>
-          <a:p>
-            <a:r>
-              <a:rPr lang="en-US" altLang="zh-TW" sz="1200" dirty="0"/>
-              <a:t>    # Training dataset  </a:t>
-            </a:r>
-            <a:endParaRPr lang="zh-TW" altLang="zh-TW" sz="1200" dirty="0"/>
-          </a:p>
-          <a:p>
-            <a:r>
-              <a:rPr lang="en-US" altLang="zh-TW" sz="1200" dirty="0"/>
-              <a:t>    </a:t>
-            </a:r>
-            <a:r>
-              <a:rPr lang="en-US" altLang="zh-TW" sz="1200" dirty="0" err="1"/>
-              <a:t>data_train</a:t>
-            </a:r>
-            <a:r>
-              <a:rPr lang="en-US" altLang="zh-TW" sz="1200" dirty="0"/>
-              <a:t> = </a:t>
-            </a:r>
-            <a:r>
-              <a:rPr lang="en-US" altLang="zh-TW" sz="1200" dirty="0" err="1"/>
-              <a:t>data.sample</a:t>
-            </a:r>
-            <a:r>
-              <a:rPr lang="en-US" altLang="zh-TW" sz="1200" dirty="0"/>
-              <a:t>(frac=0.7)  </a:t>
-            </a:r>
-            <a:endParaRPr lang="zh-TW" altLang="zh-TW" sz="1200" dirty="0"/>
-          </a:p>
-          <a:p>
-            <a:r>
-              <a:rPr lang="en-US" altLang="zh-TW" sz="1200" dirty="0"/>
-              <a:t>    # label  </a:t>
-            </a:r>
-            <a:endParaRPr lang="zh-TW" altLang="zh-TW" sz="1200" dirty="0"/>
-          </a:p>
-          <a:p>
-            <a:r>
-              <a:rPr lang="en-US" altLang="zh-TW" sz="1200" dirty="0"/>
-              <a:t>    </a:t>
-            </a:r>
-            <a:r>
-              <a:rPr lang="en-US" altLang="zh-TW" sz="1200" dirty="0" err="1"/>
-              <a:t>data_train_X</a:t>
-            </a:r>
-            <a:r>
-              <a:rPr lang="en-US" altLang="zh-TW" sz="1200" dirty="0"/>
-              <a:t> = </a:t>
-            </a:r>
-            <a:r>
-              <a:rPr lang="en-US" altLang="zh-TW" sz="1200" dirty="0" err="1"/>
-              <a:t>data_train.loc</a:t>
-            </a:r>
-            <a:r>
-              <a:rPr lang="en-US" altLang="zh-TW" sz="1200" dirty="0"/>
-              <a:t>[:, </a:t>
-            </a:r>
-            <a:r>
-              <a:rPr lang="en-US" altLang="zh-TW" sz="1200" b="1" dirty="0"/>
-              <a:t>lambda</a:t>
-            </a:r>
-            <a:r>
-              <a:rPr lang="en-US" altLang="zh-TW" sz="1200" dirty="0"/>
-              <a:t> x: [l </a:t>
-            </a:r>
-            <a:r>
-              <a:rPr lang="en-US" altLang="zh-TW" sz="1200" b="1" dirty="0"/>
-              <a:t>for</a:t>
-            </a:r>
-            <a:r>
-              <a:rPr lang="en-US" altLang="zh-TW" sz="1200" dirty="0"/>
-              <a:t> l </a:t>
-            </a:r>
-            <a:r>
-              <a:rPr lang="en-US" altLang="zh-TW" sz="1200" b="1" dirty="0"/>
-              <a:t>in</a:t>
-            </a:r>
-            <a:r>
-              <a:rPr lang="en-US" altLang="zh-TW" sz="1200" dirty="0"/>
-              <a:t> data </a:t>
-            </a:r>
-            <a:r>
-              <a:rPr lang="en-US" altLang="zh-TW" sz="1200" b="1" dirty="0"/>
-              <a:t>if</a:t>
-            </a:r>
-            <a:r>
-              <a:rPr lang="en-US" altLang="zh-TW" sz="1200" dirty="0"/>
-              <a:t> l != "Class"]]  </a:t>
-            </a:r>
-            <a:endParaRPr lang="zh-TW" altLang="zh-TW" sz="1200" dirty="0"/>
-          </a:p>
-          <a:p>
-            <a:r>
-              <a:rPr lang="en-US" altLang="zh-TW" sz="1200" dirty="0"/>
-              <a:t>    </a:t>
-            </a:r>
-            <a:r>
-              <a:rPr lang="en-US" altLang="zh-TW" sz="1200" dirty="0" err="1"/>
-              <a:t>data_train_Y</a:t>
-            </a:r>
-            <a:r>
-              <a:rPr lang="en-US" altLang="zh-TW" sz="1200" dirty="0"/>
-              <a:t> = </a:t>
-            </a:r>
-            <a:r>
-              <a:rPr lang="en-US" altLang="zh-TW" sz="1200" dirty="0" err="1"/>
-              <a:t>data_train.loc</a:t>
-            </a:r>
-            <a:r>
-              <a:rPr lang="en-US" altLang="zh-TW" sz="1200" dirty="0"/>
-              <a:t>[:, </a:t>
-            </a:r>
-            <a:r>
-              <a:rPr lang="en-US" altLang="zh-TW" sz="1200" b="1" dirty="0"/>
-              <a:t>lambda</a:t>
-            </a:r>
-            <a:r>
-              <a:rPr lang="en-US" altLang="zh-TW" sz="1200" dirty="0"/>
-              <a:t> x: "Class"]  </a:t>
-            </a:r>
-            <a:endParaRPr lang="zh-TW" altLang="zh-TW" sz="1200" dirty="0"/>
-          </a:p>
-          <a:p>
-            <a:r>
-              <a:rPr lang="en-US" altLang="zh-TW" sz="1200" dirty="0"/>
-              <a:t>   </a:t>
-            </a:r>
-            <a:endParaRPr lang="zh-TW" altLang="zh-TW" sz="1200" dirty="0"/>
-          </a:p>
-          <a:p>
-            <a:r>
-              <a:rPr lang="en-US" altLang="zh-TW" sz="1200" dirty="0"/>
-              <a:t>    # Test dataset  </a:t>
-            </a:r>
-            <a:endParaRPr lang="zh-TW" altLang="zh-TW" sz="1200" dirty="0"/>
-          </a:p>
-          <a:p>
-            <a:r>
-              <a:rPr lang="en-US" altLang="zh-TW" sz="1200" dirty="0"/>
-              <a:t>    </a:t>
-            </a:r>
-            <a:r>
-              <a:rPr lang="en-US" altLang="zh-TW" sz="1200" dirty="0" err="1"/>
-              <a:t>data_test</a:t>
-            </a:r>
-            <a:r>
-              <a:rPr lang="en-US" altLang="zh-TW" sz="1200" dirty="0"/>
-              <a:t> = </a:t>
-            </a:r>
-            <a:r>
-              <a:rPr lang="en-US" altLang="zh-TW" sz="1200" dirty="0" err="1"/>
-              <a:t>data.loc</a:t>
-            </a:r>
-            <a:r>
-              <a:rPr lang="en-US" altLang="zh-TW" sz="1200" dirty="0"/>
-              <a:t>[~</a:t>
-            </a:r>
-            <a:r>
-              <a:rPr lang="en-US" altLang="zh-TW" sz="1200" dirty="0" err="1"/>
-              <a:t>data.index.isin</a:t>
-            </a:r>
-            <a:r>
-              <a:rPr lang="en-US" altLang="zh-TW" sz="1200" dirty="0"/>
-              <a:t>(</a:t>
-            </a:r>
-            <a:r>
-              <a:rPr lang="en-US" altLang="zh-TW" sz="1200" dirty="0" err="1"/>
-              <a:t>data_train.index</a:t>
-            </a:r>
-            <a:r>
-              <a:rPr lang="en-US" altLang="zh-TW" sz="1200" dirty="0"/>
-              <a:t>)]  </a:t>
-            </a:r>
-            <a:endParaRPr lang="zh-TW" altLang="zh-TW" sz="1200" dirty="0"/>
-          </a:p>
-          <a:p>
-            <a:r>
-              <a:rPr lang="en-US" altLang="zh-TW" sz="1200" dirty="0"/>
-              <a:t>    # label  </a:t>
-            </a:r>
-            <a:endParaRPr lang="zh-TW" altLang="zh-TW" sz="1200" dirty="0"/>
-          </a:p>
-          <a:p>
-            <a:r>
-              <a:rPr lang="en-US" altLang="zh-TW" sz="1200" dirty="0"/>
-              <a:t>    </a:t>
-            </a:r>
-            <a:r>
-              <a:rPr lang="en-US" altLang="zh-TW" sz="1200" dirty="0" err="1"/>
-              <a:t>data_test_X</a:t>
-            </a:r>
-            <a:r>
-              <a:rPr lang="en-US" altLang="zh-TW" sz="1200" dirty="0"/>
-              <a:t> = </a:t>
-            </a:r>
-            <a:r>
-              <a:rPr lang="en-US" altLang="zh-TW" sz="1200" dirty="0" err="1"/>
-              <a:t>data_test.loc</a:t>
-            </a:r>
-            <a:r>
-              <a:rPr lang="en-US" altLang="zh-TW" sz="1200" dirty="0"/>
-              <a:t>[:, </a:t>
-            </a:r>
-            <a:r>
-              <a:rPr lang="en-US" altLang="zh-TW" sz="1200" b="1" dirty="0"/>
-              <a:t>lambda</a:t>
-            </a:r>
-            <a:r>
-              <a:rPr lang="en-US" altLang="zh-TW" sz="1200" dirty="0"/>
-              <a:t> x: [l </a:t>
-            </a:r>
-            <a:r>
-              <a:rPr lang="en-US" altLang="zh-TW" sz="1200" b="1" dirty="0"/>
-              <a:t>for</a:t>
-            </a:r>
-            <a:r>
-              <a:rPr lang="en-US" altLang="zh-TW" sz="1200" dirty="0"/>
-              <a:t> l </a:t>
-            </a:r>
-            <a:r>
-              <a:rPr lang="en-US" altLang="zh-TW" sz="1200" b="1" dirty="0"/>
-              <a:t>in</a:t>
-            </a:r>
-            <a:r>
-              <a:rPr lang="en-US" altLang="zh-TW" sz="1200" dirty="0"/>
-              <a:t> data </a:t>
-            </a:r>
-            <a:r>
-              <a:rPr lang="en-US" altLang="zh-TW" sz="1200" b="1" dirty="0"/>
-              <a:t>if</a:t>
-            </a:r>
-            <a:r>
-              <a:rPr lang="en-US" altLang="zh-TW" sz="1200" dirty="0"/>
-              <a:t> l != "Class"]]  </a:t>
-            </a:r>
-            <a:endParaRPr lang="zh-TW" altLang="zh-TW" sz="1200" dirty="0"/>
-          </a:p>
-          <a:p>
-            <a:r>
-              <a:rPr lang="en-US" altLang="zh-TW" sz="1200" dirty="0"/>
-              <a:t>    </a:t>
-            </a:r>
-            <a:r>
-              <a:rPr lang="en-US" altLang="zh-TW" sz="1200" dirty="0" err="1"/>
-              <a:t>data_test_Y</a:t>
-            </a:r>
-            <a:r>
-              <a:rPr lang="en-US" altLang="zh-TW" sz="1200" dirty="0"/>
-              <a:t> = </a:t>
-            </a:r>
-            <a:r>
-              <a:rPr lang="en-US" altLang="zh-TW" sz="1200" dirty="0" err="1"/>
-              <a:t>data_test.loc</a:t>
-            </a:r>
-            <a:r>
-              <a:rPr lang="en-US" altLang="zh-TW" sz="1200" dirty="0"/>
-              <a:t>[:, </a:t>
-            </a:r>
-            <a:r>
-              <a:rPr lang="en-US" altLang="zh-TW" sz="1200" b="1" dirty="0"/>
-              <a:t>lambda</a:t>
-            </a:r>
-            <a:r>
-              <a:rPr lang="en-US" altLang="zh-TW" sz="1200" dirty="0"/>
-              <a:t> x: "Class"]  </a:t>
-            </a:r>
-            <a:endParaRPr lang="zh-TW" altLang="zh-TW" sz="1200" dirty="0"/>
-          </a:p>
-          <a:p>
-            <a:r>
-              <a:rPr lang="en-US" altLang="zh-TW" sz="1200" dirty="0"/>
-              <a:t>       </a:t>
-            </a:r>
-            <a:endParaRPr lang="zh-TW" altLang="zh-TW" sz="1200" dirty="0"/>
-          </a:p>
-          <a:p>
-            <a:r>
-              <a:rPr lang="en-US" altLang="zh-TW" sz="1200" dirty="0"/>
-              <a:t>    # Build decision trees of different depths  </a:t>
-            </a:r>
-            <a:endParaRPr lang="zh-TW" altLang="zh-TW" sz="1200" dirty="0"/>
-          </a:p>
-          <a:p>
-            <a:r>
-              <a:rPr lang="en-US" altLang="zh-TW" sz="1200" dirty="0"/>
-              <a:t>    tree = </a:t>
-            </a:r>
-            <a:r>
-              <a:rPr lang="en-US" altLang="zh-TW" sz="1200" dirty="0" err="1"/>
-              <a:t>DecisionTreeClassifier</a:t>
-            </a:r>
-            <a:r>
-              <a:rPr lang="en-US" altLang="zh-TW" sz="1200" dirty="0"/>
-              <a:t>(</a:t>
-            </a:r>
-            <a:r>
-              <a:rPr lang="en-US" altLang="zh-TW" sz="1200" dirty="0" err="1"/>
-              <a:t>random_state</a:t>
-            </a:r>
-            <a:r>
-              <a:rPr lang="en-US" altLang="zh-TW" sz="1200" dirty="0"/>
-              <a:t>=56, criterion='</a:t>
-            </a:r>
-            <a:r>
-              <a:rPr lang="en-US" altLang="zh-TW" sz="1200" dirty="0" err="1"/>
-              <a:t>gini</a:t>
-            </a:r>
-            <a:r>
-              <a:rPr lang="en-US" altLang="zh-TW" sz="1200" dirty="0"/>
-              <a:t>', </a:t>
-            </a:r>
-            <a:r>
-              <a:rPr lang="en-US" altLang="zh-TW" sz="1200" dirty="0" err="1"/>
-              <a:t>max_depth</a:t>
-            </a:r>
-            <a:r>
-              <a:rPr lang="en-US" altLang="zh-TW" sz="1200" dirty="0"/>
-              <a:t>=</a:t>
-            </a:r>
-            <a:r>
-              <a:rPr lang="en-US" altLang="zh-TW" sz="1200" dirty="0" err="1"/>
-              <a:t>i</a:t>
-            </a:r>
-            <a:r>
-              <a:rPr lang="en-US" altLang="zh-TW" sz="1200" dirty="0"/>
-              <a:t>)  </a:t>
-            </a:r>
-            <a:endParaRPr lang="zh-TW" altLang="zh-TW" sz="1200" dirty="0"/>
-          </a:p>
-          <a:p>
-            <a:r>
-              <a:rPr lang="en-US" altLang="zh-TW" sz="1200" dirty="0"/>
-              <a:t>    # Use the .fit() for training  </a:t>
-            </a:r>
-            <a:endParaRPr lang="zh-TW" altLang="zh-TW" sz="1200" dirty="0"/>
-          </a:p>
-          <a:p>
-            <a:r>
-              <a:rPr lang="en-US" altLang="zh-TW" sz="1200" dirty="0"/>
-              <a:t>    </a:t>
-            </a:r>
-            <a:r>
-              <a:rPr lang="en-US" altLang="zh-TW" sz="1200" dirty="0" err="1"/>
-              <a:t>tree.fit</a:t>
-            </a:r>
-            <a:r>
-              <a:rPr lang="en-US" altLang="zh-TW" sz="1200" dirty="0"/>
-              <a:t>(</a:t>
-            </a:r>
-            <a:r>
-              <a:rPr lang="en-US" altLang="zh-TW" sz="1200" dirty="0" err="1"/>
-              <a:t>data_train_X</a:t>
-            </a:r>
-            <a:r>
-              <a:rPr lang="en-US" altLang="zh-TW" sz="1200" dirty="0"/>
-              <a:t>, </a:t>
-            </a:r>
-            <a:r>
-              <a:rPr lang="en-US" altLang="zh-TW" sz="1200" dirty="0" err="1"/>
-              <a:t>data_train_Y</a:t>
-            </a:r>
-            <a:r>
-              <a:rPr lang="en-US" altLang="zh-TW" sz="1200" dirty="0"/>
-              <a:t>)  </a:t>
-            </a:r>
-            <a:endParaRPr lang="zh-TW" altLang="zh-TW" sz="1200" dirty="0"/>
-          </a:p>
-          <a:p>
-            <a:r>
-              <a:rPr lang="en-US" altLang="zh-TW" sz="1200" dirty="0"/>
-              <a:t>    # result  </a:t>
-            </a:r>
-            <a:endParaRPr lang="zh-TW" altLang="zh-TW" sz="1200" dirty="0"/>
-          </a:p>
-          <a:p>
-            <a:r>
-              <a:rPr lang="en-US" altLang="zh-TW" sz="1200" dirty="0"/>
-              <a:t>    results2.append(</a:t>
-            </a:r>
-            <a:r>
-              <a:rPr lang="en-US" altLang="zh-TW" sz="1200" dirty="0" err="1"/>
-              <a:t>tree.score</a:t>
-            </a:r>
-            <a:r>
-              <a:rPr lang="en-US" altLang="zh-TW" sz="1200" dirty="0"/>
-              <a:t>(</a:t>
-            </a:r>
-            <a:r>
-              <a:rPr lang="en-US" altLang="zh-TW" sz="1200" dirty="0" err="1"/>
-              <a:t>data_test_X</a:t>
-            </a:r>
-            <a:r>
-              <a:rPr lang="en-US" altLang="zh-TW" sz="1200" dirty="0"/>
-              <a:t>, </a:t>
-            </a:r>
-            <a:r>
-              <a:rPr lang="en-US" altLang="zh-TW" sz="1200" dirty="0" err="1"/>
-              <a:t>data_test_Y</a:t>
-            </a:r>
-            <a:r>
-              <a:rPr lang="en-US" altLang="zh-TW" sz="1200" dirty="0"/>
-              <a:t>))  </a:t>
-            </a:r>
-            <a:endParaRPr lang="zh-TW" altLang="zh-TW" sz="1200" dirty="0"/>
-          </a:p>
-          <a:p>
-            <a:r>
-              <a:rPr lang="en-US" altLang="zh-TW" sz="1200" dirty="0"/>
-              <a:t>  </a:t>
-            </a:r>
-            <a:endParaRPr lang="zh-TW" altLang="zh-TW" sz="1200" dirty="0"/>
-          </a:p>
-          <a:p>
-            <a:r>
-              <a:rPr lang="en-US" altLang="zh-TW" sz="1200" dirty="0" err="1"/>
-              <a:t>plt.plot</a:t>
-            </a:r>
-            <a:r>
-              <a:rPr lang="en-US" altLang="zh-TW" sz="1200" dirty="0"/>
-              <a:t>([*range(1,15)],results2)  </a:t>
-            </a:r>
-            <a:endParaRPr lang="zh-TW" altLang="zh-TW" sz="1200" dirty="0"/>
-          </a:p>
-          <a:p>
-            <a:r>
-              <a:rPr lang="en-US" altLang="zh-TW" sz="1200" dirty="0" err="1"/>
-              <a:t>plt.grid</a:t>
-            </a:r>
-            <a:r>
-              <a:rPr lang="en-US" altLang="zh-TW" sz="1200" dirty="0"/>
-              <a:t>(True, </a:t>
-            </a:r>
-            <a:r>
-              <a:rPr lang="en-US" altLang="zh-TW" sz="1200" dirty="0" err="1"/>
-              <a:t>linestyle</a:t>
-            </a:r>
-            <a:r>
-              <a:rPr lang="en-US" altLang="zh-TW" sz="1200" dirty="0"/>
-              <a:t>='--', alpha=0.5)  </a:t>
-            </a:r>
-            <a:endParaRPr lang="zh-TW" altLang="zh-TW" sz="1200" dirty="0"/>
-          </a:p>
-        </p:txBody>
-      </p:sp>
-      <p:pic>
-        <p:nvPicPr>
-          <p:cNvPr id="10" name="圖片 9">
-            <a:extLst>
-              <a:ext uri="{FF2B5EF4-FFF2-40B4-BE49-F238E27FC236}">
-                <a16:creationId xmlns:a16="http://schemas.microsoft.com/office/drawing/2014/main" id="{F2CC6341-1198-0047-9CE7-60CA425F2B80}"/>
-              </a:ext>
-            </a:extLst>
-          </p:cNvPr>
-          <p:cNvPicPr/>
-          <p:nvPr/>
-        </p:nvPicPr>
-        <p:blipFill>
-          <a:blip r:embed="rId2">
-            <a:extLst>
-              <a:ext uri="{28A0092B-C50C-407E-A947-70E740481C1C}">
-                <a14:useLocalDpi xmlns:a14="http://schemas.microsoft.com/office/drawing/2010/main" val="0"/>
-              </a:ext>
-            </a:extLst>
-          </a:blip>
-          <a:srcRect/>
-          <a:stretch>
-            <a:fillRect/>
-          </a:stretch>
-        </p:blipFill>
-        <p:spPr bwMode="auto">
-          <a:xfrm>
-            <a:off x="6591300" y="1860917"/>
-            <a:ext cx="4762500" cy="3091854"/>
-          </a:xfrm>
-          <a:prstGeom prst="rect">
-            <a:avLst/>
-          </a:prstGeom>
-          <a:noFill/>
-          <a:ln>
-            <a:noFill/>
-          </a:ln>
-        </p:spPr>
-      </p:pic>
+            <a:endParaRPr lang="zh-TW" altLang="zh-TW" dirty="0">
+              <a:latin typeface="Microsoft JhengHei" panose="020B0604030504040204" pitchFamily="34" charset="-120"/>
+              <a:ea typeface="Microsoft JhengHei" panose="020B0604030504040204" pitchFamily="34" charset="-120"/>
+            </a:endParaRPr>
+          </a:p>
+          <a:p>
+            <a:endParaRPr kumimoji="1" lang="zh-TW" altLang="en-US" dirty="0">
+              <a:latin typeface="Microsoft JhengHei" panose="020B0604030504040204" pitchFamily="34" charset="-120"/>
+              <a:ea typeface="Microsoft JhengHei" panose="020B0604030504040204" pitchFamily="34" charset="-120"/>
+            </a:endParaRPr>
+          </a:p>
+        </p:txBody>
+      </p:sp>
     </p:spTree>
     <p:extLst>
       <p:ext uri="{BB962C8B-B14F-4D97-AF65-F5344CB8AC3E}">
-        <p14:creationId xmlns:p14="http://schemas.microsoft.com/office/powerpoint/2010/main" val="2640182846"/>
+        <p14:creationId xmlns:p14="http://schemas.microsoft.com/office/powerpoint/2010/main" val="2868141088"/>
       </p:ext>
     </p:extLst>
   </p:cSld>
@@ -12888,12 +12455,37 @@
           <a:lstStyle/>
           <a:p>
             <a:r>
-              <a:rPr kumimoji="1" lang="zh-CN" altLang="en-US" sz="3600" b="1" dirty="0">
+              <a:rPr lang="zh-TW" altLang="zh-TW" sz="3600" b="1" dirty="0">
                 <a:latin typeface="Microsoft JhengHei" panose="020B0604030504040204" pitchFamily="34" charset="-120"/>
                 <a:ea typeface="Microsoft JhengHei" panose="020B0604030504040204" pitchFamily="34" charset="-120"/>
               </a:rPr>
-              <a:t>對比</a:t>
-            </a:r>
+              <a:t>探索調優 </a:t>
+            </a:r>
+            <a:r>
+              <a:rPr lang="en-US" altLang="zh-TW" sz="3600" b="1" dirty="0">
+                <a:latin typeface="Microsoft JhengHei" panose="020B0604030504040204" pitchFamily="34" charset="-120"/>
+                <a:ea typeface="Microsoft JhengHei" panose="020B0604030504040204" pitchFamily="34" charset="-120"/>
+              </a:rPr>
+              <a:t>Random Forest</a:t>
+            </a:r>
+            <a:r>
+              <a:rPr lang="zh-TW" altLang="en-US" sz="3600" b="1" dirty="0">
+                <a:latin typeface="Microsoft JhengHei" panose="020B0604030504040204" pitchFamily="34" charset="-120"/>
+                <a:ea typeface="Microsoft JhengHei" panose="020B0604030504040204" pitchFamily="34" charset="-120"/>
+              </a:rPr>
+              <a:t> </a:t>
+            </a:r>
+            <a:r>
+              <a:rPr lang="zh-TW" altLang="zh-TW" sz="3600" b="1" dirty="0">
+                <a:latin typeface="Microsoft JhengHei" panose="020B0604030504040204" pitchFamily="34" charset="-120"/>
+                <a:ea typeface="Microsoft JhengHei" panose="020B0604030504040204" pitchFamily="34" charset="-120"/>
+              </a:rPr>
+              <a:t>分類器</a:t>
+            </a:r>
+            <a:endParaRPr kumimoji="1" lang="zh-CN" altLang="en-US" sz="2800" b="1" dirty="0">
+              <a:latin typeface="Microsoft JhengHei" panose="020B0604030504040204" pitchFamily="34" charset="-120"/>
+              <a:ea typeface="Microsoft JhengHei" panose="020B0604030504040204" pitchFamily="34" charset="-120"/>
+            </a:endParaRPr>
           </a:p>
         </p:txBody>
       </p:sp>
@@ -12955,132 +12547,386 @@
           </a:p>
         </p:txBody>
       </p:sp>
-      <p:grpSp>
-        <p:nvGrpSpPr>
-          <p:cNvPr id="9" name="群組 8">
+      <p:sp>
+        <p:nvSpPr>
+          <p:cNvPr id="11" name="文字方塊 10">
             <a:extLst>
               <a:ext uri="{FF2B5EF4-FFF2-40B4-BE49-F238E27FC236}">
-                <a16:creationId xmlns:a16="http://schemas.microsoft.com/office/drawing/2014/main" id="{979B8A3F-A02A-F448-9B79-2A6821CB93D4}"/>
+                <a16:creationId xmlns:a16="http://schemas.microsoft.com/office/drawing/2014/main" id="{ED579AF1-F166-DB45-AEC5-0A2C8AB9A150}"/>
               </a:ext>
             </a:extLst>
           </p:cNvPr>
-          <p:cNvGrpSpPr/>
+          <p:cNvSpPr txBox="1"/>
           <p:nvPr/>
-        </p:nvGrpSpPr>
-        <p:grpSpPr>
+        </p:nvSpPr>
+        <p:spPr>
           <a:xfrm>
-            <a:off x="8153400" y="755401"/>
-            <a:ext cx="2920512" cy="2634278"/>
-            <a:chOff x="6768612" y="136525"/>
-            <a:chExt cx="4762500" cy="4295736"/>
+            <a:off x="838200" y="1532219"/>
+            <a:ext cx="6641123" cy="3970318"/>
           </a:xfrm>
-        </p:grpSpPr>
-        <p:pic>
-          <p:nvPicPr>
-            <p:cNvPr id="7" name="內容版面配置區 6">
-              <a:extLst>
-                <a:ext uri="{FF2B5EF4-FFF2-40B4-BE49-F238E27FC236}">
-                  <a16:creationId xmlns:a16="http://schemas.microsoft.com/office/drawing/2014/main" id="{F9A67996-F05E-2144-B39B-0E108E045E4E}"/>
-                </a:ext>
-              </a:extLst>
-            </p:cNvPr>
-            <p:cNvPicPr>
-              <a:picLocks/>
-            </p:cNvPicPr>
-            <p:nvPr/>
-          </p:nvPicPr>
-          <p:blipFill>
-            <a:blip r:embed="rId2">
-              <a:extLst>
-                <a:ext uri="{28A0092B-C50C-407E-A947-70E740481C1C}">
-                  <a14:useLocalDpi xmlns:a14="http://schemas.microsoft.com/office/drawing/2010/main" val="0"/>
-                </a:ext>
-              </a:extLst>
-            </a:blip>
-            <a:srcRect/>
-            <a:stretch>
-              <a:fillRect/>
-            </a:stretch>
-          </p:blipFill>
-          <p:spPr bwMode="auto">
-            <a:xfrm>
-              <a:off x="6768612" y="136525"/>
-              <a:ext cx="4762500" cy="3136900"/>
-            </a:xfrm>
-            <a:prstGeom prst="rect">
-              <a:avLst/>
-            </a:prstGeom>
-            <a:noFill/>
-            <a:ln>
-              <a:noFill/>
-            </a:ln>
-          </p:spPr>
-        </p:pic>
-        <p:sp>
-          <p:nvSpPr>
-            <p:cNvPr id="8" name="矩形 7">
-              <a:extLst>
-                <a:ext uri="{FF2B5EF4-FFF2-40B4-BE49-F238E27FC236}">
-                  <a16:creationId xmlns:a16="http://schemas.microsoft.com/office/drawing/2014/main" id="{C30D8E3C-7C01-394A-812E-9CB4925C87A5}"/>
-                </a:ext>
-              </a:extLst>
-            </p:cNvPr>
-            <p:cNvSpPr/>
-            <p:nvPr/>
-          </p:nvSpPr>
-          <p:spPr>
-            <a:xfrm>
-              <a:off x="7092462" y="3491211"/>
-              <a:ext cx="4114799" cy="941050"/>
-            </a:xfrm>
-            <a:prstGeom prst="rect">
-              <a:avLst/>
-            </a:prstGeom>
-          </p:spPr>
-          <p:txBody>
-            <a:bodyPr wrap="square">
-              <a:spAutoFit/>
-            </a:bodyPr>
-            <a:lstStyle/>
-            <a:p>
-              <a:pPr algn="ctr"/>
-              <a:r>
-                <a:rPr lang="en-GB" altLang="zh-TW" sz="1050" dirty="0"/>
-                <a:t>Minimum Accuracy Score: 0.45138889</a:t>
-              </a:r>
-            </a:p>
-            <a:p>
-              <a:pPr algn="ctr"/>
-              <a:r>
-                <a:rPr lang="en-GB" altLang="zh-TW" sz="1050" dirty="0"/>
-                <a:t>Maximum Accuracy Score: 0.79861111</a:t>
-              </a:r>
-            </a:p>
-            <a:p>
-              <a:pPr algn="ctr"/>
-              <a:r>
-                <a:rPr lang="en-GB" altLang="zh-TW" sz="1050" dirty="0"/>
-                <a:t>Average Accuracy Score: 0.64765278</a:t>
-              </a:r>
-              <a:endParaRPr lang="zh-TW" altLang="en-US" sz="1050" dirty="0"/>
-            </a:p>
-          </p:txBody>
-        </p:sp>
-      </p:grpSp>
-      <p:pic>
-        <p:nvPicPr>
-          <p:cNvPr id="10" name="圖片 9">
+          <a:prstGeom prst="rect">
+            <a:avLst/>
+          </a:prstGeom>
+          <a:noFill/>
+        </p:spPr>
+        <p:txBody>
+          <a:bodyPr wrap="square" rtlCol="0">
+            <a:spAutoFit/>
+          </a:bodyPr>
+          <a:lstStyle/>
+          <a:p>
+            <a:r>
+              <a:rPr lang="en-GB" altLang="zh-TW" dirty="0">
+                <a:ea typeface="Microsoft JhengHei" panose="020B0604030504040204" pitchFamily="34" charset="-120"/>
+              </a:rPr>
+              <a:t># Exploring the number of estimators in the random forest</a:t>
+            </a:r>
+          </a:p>
+          <a:p>
+            <a:r>
+              <a:rPr lang="en-GB" altLang="zh-TW" dirty="0">
+                <a:ea typeface="Microsoft JhengHei" panose="020B0604030504040204" pitchFamily="34" charset="-120"/>
+              </a:rPr>
+              <a:t>score = []</a:t>
+            </a:r>
+          </a:p>
+          <a:p>
+            <a:r>
+              <a:rPr lang="en-GB" altLang="zh-TW" dirty="0" err="1">
+                <a:ea typeface="Microsoft JhengHei" panose="020B0604030504040204" pitchFamily="34" charset="-120"/>
+              </a:rPr>
+              <a:t>est</a:t>
+            </a:r>
+            <a:r>
+              <a:rPr lang="en-GB" altLang="zh-TW" dirty="0">
+                <a:ea typeface="Microsoft JhengHei" panose="020B0604030504040204" pitchFamily="34" charset="-120"/>
+              </a:rPr>
+              <a:t> = []</a:t>
+            </a:r>
+          </a:p>
+          <a:p>
+            <a:r>
+              <a:rPr lang="en-GB" altLang="zh-TW" dirty="0">
+                <a:ea typeface="Microsoft JhengHei" panose="020B0604030504040204" pitchFamily="34" charset="-120"/>
+              </a:rPr>
+              <a:t>estimators = [1, 10, 50, 100, 200, 300, 400, 500]</a:t>
+            </a:r>
+          </a:p>
+          <a:p>
+            <a:r>
+              <a:rPr lang="en-GB" altLang="zh-TW" dirty="0">
+                <a:ea typeface="Microsoft JhengHei" panose="020B0604030504040204" pitchFamily="34" charset="-120"/>
+              </a:rPr>
+              <a:t>for e in estimators:</a:t>
+            </a:r>
+          </a:p>
+          <a:p>
+            <a:r>
+              <a:rPr lang="en-GB" altLang="zh-TW" dirty="0">
+                <a:ea typeface="Microsoft JhengHei" panose="020B0604030504040204" pitchFamily="34" charset="-120"/>
+              </a:rPr>
+              <a:t>    rfc1 = </a:t>
+            </a:r>
+            <a:r>
+              <a:rPr lang="en-GB" altLang="zh-TW" dirty="0" err="1">
+                <a:ea typeface="Microsoft JhengHei" panose="020B0604030504040204" pitchFamily="34" charset="-120"/>
+              </a:rPr>
+              <a:t>RandomForestClassifier</a:t>
+            </a:r>
+            <a:r>
+              <a:rPr lang="en-GB" altLang="zh-TW" dirty="0">
+                <a:ea typeface="Microsoft JhengHei" panose="020B0604030504040204" pitchFamily="34" charset="-120"/>
+              </a:rPr>
+              <a:t>(</a:t>
+            </a:r>
+            <a:r>
+              <a:rPr lang="en-GB" altLang="zh-TW" dirty="0" err="1">
+                <a:ea typeface="Microsoft JhengHei" panose="020B0604030504040204" pitchFamily="34" charset="-120"/>
+              </a:rPr>
+              <a:t>n_estimators</a:t>
+            </a:r>
+            <a:r>
+              <a:rPr lang="en-GB" altLang="zh-TW" dirty="0">
+                <a:ea typeface="Microsoft JhengHei" panose="020B0604030504040204" pitchFamily="34" charset="-120"/>
+              </a:rPr>
+              <a:t>=e, </a:t>
+            </a:r>
+            <a:r>
+              <a:rPr lang="en-GB" altLang="zh-TW" dirty="0" err="1">
+                <a:ea typeface="Microsoft JhengHei" panose="020B0604030504040204" pitchFamily="34" charset="-120"/>
+              </a:rPr>
+              <a:t>random_state</a:t>
+            </a:r>
+            <a:r>
+              <a:rPr lang="en-GB" altLang="zh-TW" dirty="0">
+                <a:ea typeface="Microsoft JhengHei" panose="020B0604030504040204" pitchFamily="34" charset="-120"/>
+              </a:rPr>
+              <a:t>=52)</a:t>
+            </a:r>
+          </a:p>
+          <a:p>
+            <a:r>
+              <a:rPr lang="en-GB" altLang="zh-TW" dirty="0">
+                <a:ea typeface="Microsoft JhengHei" panose="020B0604030504040204" pitchFamily="34" charset="-120"/>
+              </a:rPr>
+              <a:t>    pred1 = rfc1.fit(</a:t>
+            </a:r>
+            <a:r>
+              <a:rPr lang="en-GB" altLang="zh-TW" dirty="0" err="1">
+                <a:ea typeface="Microsoft JhengHei" panose="020B0604030504040204" pitchFamily="34" charset="-120"/>
+              </a:rPr>
+              <a:t>X_train</a:t>
+            </a:r>
+            <a:r>
+              <a:rPr lang="en-GB" altLang="zh-TW" dirty="0">
+                <a:ea typeface="Microsoft JhengHei" panose="020B0604030504040204" pitchFamily="34" charset="-120"/>
+              </a:rPr>
+              <a:t>, </a:t>
+            </a:r>
+            <a:r>
+              <a:rPr lang="en-GB" altLang="zh-TW" dirty="0" err="1">
+                <a:ea typeface="Microsoft JhengHei" panose="020B0604030504040204" pitchFamily="34" charset="-120"/>
+              </a:rPr>
+              <a:t>y_train</a:t>
+            </a:r>
+            <a:r>
+              <a:rPr lang="en-GB" altLang="zh-TW" dirty="0">
+                <a:ea typeface="Microsoft JhengHei" panose="020B0604030504040204" pitchFamily="34" charset="-120"/>
+              </a:rPr>
+              <a:t>).predict(</a:t>
+            </a:r>
+            <a:r>
+              <a:rPr lang="en-GB" altLang="zh-TW" dirty="0" err="1">
+                <a:ea typeface="Microsoft JhengHei" panose="020B0604030504040204" pitchFamily="34" charset="-120"/>
+              </a:rPr>
+              <a:t>X_test</a:t>
+            </a:r>
+            <a:r>
+              <a:rPr lang="en-GB" altLang="zh-TW" dirty="0">
+                <a:ea typeface="Microsoft JhengHei" panose="020B0604030504040204" pitchFamily="34" charset="-120"/>
+              </a:rPr>
+              <a:t>)</a:t>
+            </a:r>
+          </a:p>
+          <a:p>
+            <a:r>
+              <a:rPr lang="en-GB" altLang="zh-TW" dirty="0">
+                <a:ea typeface="Microsoft JhengHei" panose="020B0604030504040204" pitchFamily="34" charset="-120"/>
+              </a:rPr>
+              <a:t>    accuracy = </a:t>
+            </a:r>
+            <a:r>
+              <a:rPr lang="en-GB" altLang="zh-TW" dirty="0" err="1">
+                <a:ea typeface="Microsoft JhengHei" panose="020B0604030504040204" pitchFamily="34" charset="-120"/>
+              </a:rPr>
+              <a:t>accuracy_score</a:t>
+            </a:r>
+            <a:r>
+              <a:rPr lang="en-GB" altLang="zh-TW" dirty="0">
+                <a:ea typeface="Microsoft JhengHei" panose="020B0604030504040204" pitchFamily="34" charset="-120"/>
+              </a:rPr>
+              <a:t>(</a:t>
+            </a:r>
+            <a:r>
+              <a:rPr lang="en-GB" altLang="zh-TW" dirty="0" err="1">
+                <a:ea typeface="Microsoft JhengHei" panose="020B0604030504040204" pitchFamily="34" charset="-120"/>
+              </a:rPr>
+              <a:t>y_test</a:t>
+            </a:r>
+            <a:r>
+              <a:rPr lang="en-GB" altLang="zh-TW" dirty="0">
+                <a:ea typeface="Microsoft JhengHei" panose="020B0604030504040204" pitchFamily="34" charset="-120"/>
+              </a:rPr>
+              <a:t>, pred1)</a:t>
+            </a:r>
+          </a:p>
+          <a:p>
+            <a:r>
+              <a:rPr lang="en-GB" altLang="zh-TW" dirty="0">
+                <a:ea typeface="Microsoft JhengHei" panose="020B0604030504040204" pitchFamily="34" charset="-120"/>
+              </a:rPr>
+              <a:t>    </a:t>
+            </a:r>
+            <a:r>
+              <a:rPr lang="en-GB" altLang="zh-TW" dirty="0" err="1">
+                <a:ea typeface="Microsoft JhengHei" panose="020B0604030504040204" pitchFamily="34" charset="-120"/>
+              </a:rPr>
+              <a:t>score.append</a:t>
+            </a:r>
+            <a:r>
+              <a:rPr lang="en-GB" altLang="zh-TW" dirty="0">
+                <a:ea typeface="Microsoft JhengHei" panose="020B0604030504040204" pitchFamily="34" charset="-120"/>
+              </a:rPr>
+              <a:t>(accuracy)</a:t>
+            </a:r>
+          </a:p>
+          <a:p>
+            <a:r>
+              <a:rPr lang="en-GB" altLang="zh-TW" dirty="0">
+                <a:ea typeface="Microsoft JhengHei" panose="020B0604030504040204" pitchFamily="34" charset="-120"/>
+              </a:rPr>
+              <a:t>    </a:t>
+            </a:r>
+            <a:r>
+              <a:rPr lang="en-GB" altLang="zh-TW" dirty="0" err="1">
+                <a:ea typeface="Microsoft JhengHei" panose="020B0604030504040204" pitchFamily="34" charset="-120"/>
+              </a:rPr>
+              <a:t>est.append</a:t>
+            </a:r>
+            <a:r>
+              <a:rPr lang="en-GB" altLang="zh-TW" dirty="0">
+                <a:ea typeface="Microsoft JhengHei" panose="020B0604030504040204" pitchFamily="34" charset="-120"/>
+              </a:rPr>
+              <a:t>(e)</a:t>
+            </a:r>
+          </a:p>
+          <a:p>
+            <a:r>
+              <a:rPr lang="en-GB" altLang="zh-TW" dirty="0">
+                <a:ea typeface="Microsoft JhengHei" panose="020B0604030504040204" pitchFamily="34" charset="-120"/>
+              </a:rPr>
+              <a:t>plot = </a:t>
+            </a:r>
+            <a:r>
+              <a:rPr lang="en-GB" altLang="zh-TW" dirty="0" err="1">
+                <a:ea typeface="Microsoft JhengHei" panose="020B0604030504040204" pitchFamily="34" charset="-120"/>
+              </a:rPr>
+              <a:t>sns.pointplot</a:t>
+            </a:r>
+            <a:r>
+              <a:rPr lang="en-GB" altLang="zh-TW" dirty="0">
+                <a:ea typeface="Microsoft JhengHei" panose="020B0604030504040204" pitchFamily="34" charset="-120"/>
+              </a:rPr>
+              <a:t>(x=</a:t>
+            </a:r>
+            <a:r>
+              <a:rPr lang="en-GB" altLang="zh-TW" dirty="0" err="1">
+                <a:ea typeface="Microsoft JhengHei" panose="020B0604030504040204" pitchFamily="34" charset="-120"/>
+              </a:rPr>
+              <a:t>est</a:t>
+            </a:r>
+            <a:r>
+              <a:rPr lang="en-GB" altLang="zh-TW" dirty="0">
+                <a:ea typeface="Microsoft JhengHei" panose="020B0604030504040204" pitchFamily="34" charset="-120"/>
+              </a:rPr>
+              <a:t>, y=score)</a:t>
+            </a:r>
+          </a:p>
+          <a:p>
+            <a:r>
+              <a:rPr lang="en-GB" altLang="zh-TW" dirty="0" err="1">
+                <a:ea typeface="Microsoft JhengHei" panose="020B0604030504040204" pitchFamily="34" charset="-120"/>
+              </a:rPr>
+              <a:t>plot.set</a:t>
+            </a:r>
+            <a:r>
+              <a:rPr lang="en-GB" altLang="zh-TW" dirty="0">
+                <a:ea typeface="Microsoft JhengHei" panose="020B0604030504040204" pitchFamily="34" charset="-120"/>
+              </a:rPr>
+              <a:t>(</a:t>
+            </a:r>
+            <a:r>
+              <a:rPr lang="en-GB" altLang="zh-TW" dirty="0" err="1">
+                <a:ea typeface="Microsoft JhengHei" panose="020B0604030504040204" pitchFamily="34" charset="-120"/>
+              </a:rPr>
+              <a:t>xlabel</a:t>
+            </a:r>
+            <a:r>
+              <a:rPr lang="en-GB" altLang="zh-TW" dirty="0">
+                <a:ea typeface="Microsoft JhengHei" panose="020B0604030504040204" pitchFamily="34" charset="-120"/>
+              </a:rPr>
+              <a:t>='Number of estimators', </a:t>
+            </a:r>
+            <a:r>
+              <a:rPr lang="en-GB" altLang="zh-TW" dirty="0" err="1">
+                <a:ea typeface="Microsoft JhengHei" panose="020B0604030504040204" pitchFamily="34" charset="-120"/>
+              </a:rPr>
+              <a:t>ylabel</a:t>
+            </a:r>
+            <a:r>
+              <a:rPr lang="en-GB" altLang="zh-TW" dirty="0">
+                <a:ea typeface="Microsoft JhengHei" panose="020B0604030504040204" pitchFamily="34" charset="-120"/>
+              </a:rPr>
+              <a:t>='Accuracy', </a:t>
+            </a:r>
+          </a:p>
+          <a:p>
+            <a:r>
+              <a:rPr lang="en-GB" altLang="zh-TW" dirty="0">
+                <a:ea typeface="Microsoft JhengHei" panose="020B0604030504040204" pitchFamily="34" charset="-120"/>
+              </a:rPr>
+              <a:t>         title='Accuracy score of RFC per # of estimators')</a:t>
+            </a:r>
+          </a:p>
+          <a:p>
+            <a:r>
+              <a:rPr lang="en-GB" altLang="zh-TW" dirty="0" err="1">
+                <a:ea typeface="Microsoft JhengHei" panose="020B0604030504040204" pitchFamily="34" charset="-120"/>
+              </a:rPr>
+              <a:t>plt.show</a:t>
+            </a:r>
+            <a:r>
+              <a:rPr lang="en-GB" altLang="zh-TW" dirty="0">
+                <a:ea typeface="Microsoft JhengHei" panose="020B0604030504040204" pitchFamily="34" charset="-120"/>
+              </a:rPr>
+              <a:t>()</a:t>
+            </a:r>
+            <a:endParaRPr kumimoji="1" lang="zh-TW" altLang="en-US" sz="1600" dirty="0">
+              <a:ea typeface="Microsoft JhengHei" panose="020B0604030504040204" pitchFamily="34" charset="-120"/>
+            </a:endParaRPr>
+          </a:p>
+        </p:txBody>
+      </p:sp>
+      <p:sp>
+        <p:nvSpPr>
+          <p:cNvPr id="3" name="矩形 2">
             <a:extLst>
               <a:ext uri="{FF2B5EF4-FFF2-40B4-BE49-F238E27FC236}">
-                <a16:creationId xmlns:a16="http://schemas.microsoft.com/office/drawing/2014/main" id="{64C5EB3E-3652-9040-95B3-68F66D20F1DF}"/>
+                <a16:creationId xmlns:a16="http://schemas.microsoft.com/office/drawing/2014/main" id="{AC62AC46-26F8-6A46-9045-5E7E30ED85A6}"/>
               </a:ext>
             </a:extLst>
           </p:cNvPr>
-          <p:cNvPicPr/>
+          <p:cNvSpPr/>
+          <p:nvPr/>
+        </p:nvSpPr>
+        <p:spPr>
+          <a:xfrm>
+            <a:off x="3048000" y="3105835"/>
+            <a:ext cx="6096000" cy="646331"/>
+          </a:xfrm>
+          <a:prstGeom prst="rect">
+            <a:avLst/>
+          </a:prstGeom>
+        </p:spPr>
+        <p:txBody>
+          <a:bodyPr>
+            <a:spAutoFit/>
+          </a:bodyPr>
+          <a:lstStyle/>
+          <a:p>
+            <a:br>
+              <a:rPr lang="zh-TW" altLang="en-US" dirty="0"/>
+            </a:br>
+            <a:endParaRPr lang="zh-TW" altLang="en-US" dirty="0"/>
+          </a:p>
+        </p:txBody>
+      </p:sp>
+      <p:pic>
+        <p:nvPicPr>
+          <p:cNvPr id="1026" name="Picture 2">
+            <a:extLst>
+              <a:ext uri="{FF2B5EF4-FFF2-40B4-BE49-F238E27FC236}">
+                <a16:creationId xmlns:a16="http://schemas.microsoft.com/office/drawing/2014/main" id="{5C4F4587-6026-F844-A184-80FBD3D5341C}"/>
+              </a:ext>
+            </a:extLst>
+          </p:cNvPr>
+          <p:cNvPicPr>
+            <a:picLocks noChangeAspect="1" noChangeArrowheads="1"/>
+          </p:cNvPicPr>
           <p:nvPr/>
         </p:nvPicPr>
         <p:blipFill>
-          <a:blip r:embed="rId3">
+          <a:blip r:embed="rId2">
             <a:extLst>
               <a:ext uri="{28A0092B-C50C-407E-A947-70E740481C1C}">
                 <a14:useLocalDpi xmlns:a14="http://schemas.microsoft.com/office/drawing/2010/main" val="0"/>
@@ -13094,24 +12940,30 @@
         </p:blipFill>
         <p:spPr bwMode="auto">
           <a:xfrm>
-            <a:off x="8242055" y="3982560"/>
-            <a:ext cx="2743201" cy="1780909"/>
+            <a:off x="7270262" y="1690688"/>
+            <a:ext cx="4292600" cy="3031372"/>
           </a:xfrm>
           <a:prstGeom prst="rect">
             <a:avLst/>
           </a:prstGeom>
           <a:noFill/>
-          <a:ln>
-            <a:noFill/>
-          </a:ln>
+          <a:extLst>
+            <a:ext uri="{909E8E84-426E-40DD-AFC4-6F175D3DCCD1}">
+              <a14:hiddenFill xmlns:a14="http://schemas.microsoft.com/office/drawing/2010/main">
+                <a:solidFill>
+                  <a:srgbClr val="FFFFFF"/>
+                </a:solidFill>
+              </a14:hiddenFill>
+            </a:ext>
+          </a:extLst>
         </p:spPr>
       </p:pic>
       <p:sp>
         <p:nvSpPr>
-          <p:cNvPr id="11" name="文字方塊 10">
+          <p:cNvPr id="5" name="文字方塊 4">
             <a:extLst>
               <a:ext uri="{FF2B5EF4-FFF2-40B4-BE49-F238E27FC236}">
-                <a16:creationId xmlns:a16="http://schemas.microsoft.com/office/drawing/2014/main" id="{ED579AF1-F166-DB45-AEC5-0A2C8AB9A150}"/>
+                <a16:creationId xmlns:a16="http://schemas.microsoft.com/office/drawing/2014/main" id="{9C56B9E3-182D-B042-A79F-AFBBA842AE53}"/>
               </a:ext>
             </a:extLst>
           </p:cNvPr>
@@ -13120,8 +12972,8 @@
         </p:nvSpPr>
         <p:spPr>
           <a:xfrm>
-            <a:off x="838200" y="1708065"/>
-            <a:ext cx="6641123" cy="984885"/>
+            <a:off x="1957754" y="5443516"/>
+            <a:ext cx="9396046" cy="1200329"/>
           </a:xfrm>
           <a:prstGeom prst="rect">
             <a:avLst/>
@@ -13135,25 +12987,104 @@
           <a:lstStyle/>
           <a:p>
             <a:r>
-              <a:rPr lang="zh-TW" altLang="zh-TW" sz="2000" dirty="0">
+              <a:rPr lang="zh-TW" altLang="zh-TW" dirty="0">
                 <a:latin typeface="Microsoft JhengHei" panose="020B0604030504040204" pitchFamily="34" charset="-120"/>
                 <a:ea typeface="Microsoft JhengHei" panose="020B0604030504040204" pitchFamily="34" charset="-120"/>
               </a:rPr>
-              <a:t>綜上，對比兩個不同分類器得出的結果，深度為 </a:t>
-            </a:r>
-            <a:r>
-              <a:rPr lang="en-US" altLang="zh-TW" sz="2000" dirty="0">
+              <a:t>事實上，當 </a:t>
+            </a:r>
+            <a:r>
+              <a:rPr lang="en-US" altLang="zh-TW" dirty="0">
                 <a:latin typeface="Microsoft JhengHei" panose="020B0604030504040204" pitchFamily="34" charset="-120"/>
                 <a:ea typeface="Microsoft JhengHei" panose="020B0604030504040204" pitchFamily="34" charset="-120"/>
               </a:rPr>
-              <a:t>6 </a:t>
-            </a:r>
-            <a:r>
-              <a:rPr lang="zh-TW" altLang="zh-TW" sz="2000" dirty="0">
+              <a:t>estimators </a:t>
+            </a:r>
+            <a:r>
+              <a:rPr lang="zh-TW" altLang="zh-TW" dirty="0">
                 <a:latin typeface="Microsoft JhengHei" panose="020B0604030504040204" pitchFamily="34" charset="-120"/>
                 <a:ea typeface="Microsoft JhengHei" panose="020B0604030504040204" pitchFamily="34" charset="-120"/>
               </a:rPr>
-              <a:t>的決策樹分類器經過訓練之後預測的結果更準確。</a:t>
+              <a:t>的數量增加時，</a:t>
+            </a:r>
+            <a:r>
+              <a:rPr lang="en-US" altLang="zh-TW" dirty="0">
+                <a:latin typeface="Microsoft JhengHei" panose="020B0604030504040204" pitchFamily="34" charset="-120"/>
+                <a:ea typeface="Microsoft JhengHei" panose="020B0604030504040204" pitchFamily="34" charset="-120"/>
+              </a:rPr>
+              <a:t>RFC</a:t>
+            </a:r>
+            <a:r>
+              <a:rPr lang="zh-TW" altLang="zh-TW" dirty="0">
+                <a:latin typeface="Microsoft JhengHei" panose="020B0604030504040204" pitchFamily="34" charset="-120"/>
+                <a:ea typeface="Microsoft JhengHei" panose="020B0604030504040204" pitchFamily="34" charset="-120"/>
+              </a:rPr>
+              <a:t>的表現更好。然而，在</a:t>
+            </a:r>
+            <a:r>
+              <a:rPr lang="en-US" altLang="zh-TW" dirty="0">
+                <a:latin typeface="Microsoft JhengHei" panose="020B0604030504040204" pitchFamily="34" charset="-120"/>
+                <a:ea typeface="Microsoft JhengHei" panose="020B0604030504040204" pitchFamily="34" charset="-120"/>
+              </a:rPr>
+              <a:t>200 </a:t>
+            </a:r>
+            <a:r>
+              <a:rPr lang="zh-TW" altLang="zh-TW" dirty="0">
+                <a:latin typeface="Microsoft JhengHei" panose="020B0604030504040204" pitchFamily="34" charset="-120"/>
+                <a:ea typeface="Microsoft JhengHei" panose="020B0604030504040204" pitchFamily="34" charset="-120"/>
+              </a:rPr>
+              <a:t>個 </a:t>
+            </a:r>
+            <a:r>
+              <a:rPr lang="en-US" altLang="zh-TW" dirty="0">
+                <a:latin typeface="Microsoft JhengHei" panose="020B0604030504040204" pitchFamily="34" charset="-120"/>
+                <a:ea typeface="Microsoft JhengHei" panose="020B0604030504040204" pitchFamily="34" charset="-120"/>
+              </a:rPr>
+              <a:t>estimators </a:t>
+            </a:r>
+            <a:r>
+              <a:rPr lang="zh-TW" altLang="zh-TW" dirty="0">
+                <a:latin typeface="Microsoft JhengHei" panose="020B0604030504040204" pitchFamily="34" charset="-120"/>
+                <a:ea typeface="Microsoft JhengHei" panose="020B0604030504040204" pitchFamily="34" charset="-120"/>
+              </a:rPr>
+              <a:t>時，它就會趨於平穩。顯然，</a:t>
+            </a:r>
+            <a:r>
+              <a:rPr lang="en-US" altLang="zh-TW" dirty="0">
+                <a:latin typeface="Microsoft JhengHei" panose="020B0604030504040204" pitchFamily="34" charset="-120"/>
+                <a:ea typeface="Microsoft JhengHei" panose="020B0604030504040204" pitchFamily="34" charset="-120"/>
+              </a:rPr>
+              <a:t>200</a:t>
+            </a:r>
+            <a:r>
+              <a:rPr lang="zh-TW" altLang="zh-TW" dirty="0">
+                <a:latin typeface="Microsoft JhengHei" panose="020B0604030504040204" pitchFamily="34" charset="-120"/>
+                <a:ea typeface="Microsoft JhengHei" panose="020B0604030504040204" pitchFamily="34" charset="-120"/>
+              </a:rPr>
+              <a:t>個  </a:t>
+            </a:r>
+            <a:r>
+              <a:rPr lang="en-US" altLang="zh-TW" dirty="0">
+                <a:latin typeface="Microsoft JhengHei" panose="020B0604030504040204" pitchFamily="34" charset="-120"/>
+                <a:ea typeface="Microsoft JhengHei" panose="020B0604030504040204" pitchFamily="34" charset="-120"/>
+              </a:rPr>
+              <a:t>estimators </a:t>
+            </a:r>
+            <a:r>
+              <a:rPr lang="zh-TW" altLang="zh-TW" dirty="0">
+                <a:latin typeface="Microsoft JhengHei" panose="020B0604030504040204" pitchFamily="34" charset="-120"/>
+                <a:ea typeface="Microsoft JhengHei" panose="020B0604030504040204" pitchFamily="34" charset="-120"/>
+              </a:rPr>
+              <a:t>對於這個數據集來說已經足夠了。</a:t>
+            </a:r>
+          </a:p>
+          <a:p>
+            <a:r>
+              <a:rPr lang="zh-TW" altLang="zh-TW" dirty="0">
+                <a:latin typeface="Microsoft JhengHei" panose="020B0604030504040204" pitchFamily="34" charset="-120"/>
+                <a:ea typeface="Microsoft JhengHei" panose="020B0604030504040204" pitchFamily="34" charset="-120"/>
+              </a:rPr>
+              <a:t>我們還可以探索另一個變數，比如一個葉子節點所需的最小樣本數。</a:t>
             </a:r>
           </a:p>
           <a:p>
@@ -13212,16 +13143,43 @@
         </p:nvSpPr>
         <p:spPr/>
         <p:txBody>
-          <a:bodyPr/>
-          <a:lstStyle/>
-          <a:p>
-            <a:r>
-              <a:rPr kumimoji="1" lang="zh-CN" altLang="en-US" b="1" dirty="0">
+          <a:bodyPr>
+            <a:normAutofit/>
+          </a:bodyPr>
+          <a:lstStyle/>
+          <a:p>
+            <a:r>
+              <a:rPr lang="zh-TW" altLang="zh-TW" sz="3600" b="1" dirty="0">
                 <a:latin typeface="Microsoft JhengHei" panose="020B0604030504040204" pitchFamily="34" charset="-120"/>
                 <a:ea typeface="Microsoft JhengHei" panose="020B0604030504040204" pitchFamily="34" charset="-120"/>
               </a:rPr>
-              <a:t>結論</a:t>
-            </a:r>
+              <a:t>探索調優 </a:t>
+            </a:r>
+            <a:r>
+              <a:rPr lang="en-US" altLang="zh-TW" sz="3600" b="1" dirty="0">
+                <a:latin typeface="Microsoft JhengHei" panose="020B0604030504040204" pitchFamily="34" charset="-120"/>
+                <a:ea typeface="Microsoft JhengHei" panose="020B0604030504040204" pitchFamily="34" charset="-120"/>
+              </a:rPr>
+              <a:t>Random Forest</a:t>
+            </a:r>
+            <a:r>
+              <a:rPr lang="zh-TW" altLang="en-US" sz="3600" b="1" dirty="0">
+                <a:latin typeface="Microsoft JhengHei" panose="020B0604030504040204" pitchFamily="34" charset="-120"/>
+                <a:ea typeface="Microsoft JhengHei" panose="020B0604030504040204" pitchFamily="34" charset="-120"/>
+              </a:rPr>
+              <a:t> </a:t>
+            </a:r>
+            <a:r>
+              <a:rPr lang="zh-TW" altLang="zh-TW" sz="3600" b="1" dirty="0">
+                <a:latin typeface="Microsoft JhengHei" panose="020B0604030504040204" pitchFamily="34" charset="-120"/>
+                <a:ea typeface="Microsoft JhengHei" panose="020B0604030504040204" pitchFamily="34" charset="-120"/>
+              </a:rPr>
+              <a:t>分類器</a:t>
+            </a:r>
+            <a:endParaRPr kumimoji="1" lang="zh-CN" altLang="en-US" sz="2800" b="1" dirty="0">
+              <a:latin typeface="Microsoft JhengHei" panose="020B0604030504040204" pitchFamily="34" charset="-120"/>
+              <a:ea typeface="Microsoft JhengHei" panose="020B0604030504040204" pitchFamily="34" charset="-120"/>
+            </a:endParaRPr>
           </a:p>
         </p:txBody>
       </p:sp>
@@ -13297,8 +13255,8 @@
         </p:nvSpPr>
         <p:spPr>
           <a:xfrm>
-            <a:off x="838200" y="1708065"/>
-            <a:ext cx="10515600" cy="1384995"/>
+            <a:off x="838200" y="1532219"/>
+            <a:ext cx="6641123" cy="3847207"/>
           </a:xfrm>
           <a:prstGeom prst="rect">
             <a:avLst/>
@@ -13312,1168 +13270,479 @@
           <a:lstStyle/>
           <a:p>
             <a:r>
-              <a:rPr lang="zh-TW" altLang="zh-TW" sz="2800" dirty="0">
-                <a:latin typeface="Microsoft JhengHei" panose="020B0604030504040204" pitchFamily="34" charset="-120"/>
-                <a:ea typeface="Microsoft JhengHei" panose="020B0604030504040204" pitchFamily="34" charset="-120"/>
-              </a:rPr>
-              <a:t>從我們的得出的結果來看，訪問課程內容的次數、缺席天數、在課上有舉手的次數、檢查新公告的次數、是否參加討論、性別、監護人、學期確確實實是影響學生學業成績的因素。</a:t>
-            </a:r>
-          </a:p>
-        </p:txBody>
-      </p:sp>
-      <p:graphicFrame>
-        <p:nvGraphicFramePr>
-          <p:cNvPr id="7" name="表格 6">
+              <a:rPr lang="en-GB" altLang="zh-TW" sz="1600" dirty="0">
+                <a:ea typeface="Microsoft JhengHei" panose="020B0604030504040204" pitchFamily="34" charset="-120"/>
+              </a:rPr>
+              <a:t># Exploring minimum leaf samples</a:t>
+            </a:r>
+          </a:p>
+          <a:p>
+            <a:r>
+              <a:rPr lang="en-GB" altLang="zh-TW" sz="1600" dirty="0">
+                <a:ea typeface="Microsoft JhengHei" panose="020B0604030504040204" pitchFamily="34" charset="-120"/>
+              </a:rPr>
+              <a:t>score = []</a:t>
+            </a:r>
+          </a:p>
+          <a:p>
+            <a:r>
+              <a:rPr lang="en-GB" altLang="zh-TW" sz="1600" dirty="0">
+                <a:ea typeface="Microsoft JhengHei" panose="020B0604030504040204" pitchFamily="34" charset="-120"/>
+              </a:rPr>
+              <a:t>leaf = []</a:t>
+            </a:r>
+          </a:p>
+          <a:p>
+            <a:r>
+              <a:rPr lang="en-GB" altLang="zh-TW" sz="1600" dirty="0" err="1">
+                <a:ea typeface="Microsoft JhengHei" panose="020B0604030504040204" pitchFamily="34" charset="-120"/>
+              </a:rPr>
+              <a:t>leaf_options</a:t>
+            </a:r>
+            <a:r>
+              <a:rPr lang="en-GB" altLang="zh-TW" sz="1600" dirty="0">
+                <a:ea typeface="Microsoft JhengHei" panose="020B0604030504040204" pitchFamily="34" charset="-120"/>
+              </a:rPr>
+              <a:t> = [1, 5, 10, 50, 100, 200]</a:t>
+            </a:r>
+          </a:p>
+          <a:p>
+            <a:r>
+              <a:rPr lang="en-GB" altLang="zh-TW" sz="1600" dirty="0">
+                <a:ea typeface="Microsoft JhengHei" panose="020B0604030504040204" pitchFamily="34" charset="-120"/>
+              </a:rPr>
+              <a:t>for l in </a:t>
+            </a:r>
+            <a:r>
+              <a:rPr lang="en-GB" altLang="zh-TW" sz="1600" dirty="0" err="1">
+                <a:ea typeface="Microsoft JhengHei" panose="020B0604030504040204" pitchFamily="34" charset="-120"/>
+              </a:rPr>
+              <a:t>leaf_options</a:t>
+            </a:r>
+            <a:r>
+              <a:rPr lang="en-GB" altLang="zh-TW" sz="1600" dirty="0">
+                <a:ea typeface="Microsoft JhengHei" panose="020B0604030504040204" pitchFamily="34" charset="-120"/>
+              </a:rPr>
+              <a:t>:</a:t>
+            </a:r>
+          </a:p>
+          <a:p>
+            <a:r>
+              <a:rPr lang="en-GB" altLang="zh-TW" sz="1600" dirty="0">
+                <a:ea typeface="Microsoft JhengHei" panose="020B0604030504040204" pitchFamily="34" charset="-120"/>
+              </a:rPr>
+              <a:t>    rfc2 = </a:t>
+            </a:r>
+            <a:r>
+              <a:rPr lang="en-GB" altLang="zh-TW" sz="1600" dirty="0" err="1">
+                <a:ea typeface="Microsoft JhengHei" panose="020B0604030504040204" pitchFamily="34" charset="-120"/>
+              </a:rPr>
+              <a:t>RandomForestClassifier</a:t>
+            </a:r>
+            <a:r>
+              <a:rPr lang="en-GB" altLang="zh-TW" sz="1600" dirty="0">
+                <a:ea typeface="Microsoft JhengHei" panose="020B0604030504040204" pitchFamily="34" charset="-120"/>
+              </a:rPr>
+              <a:t>(</a:t>
+            </a:r>
+            <a:r>
+              <a:rPr lang="en-GB" altLang="zh-TW" sz="1600" dirty="0" err="1">
+                <a:ea typeface="Microsoft JhengHei" panose="020B0604030504040204" pitchFamily="34" charset="-120"/>
+              </a:rPr>
+              <a:t>n_estimators</a:t>
+            </a:r>
+            <a:r>
+              <a:rPr lang="en-GB" altLang="zh-TW" sz="1600" dirty="0">
+                <a:ea typeface="Microsoft JhengHei" panose="020B0604030504040204" pitchFamily="34" charset="-120"/>
+              </a:rPr>
+              <a:t>=200, </a:t>
+            </a:r>
+            <a:r>
+              <a:rPr lang="en-GB" altLang="zh-TW" sz="1600" dirty="0" err="1">
+                <a:ea typeface="Microsoft JhengHei" panose="020B0604030504040204" pitchFamily="34" charset="-120"/>
+              </a:rPr>
+              <a:t>random_state</a:t>
+            </a:r>
+            <a:r>
+              <a:rPr lang="en-GB" altLang="zh-TW" sz="1600" dirty="0">
+                <a:ea typeface="Microsoft JhengHei" panose="020B0604030504040204" pitchFamily="34" charset="-120"/>
+              </a:rPr>
+              <a:t>=52, </a:t>
+            </a:r>
+            <a:r>
+              <a:rPr lang="en-GB" altLang="zh-TW" sz="1600" dirty="0" err="1">
+                <a:ea typeface="Microsoft JhengHei" panose="020B0604030504040204" pitchFamily="34" charset="-120"/>
+              </a:rPr>
+              <a:t>min_samples_leaf</a:t>
+            </a:r>
+            <a:r>
+              <a:rPr lang="en-GB" altLang="zh-TW" sz="1600" dirty="0">
+                <a:ea typeface="Microsoft JhengHei" panose="020B0604030504040204" pitchFamily="34" charset="-120"/>
+              </a:rPr>
+              <a:t>=l)</a:t>
+            </a:r>
+          </a:p>
+          <a:p>
+            <a:r>
+              <a:rPr lang="en-GB" altLang="zh-TW" sz="1600" dirty="0">
+                <a:ea typeface="Microsoft JhengHei" panose="020B0604030504040204" pitchFamily="34" charset="-120"/>
+              </a:rPr>
+              <a:t>    pred2 = rfc2.fit(</a:t>
+            </a:r>
+            <a:r>
+              <a:rPr lang="en-GB" altLang="zh-TW" sz="1600" dirty="0" err="1">
+                <a:ea typeface="Microsoft JhengHei" panose="020B0604030504040204" pitchFamily="34" charset="-120"/>
+              </a:rPr>
+              <a:t>X_train</a:t>
+            </a:r>
+            <a:r>
+              <a:rPr lang="en-GB" altLang="zh-TW" sz="1600" dirty="0">
+                <a:ea typeface="Microsoft JhengHei" panose="020B0604030504040204" pitchFamily="34" charset="-120"/>
+              </a:rPr>
+              <a:t>, </a:t>
+            </a:r>
+            <a:r>
+              <a:rPr lang="en-GB" altLang="zh-TW" sz="1600" dirty="0" err="1">
+                <a:ea typeface="Microsoft JhengHei" panose="020B0604030504040204" pitchFamily="34" charset="-120"/>
+              </a:rPr>
+              <a:t>y_train</a:t>
+            </a:r>
+            <a:r>
+              <a:rPr lang="en-GB" altLang="zh-TW" sz="1600" dirty="0">
+                <a:ea typeface="Microsoft JhengHei" panose="020B0604030504040204" pitchFamily="34" charset="-120"/>
+              </a:rPr>
+              <a:t>).predict(</a:t>
+            </a:r>
+            <a:r>
+              <a:rPr lang="en-GB" altLang="zh-TW" sz="1600" dirty="0" err="1">
+                <a:ea typeface="Microsoft JhengHei" panose="020B0604030504040204" pitchFamily="34" charset="-120"/>
+              </a:rPr>
+              <a:t>X_test</a:t>
+            </a:r>
+            <a:r>
+              <a:rPr lang="en-GB" altLang="zh-TW" sz="1600" dirty="0">
+                <a:ea typeface="Microsoft JhengHei" panose="020B0604030504040204" pitchFamily="34" charset="-120"/>
+              </a:rPr>
+              <a:t>)</a:t>
+            </a:r>
+          </a:p>
+          <a:p>
+            <a:r>
+              <a:rPr lang="en-GB" altLang="zh-TW" sz="1600" dirty="0">
+                <a:ea typeface="Microsoft JhengHei" panose="020B0604030504040204" pitchFamily="34" charset="-120"/>
+              </a:rPr>
+              <a:t>    accuracy = </a:t>
+            </a:r>
+            <a:r>
+              <a:rPr lang="en-GB" altLang="zh-TW" sz="1600" dirty="0" err="1">
+                <a:ea typeface="Microsoft JhengHei" panose="020B0604030504040204" pitchFamily="34" charset="-120"/>
+              </a:rPr>
+              <a:t>accuracy_score</a:t>
+            </a:r>
+            <a:r>
+              <a:rPr lang="en-GB" altLang="zh-TW" sz="1600" dirty="0">
+                <a:ea typeface="Microsoft JhengHei" panose="020B0604030504040204" pitchFamily="34" charset="-120"/>
+              </a:rPr>
+              <a:t>(</a:t>
+            </a:r>
+            <a:r>
+              <a:rPr lang="en-GB" altLang="zh-TW" sz="1600" dirty="0" err="1">
+                <a:ea typeface="Microsoft JhengHei" panose="020B0604030504040204" pitchFamily="34" charset="-120"/>
+              </a:rPr>
+              <a:t>y_test</a:t>
+            </a:r>
+            <a:r>
+              <a:rPr lang="en-GB" altLang="zh-TW" sz="1600" dirty="0">
+                <a:ea typeface="Microsoft JhengHei" panose="020B0604030504040204" pitchFamily="34" charset="-120"/>
+              </a:rPr>
+              <a:t>, pred2)</a:t>
+            </a:r>
+          </a:p>
+          <a:p>
+            <a:r>
+              <a:rPr lang="en-GB" altLang="zh-TW" sz="1600" dirty="0">
+                <a:ea typeface="Microsoft JhengHei" panose="020B0604030504040204" pitchFamily="34" charset="-120"/>
+              </a:rPr>
+              <a:t>    </a:t>
+            </a:r>
+            <a:r>
+              <a:rPr lang="en-GB" altLang="zh-TW" sz="1600" dirty="0" err="1">
+                <a:ea typeface="Microsoft JhengHei" panose="020B0604030504040204" pitchFamily="34" charset="-120"/>
+              </a:rPr>
+              <a:t>score.append</a:t>
+            </a:r>
+            <a:r>
+              <a:rPr lang="en-GB" altLang="zh-TW" sz="1600" dirty="0">
+                <a:ea typeface="Microsoft JhengHei" panose="020B0604030504040204" pitchFamily="34" charset="-120"/>
+              </a:rPr>
+              <a:t>(accuracy)</a:t>
+            </a:r>
+          </a:p>
+          <a:p>
+            <a:r>
+              <a:rPr lang="en-GB" altLang="zh-TW" sz="1600" dirty="0">
+                <a:ea typeface="Microsoft JhengHei" panose="020B0604030504040204" pitchFamily="34" charset="-120"/>
+              </a:rPr>
+              <a:t>    </a:t>
+            </a:r>
+            <a:r>
+              <a:rPr lang="en-GB" altLang="zh-TW" sz="1600" dirty="0" err="1">
+                <a:ea typeface="Microsoft JhengHei" panose="020B0604030504040204" pitchFamily="34" charset="-120"/>
+              </a:rPr>
+              <a:t>leaf.append</a:t>
+            </a:r>
+            <a:r>
+              <a:rPr lang="en-GB" altLang="zh-TW" sz="1600" dirty="0">
+                <a:ea typeface="Microsoft JhengHei" panose="020B0604030504040204" pitchFamily="34" charset="-120"/>
+              </a:rPr>
+              <a:t>(l)</a:t>
+            </a:r>
+          </a:p>
+          <a:p>
+            <a:r>
+              <a:rPr lang="en-GB" altLang="zh-TW" sz="1600" dirty="0">
+                <a:ea typeface="Microsoft JhengHei" panose="020B0604030504040204" pitchFamily="34" charset="-120"/>
+              </a:rPr>
+              <a:t>plot = </a:t>
+            </a:r>
+            <a:r>
+              <a:rPr lang="en-GB" altLang="zh-TW" sz="1600" dirty="0" err="1">
+                <a:ea typeface="Microsoft JhengHei" panose="020B0604030504040204" pitchFamily="34" charset="-120"/>
+              </a:rPr>
+              <a:t>sns.pointplot</a:t>
+            </a:r>
+            <a:r>
+              <a:rPr lang="en-GB" altLang="zh-TW" sz="1600" dirty="0">
+                <a:ea typeface="Microsoft JhengHei" panose="020B0604030504040204" pitchFamily="34" charset="-120"/>
+              </a:rPr>
+              <a:t>(x=leaf, y=score)</a:t>
+            </a:r>
+          </a:p>
+          <a:p>
+            <a:r>
+              <a:rPr lang="en-GB" altLang="zh-TW" sz="1600" dirty="0" err="1">
+                <a:ea typeface="Microsoft JhengHei" panose="020B0604030504040204" pitchFamily="34" charset="-120"/>
+              </a:rPr>
+              <a:t>plot.set</a:t>
+            </a:r>
+            <a:r>
+              <a:rPr lang="en-GB" altLang="zh-TW" sz="1600" dirty="0">
+                <a:ea typeface="Microsoft JhengHei" panose="020B0604030504040204" pitchFamily="34" charset="-120"/>
+              </a:rPr>
+              <a:t>(</a:t>
+            </a:r>
+            <a:r>
+              <a:rPr lang="en-GB" altLang="zh-TW" sz="1600" dirty="0" err="1">
+                <a:ea typeface="Microsoft JhengHei" panose="020B0604030504040204" pitchFamily="34" charset="-120"/>
+              </a:rPr>
+              <a:t>xlabel</a:t>
+            </a:r>
+            <a:r>
+              <a:rPr lang="en-GB" altLang="zh-TW" sz="1600" dirty="0">
+                <a:ea typeface="Microsoft JhengHei" panose="020B0604030504040204" pitchFamily="34" charset="-120"/>
+              </a:rPr>
+              <a:t>='Number of minimum leaf samples', </a:t>
+            </a:r>
+            <a:r>
+              <a:rPr lang="en-GB" altLang="zh-TW" sz="1600" dirty="0" err="1">
+                <a:ea typeface="Microsoft JhengHei" panose="020B0604030504040204" pitchFamily="34" charset="-120"/>
+              </a:rPr>
+              <a:t>ylabel</a:t>
+            </a:r>
+            <a:r>
+              <a:rPr lang="en-GB" altLang="zh-TW" sz="1600" dirty="0">
+                <a:ea typeface="Microsoft JhengHei" panose="020B0604030504040204" pitchFamily="34" charset="-120"/>
+              </a:rPr>
+              <a:t>='Accuracy', </a:t>
+            </a:r>
+          </a:p>
+          <a:p>
+            <a:r>
+              <a:rPr lang="en-GB" altLang="zh-TW" sz="1600" dirty="0">
+                <a:ea typeface="Microsoft JhengHei" panose="020B0604030504040204" pitchFamily="34" charset="-120"/>
+              </a:rPr>
+              <a:t>         title='Accuracy score of RFC per # of minimum leaf samples')</a:t>
+            </a:r>
+          </a:p>
+          <a:p>
+            <a:r>
+              <a:rPr lang="en-GB" altLang="zh-TW" sz="1600" dirty="0" err="1">
+                <a:ea typeface="Microsoft JhengHei" panose="020B0604030504040204" pitchFamily="34" charset="-120"/>
+              </a:rPr>
+              <a:t>plt.show</a:t>
+            </a:r>
+            <a:r>
+              <a:rPr lang="en-GB" altLang="zh-TW" sz="1600" dirty="0">
+                <a:ea typeface="Microsoft JhengHei" panose="020B0604030504040204" pitchFamily="34" charset="-120"/>
+              </a:rPr>
+              <a:t>()</a:t>
+            </a:r>
+            <a:endParaRPr kumimoji="1" lang="zh-TW" altLang="en-US" sz="1400" dirty="0">
+              <a:ea typeface="Microsoft JhengHei" panose="020B0604030504040204" pitchFamily="34" charset="-120"/>
+            </a:endParaRPr>
+          </a:p>
+        </p:txBody>
+      </p:sp>
+      <p:sp>
+        <p:nvSpPr>
+          <p:cNvPr id="3" name="矩形 2">
             <a:extLst>
               <a:ext uri="{FF2B5EF4-FFF2-40B4-BE49-F238E27FC236}">
-                <a16:creationId xmlns:a16="http://schemas.microsoft.com/office/drawing/2014/main" id="{7D35A28F-FD5D-2149-A47E-F3E0D2AE5272}"/>
+                <a16:creationId xmlns:a16="http://schemas.microsoft.com/office/drawing/2014/main" id="{AC62AC46-26F8-6A46-9045-5E7E30ED85A6}"/>
               </a:ext>
             </a:extLst>
           </p:cNvPr>
-          <p:cNvGraphicFramePr>
-            <a:graphicFrameLocks noGrp="1"/>
-          </p:cNvGraphicFramePr>
-          <p:nvPr>
-            <p:extLst>
-              <p:ext uri="{D42A27DB-BD31-4B8C-83A1-F6EECF244321}">
-                <p14:modId xmlns:p14="http://schemas.microsoft.com/office/powerpoint/2010/main" val="488150302"/>
-              </p:ext>
-            </p:extLst>
-          </p:nvPr>
-        </p:nvGraphicFramePr>
-        <p:xfrm>
-          <a:off x="2776220" y="3193398"/>
-          <a:ext cx="6639560" cy="2848420"/>
-        </p:xfrm>
-        <a:graphic>
-          <a:graphicData uri="http://schemas.openxmlformats.org/drawingml/2006/table">
-            <a:tbl>
-              <a:tblPr firstRow="1" firstCol="1" bandRow="1">
-                <a:tableStyleId>{5C22544A-7EE6-4342-B048-85BDC9FD1C3A}</a:tableStyleId>
-              </a:tblPr>
-              <a:tblGrid>
-                <a:gridCol w="2212975">
-                  <a:extLst>
-                    <a:ext uri="{9D8B030D-6E8A-4147-A177-3AD203B41FA5}">
-                      <a16:colId xmlns:a16="http://schemas.microsoft.com/office/drawing/2014/main" val="1692683982"/>
-                    </a:ext>
-                  </a:extLst>
-                </a:gridCol>
-                <a:gridCol w="2212975">
-                  <a:extLst>
-                    <a:ext uri="{9D8B030D-6E8A-4147-A177-3AD203B41FA5}">
-                      <a16:colId xmlns:a16="http://schemas.microsoft.com/office/drawing/2014/main" val="1762495336"/>
-                    </a:ext>
-                  </a:extLst>
-                </a:gridCol>
-                <a:gridCol w="2213610">
-                  <a:extLst>
-                    <a:ext uri="{9D8B030D-6E8A-4147-A177-3AD203B41FA5}">
-                      <a16:colId xmlns:a16="http://schemas.microsoft.com/office/drawing/2014/main" val="1426984658"/>
-                    </a:ext>
-                  </a:extLst>
-                </a:gridCol>
-              </a:tblGrid>
-              <a:tr h="0">
-                <a:tc>
-                  <a:txBody>
-                    <a:bodyPr/>
-                    <a:lstStyle/>
-                    <a:p>
-                      <a:pPr>
-                        <a:lnSpc>
-                          <a:spcPts val="2000"/>
-                        </a:lnSpc>
-                      </a:pPr>
-                      <a:r>
-                        <a:rPr lang="en-US" sz="1400" kern="100">
-                          <a:effectLst/>
-                          <a:latin typeface="+mn-lt"/>
-                          <a:ea typeface="Microsoft JhengHei" panose="020B0604030504040204" pitchFamily="34" charset="-120"/>
-                        </a:rPr>
-                        <a:t> </a:t>
-                      </a:r>
-                      <a:endParaRPr lang="zh-TW" sz="1200" kern="100">
-                        <a:effectLst/>
-                        <a:latin typeface="+mn-lt"/>
-                        <a:ea typeface="Microsoft JhengHei" panose="020B0604030504040204" pitchFamily="34" charset="-120"/>
-                        <a:cs typeface="新細明體" panose="02020500000000000000" pitchFamily="18" charset="-120"/>
-                      </a:endParaRPr>
-                    </a:p>
-                  </a:txBody>
-                  <a:tcPr marL="68580" marR="68580" marT="0" marB="0"/>
-                </a:tc>
-                <a:tc>
-                  <a:txBody>
-                    <a:bodyPr/>
-                    <a:lstStyle/>
-                    <a:p>
-                      <a:pPr>
-                        <a:lnSpc>
-                          <a:spcPts val="2000"/>
-                        </a:lnSpc>
-                      </a:pPr>
-                      <a:r>
-                        <a:rPr lang="en-US" sz="1400" kern="100">
-                          <a:effectLst/>
-                          <a:latin typeface="+mn-lt"/>
-                          <a:ea typeface="Microsoft JhengHei" panose="020B0604030504040204" pitchFamily="34" charset="-120"/>
-                        </a:rPr>
-                        <a:t>Positive</a:t>
-                      </a:r>
-                      <a:endParaRPr lang="zh-TW" sz="1200" kern="100">
-                        <a:effectLst/>
-                        <a:latin typeface="+mn-lt"/>
-                        <a:ea typeface="Microsoft JhengHei" panose="020B0604030504040204" pitchFamily="34" charset="-120"/>
-                        <a:cs typeface="新細明體" panose="02020500000000000000" pitchFamily="18" charset="-120"/>
-                      </a:endParaRPr>
-                    </a:p>
-                  </a:txBody>
-                  <a:tcPr marL="68580" marR="68580" marT="0" marB="0"/>
-                </a:tc>
-                <a:tc>
-                  <a:txBody>
-                    <a:bodyPr/>
-                    <a:lstStyle/>
-                    <a:p>
-                      <a:pPr>
-                        <a:lnSpc>
-                          <a:spcPts val="2000"/>
-                        </a:lnSpc>
-                      </a:pPr>
-                      <a:r>
-                        <a:rPr lang="en-US" sz="1400" kern="100">
-                          <a:effectLst/>
-                          <a:latin typeface="+mn-lt"/>
-                          <a:ea typeface="Microsoft JhengHei" panose="020B0604030504040204" pitchFamily="34" charset="-120"/>
-                        </a:rPr>
-                        <a:t>Negative</a:t>
-                      </a:r>
-                      <a:endParaRPr lang="zh-TW" sz="1200" kern="100">
-                        <a:effectLst/>
-                        <a:latin typeface="+mn-lt"/>
-                        <a:ea typeface="Microsoft JhengHei" panose="020B0604030504040204" pitchFamily="34" charset="-120"/>
-                        <a:cs typeface="新細明體" panose="02020500000000000000" pitchFamily="18" charset="-120"/>
-                      </a:endParaRPr>
-                    </a:p>
-                  </a:txBody>
-                  <a:tcPr marL="68580" marR="68580" marT="0" marB="0"/>
-                </a:tc>
-                <a:extLst>
-                  <a:ext uri="{0D108BD9-81ED-4DB2-BD59-A6C34878D82A}">
-                    <a16:rowId xmlns:a16="http://schemas.microsoft.com/office/drawing/2014/main" val="525444056"/>
-                  </a:ext>
-                </a:extLst>
-              </a:tr>
-              <a:tr h="0">
-                <a:tc>
-                  <a:txBody>
-                    <a:bodyPr/>
-                    <a:lstStyle/>
-                    <a:p>
-                      <a:pPr>
-                        <a:lnSpc>
-                          <a:spcPts val="2000"/>
-                        </a:lnSpc>
-                      </a:pPr>
-                      <a:r>
-                        <a:rPr lang="zh-TW" sz="1400" kern="100">
-                          <a:effectLst/>
-                          <a:latin typeface="+mn-lt"/>
-                          <a:ea typeface="Microsoft JhengHei" panose="020B0604030504040204" pitchFamily="34" charset="-120"/>
-                        </a:rPr>
-                        <a:t>訪問課程內容的次數</a:t>
-                      </a:r>
-                      <a:endParaRPr lang="zh-TW" sz="1200" kern="100">
-                        <a:effectLst/>
-                        <a:latin typeface="+mn-lt"/>
-                        <a:ea typeface="Microsoft JhengHei" panose="020B0604030504040204" pitchFamily="34" charset="-120"/>
-                        <a:cs typeface="新細明體" panose="02020500000000000000" pitchFamily="18" charset="-120"/>
-                      </a:endParaRPr>
-                    </a:p>
-                  </a:txBody>
-                  <a:tcPr marL="68580" marR="68580" marT="0" marB="0"/>
-                </a:tc>
-                <a:tc>
-                  <a:txBody>
-                    <a:bodyPr/>
-                    <a:lstStyle/>
-                    <a:p>
-                      <a:pPr>
-                        <a:lnSpc>
-                          <a:spcPts val="2000"/>
-                        </a:lnSpc>
-                      </a:pPr>
-                      <a:r>
-                        <a:rPr lang="en-US" sz="1400" kern="100">
-                          <a:effectLst/>
-                          <a:latin typeface="+mn-lt"/>
-                          <a:ea typeface="Microsoft JhengHei" panose="020B0604030504040204" pitchFamily="34" charset="-120"/>
-                        </a:rPr>
-                        <a:t>O</a:t>
-                      </a:r>
-                      <a:endParaRPr lang="zh-TW" sz="1200" kern="100">
-                        <a:effectLst/>
-                        <a:latin typeface="+mn-lt"/>
-                        <a:ea typeface="Microsoft JhengHei" panose="020B0604030504040204" pitchFamily="34" charset="-120"/>
-                        <a:cs typeface="新細明體" panose="02020500000000000000" pitchFamily="18" charset="-120"/>
-                      </a:endParaRPr>
-                    </a:p>
-                  </a:txBody>
-                  <a:tcPr marL="68580" marR="68580" marT="0" marB="0"/>
-                </a:tc>
-                <a:tc>
-                  <a:txBody>
-                    <a:bodyPr/>
-                    <a:lstStyle/>
-                    <a:p>
-                      <a:pPr>
-                        <a:lnSpc>
-                          <a:spcPts val="2000"/>
-                        </a:lnSpc>
-                      </a:pPr>
-                      <a:r>
-                        <a:rPr lang="en-US" sz="1400" kern="100">
-                          <a:effectLst/>
-                          <a:latin typeface="+mn-lt"/>
-                          <a:ea typeface="Microsoft JhengHei" panose="020B0604030504040204" pitchFamily="34" charset="-120"/>
-                        </a:rPr>
-                        <a:t> </a:t>
-                      </a:r>
-                      <a:endParaRPr lang="zh-TW" sz="1200" kern="100">
-                        <a:effectLst/>
-                        <a:latin typeface="+mn-lt"/>
-                        <a:ea typeface="Microsoft JhengHei" panose="020B0604030504040204" pitchFamily="34" charset="-120"/>
-                        <a:cs typeface="新細明體" panose="02020500000000000000" pitchFamily="18" charset="-120"/>
-                      </a:endParaRPr>
-                    </a:p>
-                  </a:txBody>
-                  <a:tcPr marL="68580" marR="68580" marT="0" marB="0"/>
-                </a:tc>
-                <a:extLst>
-                  <a:ext uri="{0D108BD9-81ED-4DB2-BD59-A6C34878D82A}">
-                    <a16:rowId xmlns:a16="http://schemas.microsoft.com/office/drawing/2014/main" val="2611107842"/>
-                  </a:ext>
-                </a:extLst>
-              </a:tr>
-              <a:tr h="0">
-                <a:tc>
-                  <a:txBody>
-                    <a:bodyPr/>
-                    <a:lstStyle/>
-                    <a:p>
-                      <a:pPr>
-                        <a:lnSpc>
-                          <a:spcPts val="2000"/>
-                        </a:lnSpc>
-                      </a:pPr>
-                      <a:r>
-                        <a:rPr lang="zh-TW" sz="1400" kern="100">
-                          <a:effectLst/>
-                          <a:latin typeface="+mn-lt"/>
-                          <a:ea typeface="Microsoft JhengHei" panose="020B0604030504040204" pitchFamily="34" charset="-120"/>
-                        </a:rPr>
-                        <a:t>缺席天數</a:t>
-                      </a:r>
-                      <a:endParaRPr lang="zh-TW" sz="1200" kern="100">
-                        <a:effectLst/>
-                        <a:latin typeface="+mn-lt"/>
-                        <a:ea typeface="Microsoft JhengHei" panose="020B0604030504040204" pitchFamily="34" charset="-120"/>
-                        <a:cs typeface="新細明體" panose="02020500000000000000" pitchFamily="18" charset="-120"/>
-                      </a:endParaRPr>
-                    </a:p>
-                  </a:txBody>
-                  <a:tcPr marL="68580" marR="68580" marT="0" marB="0"/>
-                </a:tc>
-                <a:tc>
-                  <a:txBody>
-                    <a:bodyPr/>
-                    <a:lstStyle/>
-                    <a:p>
-                      <a:pPr>
-                        <a:lnSpc>
-                          <a:spcPts val="2000"/>
-                        </a:lnSpc>
-                      </a:pPr>
-                      <a:r>
-                        <a:rPr lang="en-US" sz="1400" kern="100">
-                          <a:effectLst/>
-                          <a:latin typeface="+mn-lt"/>
-                          <a:ea typeface="Microsoft JhengHei" panose="020B0604030504040204" pitchFamily="34" charset="-120"/>
-                        </a:rPr>
-                        <a:t> </a:t>
-                      </a:r>
-                      <a:endParaRPr lang="zh-TW" sz="1200" kern="100">
-                        <a:effectLst/>
-                        <a:latin typeface="+mn-lt"/>
-                        <a:ea typeface="Microsoft JhengHei" panose="020B0604030504040204" pitchFamily="34" charset="-120"/>
-                        <a:cs typeface="新細明體" panose="02020500000000000000" pitchFamily="18" charset="-120"/>
-                      </a:endParaRPr>
-                    </a:p>
-                  </a:txBody>
-                  <a:tcPr marL="68580" marR="68580" marT="0" marB="0"/>
-                </a:tc>
-                <a:tc>
-                  <a:txBody>
-                    <a:bodyPr/>
-                    <a:lstStyle/>
-                    <a:p>
-                      <a:pPr>
-                        <a:lnSpc>
-                          <a:spcPts val="2000"/>
-                        </a:lnSpc>
-                      </a:pPr>
-                      <a:r>
-                        <a:rPr lang="en-US" sz="1400" kern="100">
-                          <a:effectLst/>
-                          <a:latin typeface="+mn-lt"/>
-                          <a:ea typeface="Microsoft JhengHei" panose="020B0604030504040204" pitchFamily="34" charset="-120"/>
-                        </a:rPr>
-                        <a:t>X</a:t>
-                      </a:r>
-                      <a:endParaRPr lang="zh-TW" sz="1200" kern="100">
-                        <a:effectLst/>
-                        <a:latin typeface="+mn-lt"/>
-                        <a:ea typeface="Microsoft JhengHei" panose="020B0604030504040204" pitchFamily="34" charset="-120"/>
-                        <a:cs typeface="新細明體" panose="02020500000000000000" pitchFamily="18" charset="-120"/>
-                      </a:endParaRPr>
-                    </a:p>
-                  </a:txBody>
-                  <a:tcPr marL="68580" marR="68580" marT="0" marB="0"/>
-                </a:tc>
-                <a:extLst>
-                  <a:ext uri="{0D108BD9-81ED-4DB2-BD59-A6C34878D82A}">
-                    <a16:rowId xmlns:a16="http://schemas.microsoft.com/office/drawing/2014/main" val="2101749623"/>
-                  </a:ext>
-                </a:extLst>
-              </a:tr>
-              <a:tr h="0">
-                <a:tc>
-                  <a:txBody>
-                    <a:bodyPr/>
-                    <a:lstStyle/>
-                    <a:p>
-                      <a:pPr>
-                        <a:lnSpc>
-                          <a:spcPts val="2000"/>
-                        </a:lnSpc>
-                      </a:pPr>
-                      <a:r>
-                        <a:rPr lang="zh-TW" sz="1400" kern="100">
-                          <a:effectLst/>
-                          <a:latin typeface="+mn-lt"/>
-                          <a:ea typeface="Microsoft JhengHei" panose="020B0604030504040204" pitchFamily="34" charset="-120"/>
-                        </a:rPr>
-                        <a:t>在課上有舉手的次數</a:t>
-                      </a:r>
-                      <a:endParaRPr lang="zh-TW" sz="1200" kern="100">
-                        <a:effectLst/>
-                        <a:latin typeface="+mn-lt"/>
-                        <a:ea typeface="Microsoft JhengHei" panose="020B0604030504040204" pitchFamily="34" charset="-120"/>
-                        <a:cs typeface="新細明體" panose="02020500000000000000" pitchFamily="18" charset="-120"/>
-                      </a:endParaRPr>
-                    </a:p>
-                  </a:txBody>
-                  <a:tcPr marL="68580" marR="68580" marT="0" marB="0"/>
-                </a:tc>
-                <a:tc>
-                  <a:txBody>
-                    <a:bodyPr/>
-                    <a:lstStyle/>
-                    <a:p>
-                      <a:pPr>
-                        <a:lnSpc>
-                          <a:spcPts val="2000"/>
-                        </a:lnSpc>
-                      </a:pPr>
-                      <a:r>
-                        <a:rPr lang="en-US" sz="1400" kern="100">
-                          <a:effectLst/>
-                          <a:latin typeface="+mn-lt"/>
-                          <a:ea typeface="Microsoft JhengHei" panose="020B0604030504040204" pitchFamily="34" charset="-120"/>
-                        </a:rPr>
-                        <a:t>O</a:t>
-                      </a:r>
-                      <a:endParaRPr lang="zh-TW" sz="1200" kern="100">
-                        <a:effectLst/>
-                        <a:latin typeface="+mn-lt"/>
-                        <a:ea typeface="Microsoft JhengHei" panose="020B0604030504040204" pitchFamily="34" charset="-120"/>
-                        <a:cs typeface="新細明體" panose="02020500000000000000" pitchFamily="18" charset="-120"/>
-                      </a:endParaRPr>
-                    </a:p>
-                  </a:txBody>
-                  <a:tcPr marL="68580" marR="68580" marT="0" marB="0"/>
-                </a:tc>
-                <a:tc>
-                  <a:txBody>
-                    <a:bodyPr/>
-                    <a:lstStyle/>
-                    <a:p>
-                      <a:pPr>
-                        <a:lnSpc>
-                          <a:spcPts val="2000"/>
-                        </a:lnSpc>
-                      </a:pPr>
-                      <a:r>
-                        <a:rPr lang="en-US" sz="1400" kern="100">
-                          <a:effectLst/>
-                          <a:latin typeface="+mn-lt"/>
-                          <a:ea typeface="Microsoft JhengHei" panose="020B0604030504040204" pitchFamily="34" charset="-120"/>
-                        </a:rPr>
-                        <a:t> </a:t>
-                      </a:r>
-                      <a:endParaRPr lang="zh-TW" sz="1200" kern="100">
-                        <a:effectLst/>
-                        <a:latin typeface="+mn-lt"/>
-                        <a:ea typeface="Microsoft JhengHei" panose="020B0604030504040204" pitchFamily="34" charset="-120"/>
-                        <a:cs typeface="新細明體" panose="02020500000000000000" pitchFamily="18" charset="-120"/>
-                      </a:endParaRPr>
-                    </a:p>
-                  </a:txBody>
-                  <a:tcPr marL="68580" marR="68580" marT="0" marB="0"/>
-                </a:tc>
-                <a:extLst>
-                  <a:ext uri="{0D108BD9-81ED-4DB2-BD59-A6C34878D82A}">
-                    <a16:rowId xmlns:a16="http://schemas.microsoft.com/office/drawing/2014/main" val="2845141791"/>
-                  </a:ext>
-                </a:extLst>
-              </a:tr>
-              <a:tr h="0">
-                <a:tc>
-                  <a:txBody>
-                    <a:bodyPr/>
-                    <a:lstStyle/>
-                    <a:p>
-                      <a:pPr>
-                        <a:lnSpc>
-                          <a:spcPts val="2000"/>
-                        </a:lnSpc>
-                      </a:pPr>
-                      <a:r>
-                        <a:rPr lang="zh-TW" sz="1400" kern="100">
-                          <a:effectLst/>
-                          <a:latin typeface="+mn-lt"/>
-                          <a:ea typeface="Microsoft JhengHei" panose="020B0604030504040204" pitchFamily="34" charset="-120"/>
-                        </a:rPr>
-                        <a:t>檢查新公告的次數</a:t>
-                      </a:r>
-                      <a:endParaRPr lang="zh-TW" sz="1200" kern="100">
-                        <a:effectLst/>
-                        <a:latin typeface="+mn-lt"/>
-                        <a:ea typeface="Microsoft JhengHei" panose="020B0604030504040204" pitchFamily="34" charset="-120"/>
-                        <a:cs typeface="新細明體" panose="02020500000000000000" pitchFamily="18" charset="-120"/>
-                      </a:endParaRPr>
-                    </a:p>
-                  </a:txBody>
-                  <a:tcPr marL="68580" marR="68580" marT="0" marB="0"/>
-                </a:tc>
-                <a:tc>
-                  <a:txBody>
-                    <a:bodyPr/>
-                    <a:lstStyle/>
-                    <a:p>
-                      <a:pPr>
-                        <a:lnSpc>
-                          <a:spcPts val="2000"/>
-                        </a:lnSpc>
-                      </a:pPr>
-                      <a:r>
-                        <a:rPr lang="en-US" sz="1400" kern="100">
-                          <a:effectLst/>
-                          <a:latin typeface="+mn-lt"/>
-                          <a:ea typeface="Microsoft JhengHei" panose="020B0604030504040204" pitchFamily="34" charset="-120"/>
-                        </a:rPr>
-                        <a:t>O</a:t>
-                      </a:r>
-                      <a:endParaRPr lang="zh-TW" sz="1200" kern="100">
-                        <a:effectLst/>
-                        <a:latin typeface="+mn-lt"/>
-                        <a:ea typeface="Microsoft JhengHei" panose="020B0604030504040204" pitchFamily="34" charset="-120"/>
-                        <a:cs typeface="新細明體" panose="02020500000000000000" pitchFamily="18" charset="-120"/>
-                      </a:endParaRPr>
-                    </a:p>
-                  </a:txBody>
-                  <a:tcPr marL="68580" marR="68580" marT="0" marB="0"/>
-                </a:tc>
-                <a:tc>
-                  <a:txBody>
-                    <a:bodyPr/>
-                    <a:lstStyle/>
-                    <a:p>
-                      <a:pPr>
-                        <a:lnSpc>
-                          <a:spcPts val="2000"/>
-                        </a:lnSpc>
-                      </a:pPr>
-                      <a:r>
-                        <a:rPr lang="en-US" sz="1400" kern="100">
-                          <a:effectLst/>
-                          <a:latin typeface="+mn-lt"/>
-                          <a:ea typeface="Microsoft JhengHei" panose="020B0604030504040204" pitchFamily="34" charset="-120"/>
-                        </a:rPr>
-                        <a:t> </a:t>
-                      </a:r>
-                      <a:endParaRPr lang="zh-TW" sz="1200" kern="100">
-                        <a:effectLst/>
-                        <a:latin typeface="+mn-lt"/>
-                        <a:ea typeface="Microsoft JhengHei" panose="020B0604030504040204" pitchFamily="34" charset="-120"/>
-                        <a:cs typeface="新細明體" panose="02020500000000000000" pitchFamily="18" charset="-120"/>
-                      </a:endParaRPr>
-                    </a:p>
-                  </a:txBody>
-                  <a:tcPr marL="68580" marR="68580" marT="0" marB="0"/>
-                </a:tc>
-                <a:extLst>
-                  <a:ext uri="{0D108BD9-81ED-4DB2-BD59-A6C34878D82A}">
-                    <a16:rowId xmlns:a16="http://schemas.microsoft.com/office/drawing/2014/main" val="202830748"/>
-                  </a:ext>
-                </a:extLst>
-              </a:tr>
-              <a:tr h="0">
-                <a:tc>
-                  <a:txBody>
-                    <a:bodyPr/>
-                    <a:lstStyle/>
-                    <a:p>
-                      <a:pPr>
-                        <a:lnSpc>
-                          <a:spcPts val="2000"/>
-                        </a:lnSpc>
-                      </a:pPr>
-                      <a:r>
-                        <a:rPr lang="zh-TW" sz="1400" kern="100">
-                          <a:effectLst/>
-                          <a:latin typeface="+mn-lt"/>
-                          <a:ea typeface="Microsoft JhengHei" panose="020B0604030504040204" pitchFamily="34" charset="-120"/>
-                        </a:rPr>
-                        <a:t>是否參加討論</a:t>
-                      </a:r>
-                      <a:endParaRPr lang="zh-TW" sz="1200" kern="100">
-                        <a:effectLst/>
-                        <a:latin typeface="+mn-lt"/>
-                        <a:ea typeface="Microsoft JhengHei" panose="020B0604030504040204" pitchFamily="34" charset="-120"/>
-                        <a:cs typeface="新細明體" panose="02020500000000000000" pitchFamily="18" charset="-120"/>
-                      </a:endParaRPr>
-                    </a:p>
-                  </a:txBody>
-                  <a:tcPr marL="68580" marR="68580" marT="0" marB="0"/>
-                </a:tc>
-                <a:tc>
-                  <a:txBody>
-                    <a:bodyPr/>
-                    <a:lstStyle/>
-                    <a:p>
-                      <a:pPr>
-                        <a:lnSpc>
-                          <a:spcPts val="2000"/>
-                        </a:lnSpc>
-                      </a:pPr>
-                      <a:r>
-                        <a:rPr lang="en-US" sz="1400" kern="100">
-                          <a:effectLst/>
-                          <a:latin typeface="+mn-lt"/>
-                          <a:ea typeface="Microsoft JhengHei" panose="020B0604030504040204" pitchFamily="34" charset="-120"/>
-                        </a:rPr>
-                        <a:t>O</a:t>
-                      </a:r>
-                      <a:endParaRPr lang="zh-TW" sz="1200" kern="100">
-                        <a:effectLst/>
-                        <a:latin typeface="+mn-lt"/>
-                        <a:ea typeface="Microsoft JhengHei" panose="020B0604030504040204" pitchFamily="34" charset="-120"/>
-                        <a:cs typeface="新細明體" panose="02020500000000000000" pitchFamily="18" charset="-120"/>
-                      </a:endParaRPr>
-                    </a:p>
-                  </a:txBody>
-                  <a:tcPr marL="68580" marR="68580" marT="0" marB="0"/>
-                </a:tc>
-                <a:tc>
-                  <a:txBody>
-                    <a:bodyPr/>
-                    <a:lstStyle/>
-                    <a:p>
-                      <a:pPr>
-                        <a:lnSpc>
-                          <a:spcPts val="2000"/>
-                        </a:lnSpc>
-                      </a:pPr>
-                      <a:r>
-                        <a:rPr lang="en-US" sz="1400" kern="100">
-                          <a:effectLst/>
-                          <a:latin typeface="+mn-lt"/>
-                          <a:ea typeface="Microsoft JhengHei" panose="020B0604030504040204" pitchFamily="34" charset="-120"/>
-                        </a:rPr>
-                        <a:t> </a:t>
-                      </a:r>
-                      <a:endParaRPr lang="zh-TW" sz="1200" kern="100">
-                        <a:effectLst/>
-                        <a:latin typeface="+mn-lt"/>
-                        <a:ea typeface="Microsoft JhengHei" panose="020B0604030504040204" pitchFamily="34" charset="-120"/>
-                        <a:cs typeface="新細明體" panose="02020500000000000000" pitchFamily="18" charset="-120"/>
-                      </a:endParaRPr>
-                    </a:p>
-                  </a:txBody>
-                  <a:tcPr marL="68580" marR="68580" marT="0" marB="0"/>
-                </a:tc>
-                <a:extLst>
-                  <a:ext uri="{0D108BD9-81ED-4DB2-BD59-A6C34878D82A}">
-                    <a16:rowId xmlns:a16="http://schemas.microsoft.com/office/drawing/2014/main" val="2374819912"/>
-                  </a:ext>
-                </a:extLst>
-              </a:tr>
-              <a:tr h="0">
-                <a:tc>
-                  <a:txBody>
-                    <a:bodyPr/>
-                    <a:lstStyle/>
-                    <a:p>
-                      <a:pPr>
-                        <a:lnSpc>
-                          <a:spcPts val="2000"/>
-                        </a:lnSpc>
-                      </a:pPr>
-                      <a:r>
-                        <a:rPr lang="zh-TW" sz="1400" kern="100">
-                          <a:effectLst/>
-                          <a:latin typeface="+mn-lt"/>
-                          <a:ea typeface="Microsoft JhengHei" panose="020B0604030504040204" pitchFamily="34" charset="-120"/>
-                        </a:rPr>
-                        <a:t>性別為男性</a:t>
-                      </a:r>
-                      <a:endParaRPr lang="zh-TW" sz="1200" kern="100">
-                        <a:effectLst/>
-                        <a:latin typeface="+mn-lt"/>
-                        <a:ea typeface="Microsoft JhengHei" panose="020B0604030504040204" pitchFamily="34" charset="-120"/>
-                        <a:cs typeface="新細明體" panose="02020500000000000000" pitchFamily="18" charset="-120"/>
-                      </a:endParaRPr>
-                    </a:p>
-                  </a:txBody>
-                  <a:tcPr marL="68580" marR="68580" marT="0" marB="0"/>
-                </a:tc>
-                <a:tc>
-                  <a:txBody>
-                    <a:bodyPr/>
-                    <a:lstStyle/>
-                    <a:p>
-                      <a:pPr>
-                        <a:lnSpc>
-                          <a:spcPts val="2000"/>
-                        </a:lnSpc>
-                      </a:pPr>
-                      <a:r>
-                        <a:rPr lang="en-US" sz="1400" kern="100">
-                          <a:effectLst/>
-                          <a:latin typeface="+mn-lt"/>
-                          <a:ea typeface="Microsoft JhengHei" panose="020B0604030504040204" pitchFamily="34" charset="-120"/>
-                        </a:rPr>
-                        <a:t> </a:t>
-                      </a:r>
-                      <a:endParaRPr lang="zh-TW" sz="1200" kern="100">
-                        <a:effectLst/>
-                        <a:latin typeface="+mn-lt"/>
-                        <a:ea typeface="Microsoft JhengHei" panose="020B0604030504040204" pitchFamily="34" charset="-120"/>
-                        <a:cs typeface="新細明體" panose="02020500000000000000" pitchFamily="18" charset="-120"/>
-                      </a:endParaRPr>
-                    </a:p>
-                  </a:txBody>
-                  <a:tcPr marL="68580" marR="68580" marT="0" marB="0"/>
-                </a:tc>
-                <a:tc>
-                  <a:txBody>
-                    <a:bodyPr/>
-                    <a:lstStyle/>
-                    <a:p>
-                      <a:pPr>
-                        <a:lnSpc>
-                          <a:spcPts val="2000"/>
-                        </a:lnSpc>
-                      </a:pPr>
-                      <a:r>
-                        <a:rPr lang="en-US" sz="1400" kern="100">
-                          <a:effectLst/>
-                          <a:latin typeface="+mn-lt"/>
-                          <a:ea typeface="Microsoft JhengHei" panose="020B0604030504040204" pitchFamily="34" charset="-120"/>
-                        </a:rPr>
-                        <a:t>X</a:t>
-                      </a:r>
-                      <a:endParaRPr lang="zh-TW" sz="1200" kern="100">
-                        <a:effectLst/>
-                        <a:latin typeface="+mn-lt"/>
-                        <a:ea typeface="Microsoft JhengHei" panose="020B0604030504040204" pitchFamily="34" charset="-120"/>
-                        <a:cs typeface="新細明體" panose="02020500000000000000" pitchFamily="18" charset="-120"/>
-                      </a:endParaRPr>
-                    </a:p>
-                  </a:txBody>
-                  <a:tcPr marL="68580" marR="68580" marT="0" marB="0"/>
-                </a:tc>
-                <a:extLst>
-                  <a:ext uri="{0D108BD9-81ED-4DB2-BD59-A6C34878D82A}">
-                    <a16:rowId xmlns:a16="http://schemas.microsoft.com/office/drawing/2014/main" val="1568241902"/>
-                  </a:ext>
-                </a:extLst>
-              </a:tr>
-              <a:tr h="0">
-                <a:tc>
-                  <a:txBody>
-                    <a:bodyPr/>
-                    <a:lstStyle/>
-                    <a:p>
-                      <a:pPr>
-                        <a:lnSpc>
-                          <a:spcPts val="2000"/>
-                        </a:lnSpc>
-                      </a:pPr>
-                      <a:r>
-                        <a:rPr lang="zh-TW" sz="1400" kern="100" dirty="0">
-                          <a:effectLst/>
-                          <a:latin typeface="+mn-lt"/>
-                          <a:ea typeface="Microsoft JhengHei" panose="020B0604030504040204" pitchFamily="34" charset="-120"/>
-                        </a:rPr>
-                        <a:t>性別為女性</a:t>
-                      </a:r>
-                      <a:endParaRPr lang="zh-TW" sz="1200" kern="100" dirty="0">
-                        <a:effectLst/>
-                        <a:latin typeface="+mn-lt"/>
-                        <a:ea typeface="Microsoft JhengHei" panose="020B0604030504040204" pitchFamily="34" charset="-120"/>
-                        <a:cs typeface="新細明體" panose="02020500000000000000" pitchFamily="18" charset="-120"/>
-                      </a:endParaRPr>
-                    </a:p>
-                  </a:txBody>
-                  <a:tcPr marL="68580" marR="68580" marT="0" marB="0"/>
-                </a:tc>
-                <a:tc>
-                  <a:txBody>
-                    <a:bodyPr/>
-                    <a:lstStyle/>
-                    <a:p>
-                      <a:pPr>
-                        <a:lnSpc>
-                          <a:spcPts val="2000"/>
-                        </a:lnSpc>
-                      </a:pPr>
-                      <a:r>
-                        <a:rPr lang="en-US" sz="1400" kern="100">
-                          <a:effectLst/>
-                          <a:latin typeface="+mn-lt"/>
-                          <a:ea typeface="Microsoft JhengHei" panose="020B0604030504040204" pitchFamily="34" charset="-120"/>
-                        </a:rPr>
-                        <a:t>O</a:t>
-                      </a:r>
-                      <a:endParaRPr lang="zh-TW" sz="1200" kern="100">
-                        <a:effectLst/>
-                        <a:latin typeface="+mn-lt"/>
-                        <a:ea typeface="Microsoft JhengHei" panose="020B0604030504040204" pitchFamily="34" charset="-120"/>
-                        <a:cs typeface="新細明體" panose="02020500000000000000" pitchFamily="18" charset="-120"/>
-                      </a:endParaRPr>
-                    </a:p>
-                  </a:txBody>
-                  <a:tcPr marL="68580" marR="68580" marT="0" marB="0"/>
-                </a:tc>
-                <a:tc>
-                  <a:txBody>
-                    <a:bodyPr/>
-                    <a:lstStyle/>
-                    <a:p>
-                      <a:pPr>
-                        <a:lnSpc>
-                          <a:spcPts val="2000"/>
-                        </a:lnSpc>
-                      </a:pPr>
-                      <a:r>
-                        <a:rPr lang="en-US" sz="1400" kern="100">
-                          <a:effectLst/>
-                          <a:latin typeface="+mn-lt"/>
-                          <a:ea typeface="Microsoft JhengHei" panose="020B0604030504040204" pitchFamily="34" charset="-120"/>
-                        </a:rPr>
-                        <a:t> </a:t>
-                      </a:r>
-                      <a:endParaRPr lang="zh-TW" sz="1200" kern="100">
-                        <a:effectLst/>
-                        <a:latin typeface="+mn-lt"/>
-                        <a:ea typeface="Microsoft JhengHei" panose="020B0604030504040204" pitchFamily="34" charset="-120"/>
-                        <a:cs typeface="新細明體" panose="02020500000000000000" pitchFamily="18" charset="-120"/>
-                      </a:endParaRPr>
-                    </a:p>
-                  </a:txBody>
-                  <a:tcPr marL="68580" marR="68580" marT="0" marB="0"/>
-                </a:tc>
-                <a:extLst>
-                  <a:ext uri="{0D108BD9-81ED-4DB2-BD59-A6C34878D82A}">
-                    <a16:rowId xmlns:a16="http://schemas.microsoft.com/office/drawing/2014/main" val="1643736097"/>
-                  </a:ext>
-                </a:extLst>
-              </a:tr>
-              <a:tr h="0">
-                <a:tc>
-                  <a:txBody>
-                    <a:bodyPr/>
-                    <a:lstStyle/>
-                    <a:p>
-                      <a:pPr>
-                        <a:lnSpc>
-                          <a:spcPts val="2000"/>
-                        </a:lnSpc>
-                      </a:pPr>
-                      <a:r>
-                        <a:rPr lang="zh-TW" sz="1400" kern="100">
-                          <a:effectLst/>
-                          <a:latin typeface="+mn-lt"/>
-                          <a:ea typeface="Microsoft JhengHei" panose="020B0604030504040204" pitchFamily="34" charset="-120"/>
-                        </a:rPr>
-                        <a:t>第一學期</a:t>
-                      </a:r>
-                      <a:endParaRPr lang="zh-TW" sz="1200" kern="100">
-                        <a:effectLst/>
-                        <a:latin typeface="+mn-lt"/>
-                        <a:ea typeface="Microsoft JhengHei" panose="020B0604030504040204" pitchFamily="34" charset="-120"/>
-                        <a:cs typeface="新細明體" panose="02020500000000000000" pitchFamily="18" charset="-120"/>
-                      </a:endParaRPr>
-                    </a:p>
-                  </a:txBody>
-                  <a:tcPr marL="68580" marR="68580" marT="0" marB="0"/>
-                </a:tc>
-                <a:tc>
-                  <a:txBody>
-                    <a:bodyPr/>
-                    <a:lstStyle/>
-                    <a:p>
-                      <a:pPr>
-                        <a:lnSpc>
-                          <a:spcPts val="2000"/>
-                        </a:lnSpc>
-                      </a:pPr>
-                      <a:r>
-                        <a:rPr lang="en-US" sz="1400" kern="100">
-                          <a:effectLst/>
-                          <a:latin typeface="+mn-lt"/>
-                          <a:ea typeface="Microsoft JhengHei" panose="020B0604030504040204" pitchFamily="34" charset="-120"/>
-                        </a:rPr>
-                        <a:t> </a:t>
-                      </a:r>
-                      <a:endParaRPr lang="zh-TW" sz="1200" kern="100">
-                        <a:effectLst/>
-                        <a:latin typeface="+mn-lt"/>
-                        <a:ea typeface="Microsoft JhengHei" panose="020B0604030504040204" pitchFamily="34" charset="-120"/>
-                        <a:cs typeface="新細明體" panose="02020500000000000000" pitchFamily="18" charset="-120"/>
-                      </a:endParaRPr>
-                    </a:p>
-                  </a:txBody>
-                  <a:tcPr marL="68580" marR="68580" marT="0" marB="0"/>
-                </a:tc>
-                <a:tc>
-                  <a:txBody>
-                    <a:bodyPr/>
-                    <a:lstStyle/>
-                    <a:p>
-                      <a:pPr>
-                        <a:lnSpc>
-                          <a:spcPts val="2000"/>
-                        </a:lnSpc>
-                      </a:pPr>
-                      <a:r>
-                        <a:rPr lang="en-US" sz="1400" kern="100">
-                          <a:effectLst/>
-                          <a:latin typeface="+mn-lt"/>
-                          <a:ea typeface="Microsoft JhengHei" panose="020B0604030504040204" pitchFamily="34" charset="-120"/>
-                        </a:rPr>
-                        <a:t>X</a:t>
-                      </a:r>
-                      <a:endParaRPr lang="zh-TW" sz="1200" kern="100">
-                        <a:effectLst/>
-                        <a:latin typeface="+mn-lt"/>
-                        <a:ea typeface="Microsoft JhengHei" panose="020B0604030504040204" pitchFamily="34" charset="-120"/>
-                        <a:cs typeface="新細明體" panose="02020500000000000000" pitchFamily="18" charset="-120"/>
-                      </a:endParaRPr>
-                    </a:p>
-                  </a:txBody>
-                  <a:tcPr marL="68580" marR="68580" marT="0" marB="0"/>
-                </a:tc>
-                <a:extLst>
-                  <a:ext uri="{0D108BD9-81ED-4DB2-BD59-A6C34878D82A}">
-                    <a16:rowId xmlns:a16="http://schemas.microsoft.com/office/drawing/2014/main" val="2308625024"/>
-                  </a:ext>
-                </a:extLst>
-              </a:tr>
-              <a:tr h="0">
-                <a:tc>
-                  <a:txBody>
-                    <a:bodyPr/>
-                    <a:lstStyle/>
-                    <a:p>
-                      <a:pPr>
-                        <a:lnSpc>
-                          <a:spcPts val="2000"/>
-                        </a:lnSpc>
-                      </a:pPr>
-                      <a:r>
-                        <a:rPr lang="zh-TW" sz="1400" kern="100">
-                          <a:effectLst/>
-                          <a:latin typeface="+mn-lt"/>
-                          <a:ea typeface="Microsoft JhengHei" panose="020B0604030504040204" pitchFamily="34" charset="-120"/>
-                        </a:rPr>
-                        <a:t>第二學期</a:t>
-                      </a:r>
-                      <a:endParaRPr lang="zh-TW" sz="1200" kern="100">
-                        <a:effectLst/>
-                        <a:latin typeface="+mn-lt"/>
-                        <a:ea typeface="Microsoft JhengHei" panose="020B0604030504040204" pitchFamily="34" charset="-120"/>
-                        <a:cs typeface="新細明體" panose="02020500000000000000" pitchFamily="18" charset="-120"/>
-                      </a:endParaRPr>
-                    </a:p>
-                  </a:txBody>
-                  <a:tcPr marL="68580" marR="68580" marT="0" marB="0"/>
-                </a:tc>
-                <a:tc>
-                  <a:txBody>
-                    <a:bodyPr/>
-                    <a:lstStyle/>
-                    <a:p>
-                      <a:pPr>
-                        <a:lnSpc>
-                          <a:spcPts val="2000"/>
-                        </a:lnSpc>
-                      </a:pPr>
-                      <a:r>
-                        <a:rPr lang="en-US" sz="1400" kern="100">
-                          <a:effectLst/>
-                          <a:latin typeface="+mn-lt"/>
-                          <a:ea typeface="Microsoft JhengHei" panose="020B0604030504040204" pitchFamily="34" charset="-120"/>
-                        </a:rPr>
-                        <a:t>O</a:t>
-                      </a:r>
-                      <a:endParaRPr lang="zh-TW" sz="1200" kern="100">
-                        <a:effectLst/>
-                        <a:latin typeface="+mn-lt"/>
-                        <a:ea typeface="Microsoft JhengHei" panose="020B0604030504040204" pitchFamily="34" charset="-120"/>
-                        <a:cs typeface="新細明體" panose="02020500000000000000" pitchFamily="18" charset="-120"/>
-                      </a:endParaRPr>
-                    </a:p>
-                  </a:txBody>
-                  <a:tcPr marL="68580" marR="68580" marT="0" marB="0"/>
-                </a:tc>
-                <a:tc>
-                  <a:txBody>
-                    <a:bodyPr/>
-                    <a:lstStyle/>
-                    <a:p>
-                      <a:pPr>
-                        <a:lnSpc>
-                          <a:spcPts val="2000"/>
-                        </a:lnSpc>
-                      </a:pPr>
-                      <a:r>
-                        <a:rPr lang="en-US" sz="1400" kern="100">
-                          <a:effectLst/>
-                          <a:latin typeface="+mn-lt"/>
-                          <a:ea typeface="Microsoft JhengHei" panose="020B0604030504040204" pitchFamily="34" charset="-120"/>
-                        </a:rPr>
-                        <a:t> </a:t>
-                      </a:r>
-                      <a:endParaRPr lang="zh-TW" sz="1200" kern="100">
-                        <a:effectLst/>
-                        <a:latin typeface="+mn-lt"/>
-                        <a:ea typeface="Microsoft JhengHei" panose="020B0604030504040204" pitchFamily="34" charset="-120"/>
-                        <a:cs typeface="新細明體" panose="02020500000000000000" pitchFamily="18" charset="-120"/>
-                      </a:endParaRPr>
-                    </a:p>
-                  </a:txBody>
-                  <a:tcPr marL="68580" marR="68580" marT="0" marB="0"/>
-                </a:tc>
-                <a:extLst>
-                  <a:ext uri="{0D108BD9-81ED-4DB2-BD59-A6C34878D82A}">
-                    <a16:rowId xmlns:a16="http://schemas.microsoft.com/office/drawing/2014/main" val="2702806503"/>
-                  </a:ext>
-                </a:extLst>
-              </a:tr>
-              <a:tr h="0">
-                <a:tc>
-                  <a:txBody>
-                    <a:bodyPr/>
-                    <a:lstStyle/>
-                    <a:p>
-                      <a:pPr>
-                        <a:lnSpc>
-                          <a:spcPts val="2000"/>
-                        </a:lnSpc>
-                      </a:pPr>
-                      <a:r>
-                        <a:rPr lang="zh-TW" sz="1400" kern="100">
-                          <a:effectLst/>
-                          <a:latin typeface="+mn-lt"/>
-                          <a:ea typeface="Microsoft JhengHei" panose="020B0604030504040204" pitchFamily="34" charset="-120"/>
-                        </a:rPr>
-                        <a:t>監護人是父親</a:t>
-                      </a:r>
-                      <a:endParaRPr lang="zh-TW" sz="1200" kern="100">
-                        <a:effectLst/>
-                        <a:latin typeface="+mn-lt"/>
-                        <a:ea typeface="Microsoft JhengHei" panose="020B0604030504040204" pitchFamily="34" charset="-120"/>
-                        <a:cs typeface="新細明體" panose="02020500000000000000" pitchFamily="18" charset="-120"/>
-                      </a:endParaRPr>
-                    </a:p>
-                  </a:txBody>
-                  <a:tcPr marL="68580" marR="68580" marT="0" marB="0"/>
-                </a:tc>
-                <a:tc>
-                  <a:txBody>
-                    <a:bodyPr/>
-                    <a:lstStyle/>
-                    <a:p>
-                      <a:pPr>
-                        <a:lnSpc>
-                          <a:spcPts val="2000"/>
-                        </a:lnSpc>
-                      </a:pPr>
-                      <a:r>
-                        <a:rPr lang="en-US" sz="1400" kern="100">
-                          <a:effectLst/>
-                          <a:latin typeface="+mn-lt"/>
-                          <a:ea typeface="Microsoft JhengHei" panose="020B0604030504040204" pitchFamily="34" charset="-120"/>
-                        </a:rPr>
-                        <a:t> </a:t>
-                      </a:r>
-                      <a:endParaRPr lang="zh-TW" sz="1200" kern="100">
-                        <a:effectLst/>
-                        <a:latin typeface="+mn-lt"/>
-                        <a:ea typeface="Microsoft JhengHei" panose="020B0604030504040204" pitchFamily="34" charset="-120"/>
-                        <a:cs typeface="新細明體" panose="02020500000000000000" pitchFamily="18" charset="-120"/>
-                      </a:endParaRPr>
-                    </a:p>
-                  </a:txBody>
-                  <a:tcPr marL="68580" marR="68580" marT="0" marB="0"/>
-                </a:tc>
-                <a:tc>
-                  <a:txBody>
-                    <a:bodyPr/>
-                    <a:lstStyle/>
-                    <a:p>
-                      <a:pPr>
-                        <a:lnSpc>
-                          <a:spcPts val="2000"/>
-                        </a:lnSpc>
-                      </a:pPr>
-                      <a:r>
-                        <a:rPr lang="en-US" sz="1400" kern="100">
-                          <a:effectLst/>
-                          <a:latin typeface="+mn-lt"/>
-                          <a:ea typeface="Microsoft JhengHei" panose="020B0604030504040204" pitchFamily="34" charset="-120"/>
-                        </a:rPr>
-                        <a:t>X</a:t>
-                      </a:r>
-                      <a:endParaRPr lang="zh-TW" sz="1200" kern="100">
-                        <a:effectLst/>
-                        <a:latin typeface="+mn-lt"/>
-                        <a:ea typeface="Microsoft JhengHei" panose="020B0604030504040204" pitchFamily="34" charset="-120"/>
-                        <a:cs typeface="新細明體" panose="02020500000000000000" pitchFamily="18" charset="-120"/>
-                      </a:endParaRPr>
-                    </a:p>
-                  </a:txBody>
-                  <a:tcPr marL="68580" marR="68580" marT="0" marB="0"/>
-                </a:tc>
-                <a:extLst>
-                  <a:ext uri="{0D108BD9-81ED-4DB2-BD59-A6C34878D82A}">
-                    <a16:rowId xmlns:a16="http://schemas.microsoft.com/office/drawing/2014/main" val="2760581046"/>
-                  </a:ext>
-                </a:extLst>
-              </a:tr>
-              <a:tr h="0">
-                <a:tc>
-                  <a:txBody>
-                    <a:bodyPr/>
-                    <a:lstStyle/>
-                    <a:p>
-                      <a:pPr>
-                        <a:lnSpc>
-                          <a:spcPts val="2000"/>
-                        </a:lnSpc>
-                      </a:pPr>
-                      <a:r>
-                        <a:rPr lang="zh-TW" sz="1400" kern="100">
-                          <a:effectLst/>
-                          <a:latin typeface="+mn-lt"/>
-                          <a:ea typeface="Microsoft JhengHei" panose="020B0604030504040204" pitchFamily="34" charset="-120"/>
-                        </a:rPr>
-                        <a:t>監護人是母親</a:t>
-                      </a:r>
-                      <a:endParaRPr lang="zh-TW" sz="1200" kern="100">
-                        <a:effectLst/>
-                        <a:latin typeface="+mn-lt"/>
-                        <a:ea typeface="Microsoft JhengHei" panose="020B0604030504040204" pitchFamily="34" charset="-120"/>
-                        <a:cs typeface="新細明體" panose="02020500000000000000" pitchFamily="18" charset="-120"/>
-                      </a:endParaRPr>
-                    </a:p>
-                  </a:txBody>
-                  <a:tcPr marL="68580" marR="68580" marT="0" marB="0"/>
-                </a:tc>
-                <a:tc>
-                  <a:txBody>
-                    <a:bodyPr/>
-                    <a:lstStyle/>
-                    <a:p>
-                      <a:pPr>
-                        <a:lnSpc>
-                          <a:spcPts val="2000"/>
-                        </a:lnSpc>
-                      </a:pPr>
-                      <a:r>
-                        <a:rPr lang="en-US" sz="1400" kern="100">
-                          <a:effectLst/>
-                          <a:latin typeface="+mn-lt"/>
-                          <a:ea typeface="Microsoft JhengHei" panose="020B0604030504040204" pitchFamily="34" charset="-120"/>
-                        </a:rPr>
-                        <a:t>O</a:t>
-                      </a:r>
-                      <a:endParaRPr lang="zh-TW" sz="1200" kern="100">
-                        <a:effectLst/>
-                        <a:latin typeface="+mn-lt"/>
-                        <a:ea typeface="Microsoft JhengHei" panose="020B0604030504040204" pitchFamily="34" charset="-120"/>
-                        <a:cs typeface="新細明體" panose="02020500000000000000" pitchFamily="18" charset="-120"/>
-                      </a:endParaRPr>
-                    </a:p>
-                  </a:txBody>
-                  <a:tcPr marL="68580" marR="68580" marT="0" marB="0"/>
-                </a:tc>
-                <a:tc>
-                  <a:txBody>
-                    <a:bodyPr/>
-                    <a:lstStyle/>
-                    <a:p>
-                      <a:pPr>
-                        <a:lnSpc>
-                          <a:spcPts val="2000"/>
-                        </a:lnSpc>
-                      </a:pPr>
-                      <a:r>
-                        <a:rPr lang="en-US" sz="1400" kern="100" dirty="0">
-                          <a:effectLst/>
-                          <a:latin typeface="+mn-lt"/>
-                          <a:ea typeface="Microsoft JhengHei" panose="020B0604030504040204" pitchFamily="34" charset="-120"/>
-                        </a:rPr>
-                        <a:t> </a:t>
-                      </a:r>
-                      <a:endParaRPr lang="zh-TW" sz="1200" kern="100" dirty="0">
-                        <a:effectLst/>
-                        <a:latin typeface="+mn-lt"/>
-                        <a:ea typeface="Microsoft JhengHei" panose="020B0604030504040204" pitchFamily="34" charset="-120"/>
-                        <a:cs typeface="新細明體" panose="02020500000000000000" pitchFamily="18" charset="-120"/>
-                      </a:endParaRPr>
-                    </a:p>
-                  </a:txBody>
-                  <a:tcPr marL="68580" marR="68580" marT="0" marB="0"/>
-                </a:tc>
-                <a:extLst>
-                  <a:ext uri="{0D108BD9-81ED-4DB2-BD59-A6C34878D82A}">
-                    <a16:rowId xmlns:a16="http://schemas.microsoft.com/office/drawing/2014/main" val="3088864611"/>
-                  </a:ext>
-                </a:extLst>
-              </a:tr>
-            </a:tbl>
-          </a:graphicData>
-        </a:graphic>
-      </p:graphicFrame>
+          <p:cNvSpPr/>
+          <p:nvPr/>
+        </p:nvSpPr>
+        <p:spPr>
+          <a:xfrm>
+            <a:off x="3048000" y="3105835"/>
+            <a:ext cx="6096000" cy="646331"/>
+          </a:xfrm>
+          <a:prstGeom prst="rect">
+            <a:avLst/>
+          </a:prstGeom>
+        </p:spPr>
+        <p:txBody>
+          <a:bodyPr>
+            <a:spAutoFit/>
+          </a:bodyPr>
+          <a:lstStyle/>
+          <a:p>
+            <a:br>
+              <a:rPr lang="zh-TW" altLang="en-US" dirty="0"/>
+            </a:br>
+            <a:endParaRPr lang="zh-TW" altLang="en-US" dirty="0"/>
+          </a:p>
+        </p:txBody>
+      </p:sp>
+      <p:sp>
+        <p:nvSpPr>
+          <p:cNvPr id="5" name="文字方塊 4">
+            <a:extLst>
+              <a:ext uri="{FF2B5EF4-FFF2-40B4-BE49-F238E27FC236}">
+                <a16:creationId xmlns:a16="http://schemas.microsoft.com/office/drawing/2014/main" id="{9C56B9E3-182D-B042-A79F-AFBBA842AE53}"/>
+              </a:ext>
+            </a:extLst>
+          </p:cNvPr>
+          <p:cNvSpPr txBox="1"/>
+          <p:nvPr/>
+        </p:nvSpPr>
+        <p:spPr>
+          <a:xfrm>
+            <a:off x="1397977" y="5433020"/>
+            <a:ext cx="9396046" cy="923330"/>
+          </a:xfrm>
+          <a:prstGeom prst="rect">
+            <a:avLst/>
+          </a:prstGeom>
+          <a:noFill/>
+        </p:spPr>
+        <p:txBody>
+          <a:bodyPr wrap="square" rtlCol="0">
+            <a:spAutoFit/>
+          </a:bodyPr>
+          <a:lstStyle/>
+          <a:p>
+            <a:r>
+              <a:rPr lang="zh-TW" altLang="zh-TW" dirty="0">
+                <a:latin typeface="Microsoft JhengHei" panose="020B0604030504040204" pitchFamily="34" charset="-120"/>
+                <a:ea typeface="Microsoft JhengHei" panose="020B0604030504040204" pitchFamily="34" charset="-120"/>
+              </a:rPr>
+              <a:t>在這種情況下，我們可以看到，隨著最小葉子樣本的增加，準確率分數會簡單地降低。因此，最好將該值保持在預設的</a:t>
+            </a:r>
+            <a:r>
+              <a:rPr lang="en-US" altLang="zh-TW" dirty="0">
+                <a:latin typeface="Microsoft JhengHei" panose="020B0604030504040204" pitchFamily="34" charset="-120"/>
+                <a:ea typeface="Microsoft JhengHei" panose="020B0604030504040204" pitchFamily="34" charset="-120"/>
+              </a:rPr>
+              <a:t>1</a:t>
+            </a:r>
+            <a:r>
+              <a:rPr lang="zh-TW" altLang="zh-TW" dirty="0">
+                <a:latin typeface="Microsoft JhengHei" panose="020B0604030504040204" pitchFamily="34" charset="-120"/>
+                <a:ea typeface="Microsoft JhengHei" panose="020B0604030504040204" pitchFamily="34" charset="-120"/>
+              </a:rPr>
+              <a:t>。</a:t>
+            </a:r>
+          </a:p>
+          <a:p>
+            <a:r>
+              <a:rPr lang="zh-TW" altLang="zh-TW" dirty="0">
+                <a:latin typeface="Microsoft JhengHei" panose="020B0604030504040204" pitchFamily="34" charset="-120"/>
+                <a:ea typeface="Microsoft JhengHei" panose="020B0604030504040204" pitchFamily="34" charset="-120"/>
+              </a:rPr>
+              <a:t>讓我們來評估 </a:t>
+            </a:r>
+            <a:r>
+              <a:rPr lang="en-US" altLang="zh-TW" dirty="0">
+                <a:latin typeface="Microsoft JhengHei" panose="020B0604030504040204" pitchFamily="34" charset="-120"/>
+                <a:ea typeface="Microsoft JhengHei" panose="020B0604030504040204" pitchFamily="34" charset="-120"/>
+              </a:rPr>
+              <a:t>RFC </a:t>
+            </a:r>
+            <a:r>
+              <a:rPr lang="zh-TW" altLang="zh-TW" dirty="0">
+                <a:latin typeface="Microsoft JhengHei" panose="020B0604030504040204" pitchFamily="34" charset="-120"/>
+                <a:ea typeface="Microsoft JhengHei" panose="020B0604030504040204" pitchFamily="34" charset="-120"/>
+              </a:rPr>
+              <a:t>的特徵重要性。</a:t>
+            </a:r>
+          </a:p>
+        </p:txBody>
+      </p:sp>
+      <p:pic>
+        <p:nvPicPr>
+          <p:cNvPr id="2050" name="Picture 2">
+            <a:extLst>
+              <a:ext uri="{FF2B5EF4-FFF2-40B4-BE49-F238E27FC236}">
+                <a16:creationId xmlns:a16="http://schemas.microsoft.com/office/drawing/2014/main" id="{E26A9FC0-2783-6D41-A534-BFFCF5920615}"/>
+              </a:ext>
+            </a:extLst>
+          </p:cNvPr>
+          <p:cNvPicPr>
+            <a:picLocks noChangeAspect="1" noChangeArrowheads="1"/>
+          </p:cNvPicPr>
+          <p:nvPr/>
+        </p:nvPicPr>
+        <p:blipFill>
+          <a:blip r:embed="rId2">
+            <a:extLst>
+              <a:ext uri="{28A0092B-C50C-407E-A947-70E740481C1C}">
+                <a14:useLocalDpi xmlns:a14="http://schemas.microsoft.com/office/drawing/2010/main" val="0"/>
+              </a:ext>
+            </a:extLst>
+          </a:blip>
+          <a:srcRect/>
+          <a:stretch>
+            <a:fillRect/>
+          </a:stretch>
+        </p:blipFill>
+        <p:spPr bwMode="auto">
+          <a:xfrm>
+            <a:off x="6821544" y="1462959"/>
+            <a:ext cx="4355922" cy="3116247"/>
+          </a:xfrm>
+          <a:prstGeom prst="rect">
+            <a:avLst/>
+          </a:prstGeom>
+          <a:noFill/>
+          <a:extLst>
+            <a:ext uri="{909E8E84-426E-40DD-AFC4-6F175D3DCCD1}">
+              <a14:hiddenFill xmlns:a14="http://schemas.microsoft.com/office/drawing/2010/main">
+                <a:solidFill>
+                  <a:srgbClr val="FFFFFF"/>
+                </a:solidFill>
+              </a14:hiddenFill>
+            </a:ext>
+          </a:extLst>
+        </p:spPr>
+      </p:pic>
     </p:spTree>
     <p:extLst>
       <p:ext uri="{BB962C8B-B14F-4D97-AF65-F5344CB8AC3E}">
-        <p14:creationId xmlns:p14="http://schemas.microsoft.com/office/powerpoint/2010/main" val="2445072638"/>
+        <p14:creationId xmlns:p14="http://schemas.microsoft.com/office/powerpoint/2010/main" val="3946945983"/>
       </p:ext>
     </p:extLst>
   </p:cSld>
@@ -14502,6 +13771,976 @@
       </p:grpSpPr>
       <p:sp>
         <p:nvSpPr>
+          <p:cNvPr id="2" name="标题 1">
+            <a:extLst>
+              <a:ext uri="{FF2B5EF4-FFF2-40B4-BE49-F238E27FC236}">
+                <a16:creationId xmlns:a16="http://schemas.microsoft.com/office/drawing/2014/main" id="{E289ABD6-E34B-C040-A629-676B10D0E8DE}"/>
+              </a:ext>
+            </a:extLst>
+          </p:cNvPr>
+          <p:cNvSpPr>
+            <a:spLocks noGrp="1"/>
+          </p:cNvSpPr>
+          <p:nvPr>
+            <p:ph type="title"/>
+          </p:nvPr>
+        </p:nvSpPr>
+        <p:spPr/>
+        <p:txBody>
+          <a:bodyPr>
+            <a:normAutofit/>
+          </a:bodyPr>
+          <a:lstStyle/>
+          <a:p>
+            <a:r>
+              <a:rPr lang="zh-TW" altLang="zh-TW" sz="3600" b="1" dirty="0">
+                <a:latin typeface="Microsoft JhengHei" panose="020B0604030504040204" pitchFamily="34" charset="-120"/>
+                <a:ea typeface="Microsoft JhengHei" panose="020B0604030504040204" pitchFamily="34" charset="-120"/>
+              </a:rPr>
+              <a:t>探索調優 </a:t>
+            </a:r>
+            <a:r>
+              <a:rPr lang="en-US" altLang="zh-TW" sz="3600" b="1" dirty="0">
+                <a:latin typeface="Microsoft JhengHei" panose="020B0604030504040204" pitchFamily="34" charset="-120"/>
+                <a:ea typeface="Microsoft JhengHei" panose="020B0604030504040204" pitchFamily="34" charset="-120"/>
+              </a:rPr>
+              <a:t>Random Forest</a:t>
+            </a:r>
+            <a:r>
+              <a:rPr lang="zh-TW" altLang="en-US" sz="3600" b="1" dirty="0">
+                <a:latin typeface="Microsoft JhengHei" panose="020B0604030504040204" pitchFamily="34" charset="-120"/>
+                <a:ea typeface="Microsoft JhengHei" panose="020B0604030504040204" pitchFamily="34" charset="-120"/>
+              </a:rPr>
+              <a:t> </a:t>
+            </a:r>
+            <a:r>
+              <a:rPr lang="zh-TW" altLang="zh-TW" sz="3600" b="1" dirty="0">
+                <a:latin typeface="Microsoft JhengHei" panose="020B0604030504040204" pitchFamily="34" charset="-120"/>
+                <a:ea typeface="Microsoft JhengHei" panose="020B0604030504040204" pitchFamily="34" charset="-120"/>
+              </a:rPr>
+              <a:t>分類器</a:t>
+            </a:r>
+            <a:endParaRPr kumimoji="1" lang="zh-CN" altLang="en-US" sz="2800" b="1" dirty="0">
+              <a:latin typeface="Microsoft JhengHei" panose="020B0604030504040204" pitchFamily="34" charset="-120"/>
+              <a:ea typeface="Microsoft JhengHei" panose="020B0604030504040204" pitchFamily="34" charset="-120"/>
+            </a:endParaRPr>
+          </a:p>
+        </p:txBody>
+      </p:sp>
+      <p:sp>
+        <p:nvSpPr>
+          <p:cNvPr id="4" name="日期占位符 3">
+            <a:extLst>
+              <a:ext uri="{FF2B5EF4-FFF2-40B4-BE49-F238E27FC236}">
+                <a16:creationId xmlns:a16="http://schemas.microsoft.com/office/drawing/2014/main" id="{E43EF31C-0A1B-944F-B49D-338671CB666B}"/>
+              </a:ext>
+            </a:extLst>
+          </p:cNvPr>
+          <p:cNvSpPr>
+            <a:spLocks noGrp="1"/>
+          </p:cNvSpPr>
+          <p:nvPr>
+            <p:ph type="dt" sz="half" idx="10"/>
+          </p:nvPr>
+        </p:nvSpPr>
+        <p:spPr/>
+        <p:txBody>
+          <a:bodyPr/>
+          <a:lstStyle/>
+          <a:p>
+            <a:r>
+              <a:rPr lang="en-US" altLang="zh-TW"/>
+              <a:t>Big Data Analytics, Fall 2020</a:t>
+            </a:r>
+            <a:endParaRPr lang="zh-TW" altLang="en-US"/>
+          </a:p>
+        </p:txBody>
+      </p:sp>
+      <p:sp>
+        <p:nvSpPr>
+          <p:cNvPr id="6" name="灯片编号占位符 5">
+            <a:extLst>
+              <a:ext uri="{FF2B5EF4-FFF2-40B4-BE49-F238E27FC236}">
+                <a16:creationId xmlns:a16="http://schemas.microsoft.com/office/drawing/2014/main" id="{F3F3CAF6-A3CC-7E44-ADFC-0B19DB4A2F4C}"/>
+              </a:ext>
+            </a:extLst>
+          </p:cNvPr>
+          <p:cNvSpPr>
+            <a:spLocks noGrp="1"/>
+          </p:cNvSpPr>
+          <p:nvPr>
+            <p:ph type="sldNum" sz="quarter" idx="12"/>
+          </p:nvPr>
+        </p:nvSpPr>
+        <p:spPr/>
+        <p:txBody>
+          <a:bodyPr/>
+          <a:lstStyle/>
+          <a:p>
+            <a:fld id="{BE8C9813-28B9-4DC9-9ABA-436951F7BB5A}" type="slidenum">
+              <a:rPr lang="zh-TW" altLang="en-US" smtClean="0"/>
+              <a:t>32</a:t>
+            </a:fld>
+            <a:endParaRPr lang="zh-TW" altLang="en-US"/>
+          </a:p>
+        </p:txBody>
+      </p:sp>
+      <p:sp>
+        <p:nvSpPr>
+          <p:cNvPr id="11" name="文字方塊 10">
+            <a:extLst>
+              <a:ext uri="{FF2B5EF4-FFF2-40B4-BE49-F238E27FC236}">
+                <a16:creationId xmlns:a16="http://schemas.microsoft.com/office/drawing/2014/main" id="{ED579AF1-F166-DB45-AEC5-0A2C8AB9A150}"/>
+              </a:ext>
+            </a:extLst>
+          </p:cNvPr>
+          <p:cNvSpPr txBox="1"/>
+          <p:nvPr/>
+        </p:nvSpPr>
+        <p:spPr>
+          <a:xfrm>
+            <a:off x="838200" y="1532219"/>
+            <a:ext cx="6641123" cy="2800767"/>
+          </a:xfrm>
+          <a:prstGeom prst="rect">
+            <a:avLst/>
+          </a:prstGeom>
+          <a:noFill/>
+        </p:spPr>
+        <p:txBody>
+          <a:bodyPr wrap="square" rtlCol="0">
+            <a:spAutoFit/>
+          </a:bodyPr>
+          <a:lstStyle/>
+          <a:p>
+            <a:r>
+              <a:rPr lang="en-GB" altLang="zh-TW" sz="1600" dirty="0" err="1">
+                <a:ea typeface="Microsoft JhengHei" panose="020B0604030504040204" pitchFamily="34" charset="-120"/>
+              </a:rPr>
+              <a:t>rfc</a:t>
+            </a:r>
+            <a:r>
+              <a:rPr lang="en-GB" altLang="zh-TW" sz="1600" dirty="0">
+                <a:ea typeface="Microsoft JhengHei" panose="020B0604030504040204" pitchFamily="34" charset="-120"/>
+              </a:rPr>
+              <a:t> = </a:t>
+            </a:r>
+            <a:r>
+              <a:rPr lang="en-GB" altLang="zh-TW" sz="1600" dirty="0" err="1">
+                <a:ea typeface="Microsoft JhengHei" panose="020B0604030504040204" pitchFamily="34" charset="-120"/>
+              </a:rPr>
+              <a:t>RandomForestClassifier</a:t>
+            </a:r>
+            <a:r>
+              <a:rPr lang="en-GB" altLang="zh-TW" sz="1600" dirty="0">
+                <a:ea typeface="Microsoft JhengHei" panose="020B0604030504040204" pitchFamily="34" charset="-120"/>
+              </a:rPr>
+              <a:t>(</a:t>
+            </a:r>
+            <a:r>
+              <a:rPr lang="en-GB" altLang="zh-TW" sz="1600" dirty="0" err="1">
+                <a:ea typeface="Microsoft JhengHei" panose="020B0604030504040204" pitchFamily="34" charset="-120"/>
+              </a:rPr>
+              <a:t>n_estimators</a:t>
+            </a:r>
+            <a:r>
+              <a:rPr lang="en-GB" altLang="zh-TW" sz="1600" dirty="0">
+                <a:ea typeface="Microsoft JhengHei" panose="020B0604030504040204" pitchFamily="34" charset="-120"/>
+              </a:rPr>
+              <a:t>=200, </a:t>
+            </a:r>
+            <a:r>
+              <a:rPr lang="en-GB" altLang="zh-TW" sz="1600" dirty="0" err="1">
+                <a:ea typeface="Microsoft JhengHei" panose="020B0604030504040204" pitchFamily="34" charset="-120"/>
+              </a:rPr>
+              <a:t>random_state</a:t>
+            </a:r>
+            <a:r>
+              <a:rPr lang="en-GB" altLang="zh-TW" sz="1600" dirty="0">
+                <a:ea typeface="Microsoft JhengHei" panose="020B0604030504040204" pitchFamily="34" charset="-120"/>
+              </a:rPr>
+              <a:t>=52)</a:t>
+            </a:r>
+          </a:p>
+          <a:p>
+            <a:r>
+              <a:rPr lang="en-GB" altLang="zh-TW" sz="1600" dirty="0" err="1">
+                <a:ea typeface="Microsoft JhengHei" panose="020B0604030504040204" pitchFamily="34" charset="-120"/>
+              </a:rPr>
+              <a:t>pred</a:t>
+            </a:r>
+            <a:r>
+              <a:rPr lang="en-GB" altLang="zh-TW" sz="1600" dirty="0">
+                <a:ea typeface="Microsoft JhengHei" panose="020B0604030504040204" pitchFamily="34" charset="-120"/>
+              </a:rPr>
+              <a:t> = </a:t>
+            </a:r>
+            <a:r>
+              <a:rPr lang="en-GB" altLang="zh-TW" sz="1600" dirty="0" err="1">
+                <a:ea typeface="Microsoft JhengHei" panose="020B0604030504040204" pitchFamily="34" charset="-120"/>
+              </a:rPr>
+              <a:t>rfc.fit</a:t>
+            </a:r>
+            <a:r>
+              <a:rPr lang="en-GB" altLang="zh-TW" sz="1600" dirty="0">
+                <a:ea typeface="Microsoft JhengHei" panose="020B0604030504040204" pitchFamily="34" charset="-120"/>
+              </a:rPr>
+              <a:t>(</a:t>
+            </a:r>
+            <a:r>
+              <a:rPr lang="en-GB" altLang="zh-TW" sz="1600" dirty="0" err="1">
+                <a:ea typeface="Microsoft JhengHei" panose="020B0604030504040204" pitchFamily="34" charset="-120"/>
+              </a:rPr>
+              <a:t>X_train</a:t>
+            </a:r>
+            <a:r>
+              <a:rPr lang="en-GB" altLang="zh-TW" sz="1600" dirty="0">
+                <a:ea typeface="Microsoft JhengHei" panose="020B0604030504040204" pitchFamily="34" charset="-120"/>
+              </a:rPr>
+              <a:t>, </a:t>
+            </a:r>
+            <a:r>
+              <a:rPr lang="en-GB" altLang="zh-TW" sz="1600" dirty="0" err="1">
+                <a:ea typeface="Microsoft JhengHei" panose="020B0604030504040204" pitchFamily="34" charset="-120"/>
+              </a:rPr>
+              <a:t>y_train</a:t>
+            </a:r>
+            <a:r>
+              <a:rPr lang="en-GB" altLang="zh-TW" sz="1600" dirty="0">
+                <a:ea typeface="Microsoft JhengHei" panose="020B0604030504040204" pitchFamily="34" charset="-120"/>
+              </a:rPr>
+              <a:t>).predict(</a:t>
+            </a:r>
+            <a:r>
+              <a:rPr lang="en-GB" altLang="zh-TW" sz="1600" dirty="0" err="1">
+                <a:ea typeface="Microsoft JhengHei" panose="020B0604030504040204" pitchFamily="34" charset="-120"/>
+              </a:rPr>
+              <a:t>X_test</a:t>
+            </a:r>
+            <a:r>
+              <a:rPr lang="en-GB" altLang="zh-TW" sz="1600" dirty="0">
+                <a:ea typeface="Microsoft JhengHei" panose="020B0604030504040204" pitchFamily="34" charset="-120"/>
+              </a:rPr>
+              <a:t>)</a:t>
+            </a:r>
+          </a:p>
+          <a:p>
+            <a:r>
+              <a:rPr lang="en-GB" altLang="zh-TW" sz="1600" dirty="0" err="1">
+                <a:ea typeface="Microsoft JhengHei" panose="020B0604030504040204" pitchFamily="34" charset="-120"/>
+              </a:rPr>
+              <a:t>dn</a:t>
+            </a:r>
+            <a:r>
+              <a:rPr lang="en-GB" altLang="zh-TW" sz="1600" dirty="0">
+                <a:ea typeface="Microsoft JhengHei" panose="020B0604030504040204" pitchFamily="34" charset="-120"/>
+              </a:rPr>
+              <a:t> = {'features':</a:t>
+            </a:r>
+            <a:r>
+              <a:rPr lang="en-GB" altLang="zh-TW" sz="1600" dirty="0" err="1">
+                <a:ea typeface="Microsoft JhengHei" panose="020B0604030504040204" pitchFamily="34" charset="-120"/>
+              </a:rPr>
+              <a:t>X.columns</a:t>
+            </a:r>
+            <a:r>
+              <a:rPr lang="en-GB" altLang="zh-TW" sz="1600" dirty="0">
+                <a:ea typeface="Microsoft JhengHei" panose="020B0604030504040204" pitchFamily="34" charset="-120"/>
+              </a:rPr>
+              <a:t>, 'score':</a:t>
+            </a:r>
+            <a:r>
+              <a:rPr lang="en-GB" altLang="zh-TW" sz="1600" dirty="0" err="1">
+                <a:ea typeface="Microsoft JhengHei" panose="020B0604030504040204" pitchFamily="34" charset="-120"/>
+              </a:rPr>
+              <a:t>rfc.feature_importances</a:t>
+            </a:r>
+            <a:r>
+              <a:rPr lang="en-GB" altLang="zh-TW" sz="1600" dirty="0">
+                <a:ea typeface="Microsoft JhengHei" panose="020B0604030504040204" pitchFamily="34" charset="-120"/>
+              </a:rPr>
+              <a:t>_}</a:t>
+            </a:r>
+          </a:p>
+          <a:p>
+            <a:r>
+              <a:rPr lang="en-GB" altLang="zh-TW" sz="1600" dirty="0">
+                <a:ea typeface="Microsoft JhengHei" panose="020B0604030504040204" pitchFamily="34" charset="-120"/>
+              </a:rPr>
+              <a:t>df = </a:t>
+            </a:r>
+            <a:r>
+              <a:rPr lang="en-GB" altLang="zh-TW" sz="1600" dirty="0" err="1">
+                <a:ea typeface="Microsoft JhengHei" panose="020B0604030504040204" pitchFamily="34" charset="-120"/>
+              </a:rPr>
+              <a:t>pd.DataFrame.from_dict</a:t>
+            </a:r>
+            <a:r>
+              <a:rPr lang="en-GB" altLang="zh-TW" sz="1600" dirty="0">
+                <a:ea typeface="Microsoft JhengHei" panose="020B0604030504040204" pitchFamily="34" charset="-120"/>
+              </a:rPr>
+              <a:t>(data=</a:t>
+            </a:r>
+            <a:r>
+              <a:rPr lang="en-GB" altLang="zh-TW" sz="1600" dirty="0" err="1">
+                <a:ea typeface="Microsoft JhengHei" panose="020B0604030504040204" pitchFamily="34" charset="-120"/>
+              </a:rPr>
+              <a:t>dn</a:t>
+            </a:r>
+            <a:r>
+              <a:rPr lang="en-GB" altLang="zh-TW" sz="1600" dirty="0">
+                <a:ea typeface="Microsoft JhengHei" panose="020B0604030504040204" pitchFamily="34" charset="-120"/>
+              </a:rPr>
+              <a:t>).</a:t>
+            </a:r>
+            <a:r>
+              <a:rPr lang="en-GB" altLang="zh-TW" sz="1600" dirty="0" err="1">
+                <a:ea typeface="Microsoft JhengHei" panose="020B0604030504040204" pitchFamily="34" charset="-120"/>
+              </a:rPr>
+              <a:t>sort_values</a:t>
+            </a:r>
+            <a:r>
+              <a:rPr lang="en-GB" altLang="zh-TW" sz="1600" dirty="0">
+                <a:ea typeface="Microsoft JhengHei" panose="020B0604030504040204" pitchFamily="34" charset="-120"/>
+              </a:rPr>
+              <a:t>(by='score', ascending=False)</a:t>
+            </a:r>
+          </a:p>
+          <a:p>
+            <a:r>
+              <a:rPr lang="en-GB" altLang="zh-TW" sz="1600" dirty="0">
+                <a:ea typeface="Microsoft JhengHei" panose="020B0604030504040204" pitchFamily="34" charset="-120"/>
+              </a:rPr>
+              <a:t>plot = </a:t>
+            </a:r>
+            <a:r>
+              <a:rPr lang="en-GB" altLang="zh-TW" sz="1600" dirty="0" err="1">
+                <a:ea typeface="Microsoft JhengHei" panose="020B0604030504040204" pitchFamily="34" charset="-120"/>
+              </a:rPr>
+              <a:t>sns.barplot</a:t>
+            </a:r>
+            <a:r>
+              <a:rPr lang="en-GB" altLang="zh-TW" sz="1600" dirty="0">
+                <a:ea typeface="Microsoft JhengHei" panose="020B0604030504040204" pitchFamily="34" charset="-120"/>
+              </a:rPr>
+              <a:t>(x='score', y='features', data=df, orient='h')</a:t>
+            </a:r>
+          </a:p>
+          <a:p>
+            <a:r>
+              <a:rPr lang="en-GB" altLang="zh-TW" sz="1600" dirty="0" err="1">
+                <a:ea typeface="Microsoft JhengHei" panose="020B0604030504040204" pitchFamily="34" charset="-120"/>
+              </a:rPr>
+              <a:t>plot.set</a:t>
+            </a:r>
+            <a:r>
+              <a:rPr lang="en-GB" altLang="zh-TW" sz="1600" dirty="0">
+                <a:ea typeface="Microsoft JhengHei" panose="020B0604030504040204" pitchFamily="34" charset="-120"/>
+              </a:rPr>
+              <a:t>(</a:t>
+            </a:r>
+            <a:r>
+              <a:rPr lang="en-GB" altLang="zh-TW" sz="1600" dirty="0" err="1">
+                <a:ea typeface="Microsoft JhengHei" panose="020B0604030504040204" pitchFamily="34" charset="-120"/>
+              </a:rPr>
+              <a:t>xlabel</a:t>
+            </a:r>
+            <a:r>
+              <a:rPr lang="en-GB" altLang="zh-TW" sz="1600" dirty="0">
+                <a:ea typeface="Microsoft JhengHei" panose="020B0604030504040204" pitchFamily="34" charset="-120"/>
+              </a:rPr>
+              <a:t>='Score', </a:t>
+            </a:r>
+            <a:r>
+              <a:rPr lang="en-GB" altLang="zh-TW" sz="1600" dirty="0" err="1">
+                <a:ea typeface="Microsoft JhengHei" panose="020B0604030504040204" pitchFamily="34" charset="-120"/>
+              </a:rPr>
+              <a:t>ylabel</a:t>
+            </a:r>
+            <a:r>
+              <a:rPr lang="en-GB" altLang="zh-TW" sz="1600" dirty="0">
+                <a:ea typeface="Microsoft JhengHei" panose="020B0604030504040204" pitchFamily="34" charset="-120"/>
+              </a:rPr>
+              <a:t>='Features', </a:t>
+            </a:r>
+          </a:p>
+          <a:p>
+            <a:r>
+              <a:rPr lang="en-GB" altLang="zh-TW" sz="1600" dirty="0">
+                <a:ea typeface="Microsoft JhengHei" panose="020B0604030504040204" pitchFamily="34" charset="-120"/>
+              </a:rPr>
+              <a:t>         title='Feature Importance of Random Forest Classifier')</a:t>
+            </a:r>
+          </a:p>
+          <a:p>
+            <a:r>
+              <a:rPr lang="en-GB" altLang="zh-TW" sz="1600" dirty="0" err="1">
+                <a:ea typeface="Microsoft JhengHei" panose="020B0604030504040204" pitchFamily="34" charset="-120"/>
+              </a:rPr>
+              <a:t>plt.rcParams</a:t>
+            </a:r>
+            <a:r>
+              <a:rPr lang="en-GB" altLang="zh-TW" sz="1600" dirty="0">
+                <a:ea typeface="Microsoft JhengHei" panose="020B0604030504040204" pitchFamily="34" charset="-120"/>
+              </a:rPr>
+              <a:t>['</a:t>
+            </a:r>
+            <a:r>
+              <a:rPr lang="en-GB" altLang="zh-TW" sz="1600" dirty="0" err="1">
+                <a:ea typeface="Microsoft JhengHei" panose="020B0604030504040204" pitchFamily="34" charset="-120"/>
+              </a:rPr>
+              <a:t>figure.figsize</a:t>
+            </a:r>
+            <a:r>
+              <a:rPr lang="en-GB" altLang="zh-TW" sz="1600" dirty="0">
+                <a:ea typeface="Microsoft JhengHei" panose="020B0604030504040204" pitchFamily="34" charset="-120"/>
+              </a:rPr>
+              <a:t>']=(20,20)</a:t>
+            </a:r>
+          </a:p>
+          <a:p>
+            <a:r>
+              <a:rPr lang="en-GB" altLang="zh-TW" sz="1600" dirty="0" err="1">
+                <a:ea typeface="Microsoft JhengHei" panose="020B0604030504040204" pitchFamily="34" charset="-120"/>
+              </a:rPr>
+              <a:t>plt.setp</a:t>
+            </a:r>
+            <a:r>
+              <a:rPr lang="en-GB" altLang="zh-TW" sz="1600" dirty="0">
+                <a:ea typeface="Microsoft JhengHei" panose="020B0604030504040204" pitchFamily="34" charset="-120"/>
+              </a:rPr>
+              <a:t>(</a:t>
+            </a:r>
+            <a:r>
+              <a:rPr lang="en-GB" altLang="zh-TW" sz="1600" dirty="0" err="1">
+                <a:ea typeface="Microsoft JhengHei" panose="020B0604030504040204" pitchFamily="34" charset="-120"/>
+              </a:rPr>
+              <a:t>plot.get_xticklabels</a:t>
+            </a:r>
+            <a:r>
+              <a:rPr lang="en-GB" altLang="zh-TW" sz="1600" dirty="0">
+                <a:ea typeface="Microsoft JhengHei" panose="020B0604030504040204" pitchFamily="34" charset="-120"/>
+              </a:rPr>
+              <a:t>(), rotation=90)</a:t>
+            </a:r>
+          </a:p>
+          <a:p>
+            <a:r>
+              <a:rPr lang="en-GB" altLang="zh-TW" sz="1600" dirty="0" err="1">
+                <a:ea typeface="Microsoft JhengHei" panose="020B0604030504040204" pitchFamily="34" charset="-120"/>
+              </a:rPr>
+              <a:t>plt.show</a:t>
+            </a:r>
+            <a:r>
+              <a:rPr lang="en-GB" altLang="zh-TW" sz="1600" dirty="0">
+                <a:ea typeface="Microsoft JhengHei" panose="020B0604030504040204" pitchFamily="34" charset="-120"/>
+              </a:rPr>
+              <a:t>()</a:t>
+            </a:r>
+            <a:endParaRPr kumimoji="1" lang="zh-TW" altLang="en-US" sz="1400" dirty="0">
+              <a:ea typeface="Microsoft JhengHei" panose="020B0604030504040204" pitchFamily="34" charset="-120"/>
+            </a:endParaRPr>
+          </a:p>
+        </p:txBody>
+      </p:sp>
+      <p:sp>
+        <p:nvSpPr>
+          <p:cNvPr id="3" name="矩形 2">
+            <a:extLst>
+              <a:ext uri="{FF2B5EF4-FFF2-40B4-BE49-F238E27FC236}">
+                <a16:creationId xmlns:a16="http://schemas.microsoft.com/office/drawing/2014/main" id="{AC62AC46-26F8-6A46-9045-5E7E30ED85A6}"/>
+              </a:ext>
+            </a:extLst>
+          </p:cNvPr>
+          <p:cNvSpPr/>
+          <p:nvPr/>
+        </p:nvSpPr>
+        <p:spPr>
+          <a:xfrm>
+            <a:off x="3048000" y="3105835"/>
+            <a:ext cx="6096000" cy="646331"/>
+          </a:xfrm>
+          <a:prstGeom prst="rect">
+            <a:avLst/>
+          </a:prstGeom>
+        </p:spPr>
+        <p:txBody>
+          <a:bodyPr>
+            <a:spAutoFit/>
+          </a:bodyPr>
+          <a:lstStyle/>
+          <a:p>
+            <a:br>
+              <a:rPr lang="zh-TW" altLang="en-US" dirty="0"/>
+            </a:br>
+            <a:endParaRPr lang="zh-TW" altLang="en-US" dirty="0"/>
+          </a:p>
+        </p:txBody>
+      </p:sp>
+      <p:pic>
+        <p:nvPicPr>
+          <p:cNvPr id="3074" name="Picture 2">
+            <a:extLst>
+              <a:ext uri="{FF2B5EF4-FFF2-40B4-BE49-F238E27FC236}">
+                <a16:creationId xmlns:a16="http://schemas.microsoft.com/office/drawing/2014/main" id="{31196C0C-56C0-0C4F-ACF4-C52E56FE3714}"/>
+              </a:ext>
+            </a:extLst>
+          </p:cNvPr>
+          <p:cNvPicPr>
+            <a:picLocks noChangeAspect="1" noChangeArrowheads="1"/>
+          </p:cNvPicPr>
+          <p:nvPr/>
+        </p:nvPicPr>
+        <p:blipFill>
+          <a:blip r:embed="rId2">
+            <a:extLst>
+              <a:ext uri="{28A0092B-C50C-407E-A947-70E740481C1C}">
+                <a14:useLocalDpi xmlns:a14="http://schemas.microsoft.com/office/drawing/2010/main" val="0"/>
+              </a:ext>
+            </a:extLst>
+          </a:blip>
+          <a:srcRect/>
+          <a:stretch>
+            <a:fillRect/>
+          </a:stretch>
+        </p:blipFill>
+        <p:spPr bwMode="auto">
+          <a:xfrm>
+            <a:off x="2016369" y="0"/>
+            <a:ext cx="8192844" cy="6828687"/>
+          </a:xfrm>
+          <a:prstGeom prst="rect">
+            <a:avLst/>
+          </a:prstGeom>
+          <a:noFill/>
+          <a:extLst>
+            <a:ext uri="{909E8E84-426E-40DD-AFC4-6F175D3DCCD1}">
+              <a14:hiddenFill xmlns:a14="http://schemas.microsoft.com/office/drawing/2010/main">
+                <a:solidFill>
+                  <a:srgbClr val="FFFFFF"/>
+                </a:solidFill>
+              </a14:hiddenFill>
+            </a:ext>
+          </a:extLst>
+        </p:spPr>
+      </p:pic>
+      <p:sp>
+        <p:nvSpPr>
+          <p:cNvPr id="5" name="文字方塊 4">
+            <a:extLst>
+              <a:ext uri="{FF2B5EF4-FFF2-40B4-BE49-F238E27FC236}">
+                <a16:creationId xmlns:a16="http://schemas.microsoft.com/office/drawing/2014/main" id="{9C56B9E3-182D-B042-A79F-AFBBA842AE53}"/>
+              </a:ext>
+            </a:extLst>
+          </p:cNvPr>
+          <p:cNvSpPr txBox="1"/>
+          <p:nvPr/>
+        </p:nvSpPr>
+        <p:spPr>
+          <a:xfrm>
+            <a:off x="5770685" y="5563467"/>
+            <a:ext cx="9396046" cy="584775"/>
+          </a:xfrm>
+          <a:prstGeom prst="rect">
+            <a:avLst/>
+          </a:prstGeom>
+          <a:noFill/>
+        </p:spPr>
+        <p:txBody>
+          <a:bodyPr wrap="square" rtlCol="0">
+            <a:spAutoFit/>
+          </a:bodyPr>
+          <a:lstStyle/>
+          <a:p>
+            <a:r>
+              <a:rPr lang="zh-TW" altLang="en-US" sz="3200" b="1" dirty="0">
+                <a:latin typeface="Microsoft JhengHei" panose="020B0604030504040204" pitchFamily="34" charset="-120"/>
+                <a:ea typeface="Microsoft JhengHei" panose="020B0604030504040204" pitchFamily="34" charset="-120"/>
+              </a:rPr>
+              <a:t>訪問過的資源是最重要的特徵</a:t>
+            </a:r>
+            <a:endParaRPr lang="zh-TW" altLang="zh-TW" sz="3200" b="1" dirty="0">
+              <a:latin typeface="Microsoft JhengHei" panose="020B0604030504040204" pitchFamily="34" charset="-120"/>
+              <a:ea typeface="Microsoft JhengHei" panose="020B0604030504040204" pitchFamily="34" charset="-120"/>
+            </a:endParaRPr>
+          </a:p>
+        </p:txBody>
+      </p:sp>
+    </p:spTree>
+    <p:extLst>
+      <p:ext uri="{BB962C8B-B14F-4D97-AF65-F5344CB8AC3E}">
+        <p14:creationId xmlns:p14="http://schemas.microsoft.com/office/powerpoint/2010/main" val="3232572680"/>
+      </p:ext>
+    </p:extLst>
+  </p:cSld>
+  <p:clrMapOvr>
+    <a:masterClrMapping/>
+  </p:clrMapOvr>
+  <p:timing>
+    <p:tnLst>
+      <p:par>
+        <p:cTn id="1" dur="indefinite" restart="never" nodeType="tmRoot">
+          <p:childTnLst>
+            <p:seq concurrent="1" nextAc="seek">
+              <p:cTn id="2" dur="indefinite" nodeType="mainSeq">
+                <p:childTnLst>
+                  <p:par>
+                    <p:cTn id="3" fill="hold">
+                      <p:stCondLst>
+                        <p:cond delay="indefinite"/>
+                      </p:stCondLst>
+                      <p:childTnLst>
+                        <p:par>
+                          <p:cTn id="4" fill="hold">
+                            <p:stCondLst>
+                              <p:cond delay="0"/>
+                            </p:stCondLst>
+                            <p:childTnLst>
+                              <p:par>
+                                <p:cTn id="5" presetID="5" presetClass="entr" presetSubtype="10" fill="hold" nodeType="clickEffect">
+                                  <p:stCondLst>
+                                    <p:cond delay="0"/>
+                                  </p:stCondLst>
+                                  <p:childTnLst>
+                                    <p:set>
+                                      <p:cBhvr>
+                                        <p:cTn id="6" dur="1" fill="hold">
+                                          <p:stCondLst>
+                                            <p:cond delay="0"/>
+                                          </p:stCondLst>
+                                        </p:cTn>
+                                        <p:tgtEl>
+                                          <p:spTgt spid="3074"/>
+                                        </p:tgtEl>
+                                        <p:attrNameLst>
+                                          <p:attrName>style.visibility</p:attrName>
+                                        </p:attrNameLst>
+                                      </p:cBhvr>
+                                      <p:to>
+                                        <p:strVal val="visible"/>
+                                      </p:to>
+                                    </p:set>
+                                    <p:animEffect transition="in" filter="checkerboard(across)">
+                                      <p:cBhvr>
+                                        <p:cTn id="7" dur="500"/>
+                                        <p:tgtEl>
+                                          <p:spTgt spid="3074"/>
+                                        </p:tgtEl>
+                                      </p:cBhvr>
+                                    </p:animEffect>
+                                  </p:childTnLst>
+                                </p:cTn>
+                              </p:par>
+                            </p:childTnLst>
+                          </p:cTn>
+                        </p:par>
+                      </p:childTnLst>
+                    </p:cTn>
+                  </p:par>
+                  <p:par>
+                    <p:cTn id="8" fill="hold">
+                      <p:stCondLst>
+                        <p:cond delay="indefinite"/>
+                      </p:stCondLst>
+                      <p:childTnLst>
+                        <p:par>
+                          <p:cTn id="9" fill="hold">
+                            <p:stCondLst>
+                              <p:cond delay="0"/>
+                            </p:stCondLst>
+                            <p:childTnLst>
+                              <p:par>
+                                <p:cTn id="10" presetID="2" presetClass="entr" presetSubtype="4" fill="hold" nodeType="clickEffect">
+                                  <p:stCondLst>
+                                    <p:cond delay="0"/>
+                                  </p:stCondLst>
+                                  <p:childTnLst>
+                                    <p:set>
+                                      <p:cBhvr>
+                                        <p:cTn id="11" dur="1" fill="hold">
+                                          <p:stCondLst>
+                                            <p:cond delay="0"/>
+                                          </p:stCondLst>
+                                        </p:cTn>
+                                        <p:tgtEl>
+                                          <p:spTgt spid="5">
+                                            <p:txEl>
+                                              <p:pRg st="0" end="0"/>
+                                            </p:txEl>
+                                          </p:spTgt>
+                                        </p:tgtEl>
+                                        <p:attrNameLst>
+                                          <p:attrName>style.visibility</p:attrName>
+                                        </p:attrNameLst>
+                                      </p:cBhvr>
+                                      <p:to>
+                                        <p:strVal val="visible"/>
+                                      </p:to>
+                                    </p:set>
+                                    <p:anim calcmode="lin" valueType="num">
+                                      <p:cBhvr additive="base">
+                                        <p:cTn id="12" dur="500" fill="hold"/>
+                                        <p:tgtEl>
+                                          <p:spTgt spid="5">
+                                            <p:txEl>
+                                              <p:pRg st="0" end="0"/>
+                                            </p:txEl>
+                                          </p:spTgt>
+                                        </p:tgtEl>
+                                        <p:attrNameLst>
+                                          <p:attrName>ppt_x</p:attrName>
+                                        </p:attrNameLst>
+                                      </p:cBhvr>
+                                      <p:tavLst>
+                                        <p:tav tm="0">
+                                          <p:val>
+                                            <p:strVal val="#ppt_x"/>
+                                          </p:val>
+                                        </p:tav>
+                                        <p:tav tm="100000">
+                                          <p:val>
+                                            <p:strVal val="#ppt_x"/>
+                                          </p:val>
+                                        </p:tav>
+                                      </p:tavLst>
+                                    </p:anim>
+                                    <p:anim calcmode="lin" valueType="num">
+                                      <p:cBhvr additive="base">
+                                        <p:cTn id="13" dur="500" fill="hold"/>
+                                        <p:tgtEl>
+                                          <p:spTgt spid="5">
+                                            <p:txEl>
+                                              <p:pRg st="0" end="0"/>
+                                            </p:txEl>
+                                          </p:spTgt>
+                                        </p:tgtEl>
+                                        <p:attrNameLst>
+                                          <p:attrName>ppt_y</p:attrName>
+                                        </p:attrNameLst>
+                                      </p:cBhvr>
+                                      <p:tavLst>
+                                        <p:tav tm="0">
+                                          <p:val>
+                                            <p:strVal val="1+#ppt_h/2"/>
+                                          </p:val>
+                                        </p:tav>
+                                        <p:tav tm="100000">
+                                          <p:val>
+                                            <p:strVal val="#ppt_y"/>
+                                          </p:val>
+                                        </p:tav>
+                                      </p:tavLst>
+                                    </p:anim>
+                                  </p:childTnLst>
+                                </p:cTn>
+                              </p:par>
+                            </p:childTnLst>
+                          </p:cTn>
+                        </p:par>
+                      </p:childTnLst>
+                    </p:cTn>
+                  </p:par>
+                </p:childTnLst>
+              </p:cTn>
+              <p:prevCondLst>
+                <p:cond evt="onPrev" delay="0">
+                  <p:tgtEl>
+                    <p:sldTgt/>
+                  </p:tgtEl>
+                </p:cond>
+              </p:prevCondLst>
+              <p:nextCondLst>
+                <p:cond evt="onNext" delay="0">
+                  <p:tgtEl>
+                    <p:sldTgt/>
+                  </p:tgtEl>
+                </p:cond>
+              </p:nextCondLst>
+            </p:seq>
+          </p:childTnLst>
+        </p:cTn>
+      </p:par>
+    </p:tnLst>
+  </p:timing>
+</p:sld>
+</file>
+
+<file path=ppt/slides/slide33.xml><?xml version="1.0" encoding="utf-8"?>
+<p:sld xmlns:a="http://schemas.openxmlformats.org/drawingml/2006/main" xmlns:r="http://schemas.openxmlformats.org/officeDocument/2006/relationships" xmlns:p="http://schemas.openxmlformats.org/presentationml/2006/main">
+  <p:cSld>
+    <p:spTree>
+      <p:nvGrpSpPr>
+        <p:cNvPr id="1" name=""/>
+        <p:cNvGrpSpPr/>
+        <p:nvPr/>
+      </p:nvGrpSpPr>
+      <p:grpSpPr>
+        <a:xfrm>
+          <a:off x="0" y="0"/>
+          <a:ext cx="0" cy="0"/>
+          <a:chOff x="0" y="0"/>
+          <a:chExt cx="0" cy="0"/>
+        </a:xfrm>
+      </p:grpSpPr>
+      <p:sp>
+        <p:nvSpPr>
+          <p:cNvPr id="2" name="标题 1">
+            <a:extLst>
+              <a:ext uri="{FF2B5EF4-FFF2-40B4-BE49-F238E27FC236}">
+                <a16:creationId xmlns:a16="http://schemas.microsoft.com/office/drawing/2014/main" id="{E289ABD6-E34B-C040-A629-676B10D0E8DE}"/>
+              </a:ext>
+            </a:extLst>
+          </p:cNvPr>
+          <p:cNvSpPr>
+            <a:spLocks noGrp="1"/>
+          </p:cNvSpPr>
+          <p:nvPr>
+            <p:ph type="title"/>
+          </p:nvPr>
+        </p:nvSpPr>
+        <p:spPr/>
+        <p:txBody>
+          <a:bodyPr/>
+          <a:lstStyle/>
+          <a:p>
+            <a:r>
+              <a:rPr kumimoji="1" lang="zh-CN" altLang="en-US" b="1" dirty="0">
+                <a:latin typeface="Microsoft JhengHei" panose="020B0604030504040204" pitchFamily="34" charset="-120"/>
+                <a:ea typeface="Microsoft JhengHei" panose="020B0604030504040204" pitchFamily="34" charset="-120"/>
+              </a:rPr>
+              <a:t>結論</a:t>
+            </a:r>
+          </a:p>
+        </p:txBody>
+      </p:sp>
+      <p:sp>
+        <p:nvSpPr>
+          <p:cNvPr id="4" name="日期占位符 3">
+            <a:extLst>
+              <a:ext uri="{FF2B5EF4-FFF2-40B4-BE49-F238E27FC236}">
+                <a16:creationId xmlns:a16="http://schemas.microsoft.com/office/drawing/2014/main" id="{E43EF31C-0A1B-944F-B49D-338671CB666B}"/>
+              </a:ext>
+            </a:extLst>
+          </p:cNvPr>
+          <p:cNvSpPr>
+            <a:spLocks noGrp="1"/>
+          </p:cNvSpPr>
+          <p:nvPr>
+            <p:ph type="dt" sz="half" idx="10"/>
+          </p:nvPr>
+        </p:nvSpPr>
+        <p:spPr/>
+        <p:txBody>
+          <a:bodyPr/>
+          <a:lstStyle/>
+          <a:p>
+            <a:r>
+              <a:rPr lang="en-US" altLang="zh-TW"/>
+              <a:t>Big Data Analytics, Fall 2020</a:t>
+            </a:r>
+            <a:endParaRPr lang="zh-TW" altLang="en-US"/>
+          </a:p>
+        </p:txBody>
+      </p:sp>
+      <p:sp>
+        <p:nvSpPr>
+          <p:cNvPr id="6" name="灯片编号占位符 5">
+            <a:extLst>
+              <a:ext uri="{FF2B5EF4-FFF2-40B4-BE49-F238E27FC236}">
+                <a16:creationId xmlns:a16="http://schemas.microsoft.com/office/drawing/2014/main" id="{F3F3CAF6-A3CC-7E44-ADFC-0B19DB4A2F4C}"/>
+              </a:ext>
+            </a:extLst>
+          </p:cNvPr>
+          <p:cNvSpPr>
+            <a:spLocks noGrp="1"/>
+          </p:cNvSpPr>
+          <p:nvPr>
+            <p:ph type="sldNum" sz="quarter" idx="12"/>
+          </p:nvPr>
+        </p:nvSpPr>
+        <p:spPr/>
+        <p:txBody>
+          <a:bodyPr/>
+          <a:lstStyle/>
+          <a:p>
+            <a:fld id="{BE8C9813-28B9-4DC9-9ABA-436951F7BB5A}" type="slidenum">
+              <a:rPr lang="zh-TW" altLang="en-US" smtClean="0"/>
+              <a:t>33</a:t>
+            </a:fld>
+            <a:endParaRPr lang="zh-TW" altLang="en-US"/>
+          </a:p>
+        </p:txBody>
+      </p:sp>
+      <p:sp>
+        <p:nvSpPr>
+          <p:cNvPr id="11" name="文字方塊 10">
+            <a:extLst>
+              <a:ext uri="{FF2B5EF4-FFF2-40B4-BE49-F238E27FC236}">
+                <a16:creationId xmlns:a16="http://schemas.microsoft.com/office/drawing/2014/main" id="{ED579AF1-F166-DB45-AEC5-0A2C8AB9A150}"/>
+              </a:ext>
+            </a:extLst>
+          </p:cNvPr>
+          <p:cNvSpPr txBox="1"/>
+          <p:nvPr/>
+        </p:nvSpPr>
+        <p:spPr>
+          <a:xfrm>
+            <a:off x="838200" y="1708065"/>
+            <a:ext cx="10515600" cy="1384995"/>
+          </a:xfrm>
+          <a:prstGeom prst="rect">
+            <a:avLst/>
+          </a:prstGeom>
+          <a:noFill/>
+        </p:spPr>
+        <p:txBody>
+          <a:bodyPr wrap="square" rtlCol="0">
+            <a:spAutoFit/>
+          </a:bodyPr>
+          <a:lstStyle/>
+          <a:p>
+            <a:r>
+              <a:rPr lang="zh-TW" altLang="zh-TW" sz="2800" dirty="0">
+                <a:latin typeface="Microsoft JhengHei" panose="020B0604030504040204" pitchFamily="34" charset="-120"/>
+                <a:ea typeface="Microsoft JhengHei" panose="020B0604030504040204" pitchFamily="34" charset="-120"/>
+              </a:rPr>
+              <a:t>從我們的得出的結果來看，訪問課程內容的次數、缺席天數、在課上有舉手的次數、檢查新公告的次數、是否參加討論、性別、監護人、學期確確實實是影響學生學業成績的因素。</a:t>
+            </a:r>
+          </a:p>
+        </p:txBody>
+      </p:sp>
+    </p:spTree>
+    <p:extLst>
+      <p:ext uri="{BB962C8B-B14F-4D97-AF65-F5344CB8AC3E}">
+        <p14:creationId xmlns:p14="http://schemas.microsoft.com/office/powerpoint/2010/main" val="2445072638"/>
+      </p:ext>
+    </p:extLst>
+  </p:cSld>
+  <p:clrMapOvr>
+    <a:masterClrMapping/>
+  </p:clrMapOvr>
+</p:sld>
+</file>
+
+<file path=ppt/slides/slide34.xml><?xml version="1.0" encoding="utf-8"?>
+<p:sld xmlns:a="http://schemas.openxmlformats.org/drawingml/2006/main" xmlns:r="http://schemas.openxmlformats.org/officeDocument/2006/relationships" xmlns:p="http://schemas.openxmlformats.org/presentationml/2006/main">
+  <p:cSld>
+    <p:spTree>
+      <p:nvGrpSpPr>
+        <p:cNvPr id="1" name=""/>
+        <p:cNvGrpSpPr/>
+        <p:nvPr/>
+      </p:nvGrpSpPr>
+      <p:grpSpPr>
+        <a:xfrm>
+          <a:off x="0" y="0"/>
+          <a:ext cx="0" cy="0"/>
+          <a:chOff x="0" y="0"/>
+          <a:chExt cx="0" cy="0"/>
+        </a:xfrm>
+      </p:grpSpPr>
+      <p:sp>
+        <p:nvSpPr>
           <p:cNvPr id="2" name="標題 1">
             <a:extLst>
               <a:ext uri="{FF2B5EF4-FFF2-40B4-BE49-F238E27FC236}">
@@ -14591,7 +14830,7 @@
           <a:p>
             <a:fld id="{BE8C9813-28B9-4DC9-9ABA-436951F7BB5A}" type="slidenum">
               <a:rPr lang="zh-TW" altLang="en-US" smtClean="0"/>
-              <a:t>32</a:t>
+              <a:t>34</a:t>
             </a:fld>
             <a:endParaRPr lang="zh-TW" altLang="en-US"/>
           </a:p>
@@ -15688,29 +15927,10 @@
           <a:p>
             <a:r>
               <a:rPr kumimoji="1" lang="zh-CN" altLang="en-US" dirty="0">
-                <a:solidFill>
-                  <a:srgbClr val="FF0000"/>
-                </a:solidFill>
                 <a:latin typeface="Microsoft JhengHei" panose="020B0604030504040204" pitchFamily="34" charset="-120"/>
                 <a:ea typeface="Microsoft JhengHei" panose="020B0604030504040204" pitchFamily="34" charset="-120"/>
               </a:rPr>
               <a:t>性別</a:t>
-            </a:r>
-            <a:endParaRPr kumimoji="1" lang="en-US" altLang="zh-CN" dirty="0">
-              <a:solidFill>
-                <a:srgbClr val="FF0000"/>
-              </a:solidFill>
-              <a:latin typeface="Microsoft JhengHei" panose="020B0604030504040204" pitchFamily="34" charset="-120"/>
-              <a:ea typeface="Microsoft JhengHei" panose="020B0604030504040204" pitchFamily="34" charset="-120"/>
-            </a:endParaRPr>
-          </a:p>
-          <a:p>
-            <a:r>
-              <a:rPr kumimoji="1" lang="zh-CN" altLang="en-US" dirty="0">
-                <a:latin typeface="Microsoft JhengHei" panose="020B0604030504040204" pitchFamily="34" charset="-120"/>
-                <a:ea typeface="Microsoft JhengHei" panose="020B0604030504040204" pitchFamily="34" charset="-120"/>
-              </a:rPr>
-              <a:t>國籍</a:t>
             </a:r>
             <a:endParaRPr kumimoji="1" lang="en-US" altLang="zh-CN" dirty="0">
               <a:latin typeface="Microsoft JhengHei" panose="020B0604030504040204" pitchFamily="34" charset="-120"/>
@@ -15723,7 +15943,7 @@
                 <a:latin typeface="Microsoft JhengHei" panose="020B0604030504040204" pitchFamily="34" charset="-120"/>
                 <a:ea typeface="Microsoft JhengHei" panose="020B0604030504040204" pitchFamily="34" charset="-120"/>
               </a:rPr>
-              <a:t>學生所屬教育年級</a:t>
+              <a:t>國籍</a:t>
             </a:r>
             <a:endParaRPr kumimoji="1" lang="en-US" altLang="zh-CN" dirty="0">
               <a:latin typeface="Microsoft JhengHei" panose="020B0604030504040204" pitchFamily="34" charset="-120"/>
@@ -15736,7 +15956,7 @@
                 <a:latin typeface="Microsoft JhengHei" panose="020B0604030504040204" pitchFamily="34" charset="-120"/>
                 <a:ea typeface="Microsoft JhengHei" panose="020B0604030504040204" pitchFamily="34" charset="-120"/>
               </a:rPr>
-              <a:t>學生所屬教室</a:t>
+              <a:t>學生所屬教育年級</a:t>
             </a:r>
             <a:endParaRPr kumimoji="1" lang="en-US" altLang="zh-CN" dirty="0">
               <a:latin typeface="Microsoft JhengHei" panose="020B0604030504040204" pitchFamily="34" charset="-120"/>
@@ -15749,7 +15969,7 @@
                 <a:latin typeface="Microsoft JhengHei" panose="020B0604030504040204" pitchFamily="34" charset="-120"/>
                 <a:ea typeface="Microsoft JhengHei" panose="020B0604030504040204" pitchFamily="34" charset="-120"/>
               </a:rPr>
-              <a:t>學生所選課程</a:t>
+              <a:t>學生所屬教室</a:t>
             </a:r>
             <a:endParaRPr kumimoji="1" lang="en-US" altLang="zh-CN" dirty="0">
               <a:latin typeface="Microsoft JhengHei" panose="020B0604030504040204" pitchFamily="34" charset="-120"/>
@@ -15759,29 +15979,10 @@
           <a:p>
             <a:r>
               <a:rPr kumimoji="1" lang="zh-CN" altLang="en-US" dirty="0">
-                <a:solidFill>
-                  <a:srgbClr val="FF0000"/>
-                </a:solidFill>
                 <a:latin typeface="Microsoft JhengHei" panose="020B0604030504040204" pitchFamily="34" charset="-120"/>
                 <a:ea typeface="Microsoft JhengHei" panose="020B0604030504040204" pitchFamily="34" charset="-120"/>
               </a:rPr>
-              <a:t>不同學年學生間成績</a:t>
-            </a:r>
-            <a:endParaRPr kumimoji="1" lang="en-US" altLang="zh-CN" dirty="0">
-              <a:solidFill>
-                <a:srgbClr val="FF0000"/>
-              </a:solidFill>
-              <a:latin typeface="Microsoft JhengHei" panose="020B0604030504040204" pitchFamily="34" charset="-120"/>
-              <a:ea typeface="Microsoft JhengHei" panose="020B0604030504040204" pitchFamily="34" charset="-120"/>
-            </a:endParaRPr>
-          </a:p>
-          <a:p>
-            <a:r>
-              <a:rPr kumimoji="1" lang="zh-CN" altLang="en-US" dirty="0">
-                <a:latin typeface="Microsoft JhengHei" panose="020B0604030504040204" pitchFamily="34" charset="-120"/>
-                <a:ea typeface="Microsoft JhengHei" panose="020B0604030504040204" pitchFamily="34" charset="-120"/>
-              </a:rPr>
-              <a:t>學生監護人與學生成績</a:t>
+              <a:t>學生所選課程</a:t>
             </a:r>
             <a:endParaRPr kumimoji="1" lang="en-US" altLang="zh-CN" dirty="0">
               <a:latin typeface="Microsoft JhengHei" panose="020B0604030504040204" pitchFamily="34" charset="-120"/>
@@ -15791,18 +15992,38 @@
           <a:p>
             <a:r>
               <a:rPr kumimoji="1" lang="zh-CN" altLang="en-US" dirty="0">
-                <a:solidFill>
-                  <a:srgbClr val="FF0000"/>
-                </a:solidFill>
                 <a:latin typeface="Microsoft JhengHei" panose="020B0604030504040204" pitchFamily="34" charset="-120"/>
                 <a:ea typeface="Microsoft JhengHei" panose="020B0604030504040204" pitchFamily="34" charset="-120"/>
               </a:rPr>
+              <a:t>不同學年學生間成績</a:t>
+            </a:r>
+            <a:endParaRPr kumimoji="1" lang="en-US" altLang="zh-CN" dirty="0">
+              <a:latin typeface="Microsoft JhengHei" panose="020B0604030504040204" pitchFamily="34" charset="-120"/>
+              <a:ea typeface="Microsoft JhengHei" panose="020B0604030504040204" pitchFamily="34" charset="-120"/>
+            </a:endParaRPr>
+          </a:p>
+          <a:p>
+            <a:r>
+              <a:rPr kumimoji="1" lang="zh-CN" altLang="en-US" dirty="0">
+                <a:latin typeface="Microsoft JhengHei" panose="020B0604030504040204" pitchFamily="34" charset="-120"/>
+                <a:ea typeface="Microsoft JhengHei" panose="020B0604030504040204" pitchFamily="34" charset="-120"/>
+              </a:rPr>
+              <a:t>學生監護人與學生成績</a:t>
+            </a:r>
+            <a:endParaRPr kumimoji="1" lang="en-US" altLang="zh-CN" dirty="0">
+              <a:latin typeface="Microsoft JhengHei" panose="020B0604030504040204" pitchFamily="34" charset="-120"/>
+              <a:ea typeface="Microsoft JhengHei" panose="020B0604030504040204" pitchFamily="34" charset="-120"/>
+            </a:endParaRPr>
+          </a:p>
+          <a:p>
+            <a:r>
+              <a:rPr kumimoji="1" lang="zh-CN" altLang="en-US" dirty="0">
+                <a:latin typeface="Microsoft JhengHei" panose="020B0604030504040204" pitchFamily="34" charset="-120"/>
+                <a:ea typeface="Microsoft JhengHei" panose="020B0604030504040204" pitchFamily="34" charset="-120"/>
+              </a:rPr>
               <a:t>學生課堂活躍度</a:t>
             </a:r>
             <a:endParaRPr kumimoji="1" lang="en-US" altLang="zh-CN" dirty="0">
-              <a:solidFill>
-                <a:srgbClr val="FF0000"/>
-              </a:solidFill>
               <a:latin typeface="Microsoft JhengHei" panose="020B0604030504040204" pitchFamily="34" charset="-120"/>
               <a:ea typeface="Microsoft JhengHei" panose="020B0604030504040204" pitchFamily="34" charset="-120"/>
             </a:endParaRPr>
@@ -16035,9 +16256,6 @@
           <a:p>
             <a:r>
               <a:rPr kumimoji="1" lang="zh-CN" altLang="en-US" dirty="0">
-                <a:solidFill>
-                  <a:srgbClr val="FF0000"/>
-                </a:solidFill>
                 <a:latin typeface="Microsoft JhengHei" panose="020B0604030504040204" pitchFamily="34" charset="-120"/>
                 <a:ea typeface="Microsoft JhengHei" panose="020B0604030504040204" pitchFamily="34" charset="-120"/>
               </a:rPr>

--- a/BDA_Final.pptx
+++ b/BDA_Final.pptx
@@ -10696,7 +10696,7 @@
                 </a:solidFill>
                 <a:latin typeface="Consolas" panose="020B0609020204030204" pitchFamily="49" charset="0"/>
               </a:rPr>
-              <a:t>4                  RBF        0.819444  </a:t>
+              <a:t>4              SVM-RBF        0.819444  </a:t>
             </a:r>
             <a:endParaRPr lang="en-GB" altLang="zh-TW" dirty="0">
               <a:solidFill>
@@ -10713,7 +10713,7 @@
                 </a:solidFill>
                 <a:latin typeface="Consolas" panose="020B0609020204030204" pitchFamily="49" charset="0"/>
               </a:rPr>
-              <a:t>5               Linear        0.777778  </a:t>
+              <a:t>5           SVM-Linear        0.777778  </a:t>
             </a:r>
             <a:endParaRPr lang="en-GB" altLang="zh-TW" dirty="0">
               <a:solidFill>
@@ -10730,7 +10730,7 @@
                 </a:solidFill>
                 <a:latin typeface="Consolas" panose="020B0609020204030204" pitchFamily="49" charset="0"/>
               </a:rPr>
-              <a:t>6           Polynomial        0.388889  </a:t>
+              <a:t>6       SVM-Polynomial        0.388889  </a:t>
             </a:r>
             <a:endParaRPr lang="en-GB" altLang="zh-TW" dirty="0">
               <a:solidFill>
@@ -10741,13 +10741,22 @@
           </a:p>
           <a:p>
             <a:r>
+              <a:rPr lang="en-GB" altLang="zh-TW">
+                <a:solidFill>
+                  <a:srgbClr val="000000"/>
+                </a:solidFill>
+                <a:latin typeface="Consolas" panose="020B0609020204030204" pitchFamily="49" charset="0"/>
+              </a:rPr>
+              <a:t>7          SVM-Sigmoid        </a:t>
+            </a:r>
+            <a:r>
               <a:rPr lang="en-GB" altLang="zh-TW" dirty="0">
                 <a:solidFill>
                   <a:srgbClr val="000000"/>
                 </a:solidFill>
                 <a:latin typeface="Consolas" panose="020B0609020204030204" pitchFamily="49" charset="0"/>
               </a:rPr>
-              <a:t>7              Sigmoid        0.770833  </a:t>
+              <a:t>0.770833  </a:t>
             </a:r>
             <a:endParaRPr lang="en-GB" altLang="zh-TW" b="0" i="0" dirty="0">
               <a:solidFill>
